--- a/JSP 게시판 프로젝트.pptx
+++ b/JSP 게시판 프로젝트.pptx
@@ -1,6 +1,6 @@
 
 <file path=ppt/presentation.xml><?xml version="1.0" encoding="utf-8"?>
-<p:presentation xmlns:a="http://schemas.openxmlformats.org/drawingml/2006/main" xmlns:r="http://schemas.openxmlformats.org/officeDocument/2006/relationships" xmlns:p="http://schemas.openxmlformats.org/presentationml/2006/main" embedTrueTypeFonts="1" saveSubsetFonts="1" autoCompressPictures="0">
+<p:presentation xmlns:a="http://schemas.openxmlformats.org/drawingml/2006/main" xmlns:r="http://schemas.openxmlformats.org/officeDocument/2006/relationships" xmlns:p="http://schemas.openxmlformats.org/presentationml/2006/main" saveSubsetFonts="1">
   <p:sldMasterIdLst>
     <p:sldMasterId id="2147483648" r:id="rId1"/>
   </p:sldMasterIdLst>
@@ -10,24 +10,14 @@
   <p:sldIdLst>
     <p:sldId id="256" r:id="rId2"/>
     <p:sldId id="257" r:id="rId3"/>
-    <p:sldId id="258" r:id="rId4"/>
-    <p:sldId id="259" r:id="rId5"/>
-    <p:sldId id="260" r:id="rId6"/>
-    <p:sldId id="261" r:id="rId7"/>
-    <p:sldId id="262" r:id="rId8"/>
+    <p:sldId id="265" r:id="rId4"/>
+    <p:sldId id="266" r:id="rId5"/>
+    <p:sldId id="267" r:id="rId6"/>
+    <p:sldId id="268" r:id="rId7"/>
+    <p:sldId id="269" r:id="rId8"/>
   </p:sldIdLst>
-  <p:sldSz cx="14630400" cy="8229600"/>
-  <p:notesSz cx="8229600" cy="14630400"/>
-  <p:embeddedFontLst>
-    <p:embeddedFont>
-      <p:font typeface="DM Sans Medium" pitchFamily="2" charset="0"/>
-      <p:regular r:id="rId10"/>
-    </p:embeddedFont>
-    <p:embeddedFont>
-      <p:font typeface="Inter" panose="020B0600000101010101" charset="0"/>
-      <p:regular r:id="rId11"/>
-    </p:embeddedFont>
-  </p:embeddedFontLst>
+  <p:sldSz cx="12192000" cy="6858000"/>
+  <p:notesSz cx="6858000" cy="9144000"/>
   <p:defaultTextStyle>
     <a:defPPr>
       <a:defRPr lang="ko-KR"/>
@@ -123,11 +113,6 @@
       </a:defRPr>
     </a:lvl9pPr>
   </p:defaultTextStyle>
-  <p:extLst>
-    <p:ext uri="{EFAFB233-063F-42B5-8137-9DF3F51BA10A}">
-      <p15:sldGuideLst xmlns:p15="http://schemas.microsoft.com/office/powerpoint/2012/main"/>
-    </p:ext>
-  </p:extLst>
 </p:presentation>
 </file>
 
@@ -153,10 +138,234 @@
           <a:chExt cx="0" cy="0"/>
         </a:xfrm>
       </p:grpSpPr>
+      <p:sp>
+        <p:nvSpPr>
+          <p:cNvPr id="2" name="머리글 개체 틀 1"/>
+          <p:cNvSpPr>
+            <a:spLocks noGrp="1"/>
+          </p:cNvSpPr>
+          <p:nvPr>
+            <p:ph type="hdr" sz="quarter"/>
+          </p:nvPr>
+        </p:nvSpPr>
+        <p:spPr>
+          <a:xfrm>
+            <a:off x="0" y="0"/>
+            <a:ext cx="2971800" cy="458788"/>
+          </a:xfrm>
+          <a:prstGeom prst="rect">
+            <a:avLst/>
+          </a:prstGeom>
+        </p:spPr>
+        <p:txBody>
+          <a:bodyPr vert="horz" lIns="91440" tIns="45720" rIns="91440" bIns="45720" rtlCol="0"/>
+          <a:lstStyle>
+            <a:lvl1pPr algn="l">
+              <a:defRPr sz="1200"/>
+            </a:lvl1pPr>
+          </a:lstStyle>
+          <a:p>
+            <a:endParaRPr lang="ko-KR" altLang="en-US"/>
+          </a:p>
+        </p:txBody>
+      </p:sp>
+      <p:sp>
+        <p:nvSpPr>
+          <p:cNvPr id="3" name="날짜 개체 틀 2"/>
+          <p:cNvSpPr>
+            <a:spLocks noGrp="1"/>
+          </p:cNvSpPr>
+          <p:nvPr>
+            <p:ph type="dt" idx="1"/>
+          </p:nvPr>
+        </p:nvSpPr>
+        <p:spPr>
+          <a:xfrm>
+            <a:off x="3884613" y="0"/>
+            <a:ext cx="2971800" cy="458788"/>
+          </a:xfrm>
+          <a:prstGeom prst="rect">
+            <a:avLst/>
+          </a:prstGeom>
+        </p:spPr>
+        <p:txBody>
+          <a:bodyPr vert="horz" lIns="91440" tIns="45720" rIns="91440" bIns="45720" rtlCol="0"/>
+          <a:lstStyle>
+            <a:lvl1pPr algn="r">
+              <a:defRPr sz="1200"/>
+            </a:lvl1pPr>
+          </a:lstStyle>
+          <a:p>
+            <a:fld id="{C785B852-38CE-406E-9ACB-6BE08668CC2C}" type="datetimeFigureOut">
+              <a:rPr lang="ko-KR" altLang="en-US" smtClean="0"/>
+              <a:t>2025-05-13</a:t>
+            </a:fld>
+            <a:endParaRPr lang="ko-KR" altLang="en-US"/>
+          </a:p>
+        </p:txBody>
+      </p:sp>
+      <p:sp>
+        <p:nvSpPr>
+          <p:cNvPr id="4" name="슬라이드 이미지 개체 틀 3"/>
+          <p:cNvSpPr>
+            <a:spLocks noGrp="1" noRot="1" noChangeAspect="1"/>
+          </p:cNvSpPr>
+          <p:nvPr>
+            <p:ph type="sldImg" idx="2"/>
+          </p:nvPr>
+        </p:nvSpPr>
+        <p:spPr>
+          <a:xfrm>
+            <a:off x="685800" y="1143000"/>
+            <a:ext cx="5486400" cy="3086100"/>
+          </a:xfrm>
+          <a:prstGeom prst="rect">
+            <a:avLst/>
+          </a:prstGeom>
+          <a:noFill/>
+          <a:ln w="12700">
+            <a:solidFill>
+              <a:prstClr val="black"/>
+            </a:solidFill>
+          </a:ln>
+        </p:spPr>
+        <p:txBody>
+          <a:bodyPr vert="horz" lIns="91440" tIns="45720" rIns="91440" bIns="45720" rtlCol="0" anchor="ctr"/>
+          <a:lstStyle/>
+          <a:p>
+            <a:endParaRPr lang="ko-KR" altLang="en-US"/>
+          </a:p>
+        </p:txBody>
+      </p:sp>
+      <p:sp>
+        <p:nvSpPr>
+          <p:cNvPr id="5" name="슬라이드 노트 개체 틀 4"/>
+          <p:cNvSpPr>
+            <a:spLocks noGrp="1"/>
+          </p:cNvSpPr>
+          <p:nvPr>
+            <p:ph type="body" sz="quarter" idx="3"/>
+          </p:nvPr>
+        </p:nvSpPr>
+        <p:spPr>
+          <a:xfrm>
+            <a:off x="685800" y="4400550"/>
+            <a:ext cx="5486400" cy="3600450"/>
+          </a:xfrm>
+          <a:prstGeom prst="rect">
+            <a:avLst/>
+          </a:prstGeom>
+        </p:spPr>
+        <p:txBody>
+          <a:bodyPr vert="horz" lIns="91440" tIns="45720" rIns="91440" bIns="45720" rtlCol="0"/>
+          <a:lstStyle/>
+          <a:p>
+            <a:pPr lvl="0"/>
+            <a:r>
+              <a:rPr lang="ko-KR" altLang="en-US"/>
+              <a:t>마스터 텍스트 스타일을 편집하려면 클릭</a:t>
+            </a:r>
+          </a:p>
+          <a:p>
+            <a:pPr lvl="1"/>
+            <a:r>
+              <a:rPr lang="ko-KR" altLang="en-US"/>
+              <a:t>두 번째 수준</a:t>
+            </a:r>
+          </a:p>
+          <a:p>
+            <a:pPr lvl="2"/>
+            <a:r>
+              <a:rPr lang="ko-KR" altLang="en-US"/>
+              <a:t>세 번째 수준</a:t>
+            </a:r>
+          </a:p>
+          <a:p>
+            <a:pPr lvl="3"/>
+            <a:r>
+              <a:rPr lang="ko-KR" altLang="en-US"/>
+              <a:t>네 번째 수준</a:t>
+            </a:r>
+          </a:p>
+          <a:p>
+            <a:pPr lvl="4"/>
+            <a:r>
+              <a:rPr lang="ko-KR" altLang="en-US"/>
+              <a:t>다섯 번째 수준</a:t>
+            </a:r>
+          </a:p>
+        </p:txBody>
+      </p:sp>
+      <p:sp>
+        <p:nvSpPr>
+          <p:cNvPr id="6" name="바닥글 개체 틀 5"/>
+          <p:cNvSpPr>
+            <a:spLocks noGrp="1"/>
+          </p:cNvSpPr>
+          <p:nvPr>
+            <p:ph type="ftr" sz="quarter" idx="4"/>
+          </p:nvPr>
+        </p:nvSpPr>
+        <p:spPr>
+          <a:xfrm>
+            <a:off x="0" y="8685213"/>
+            <a:ext cx="2971800" cy="458787"/>
+          </a:xfrm>
+          <a:prstGeom prst="rect">
+            <a:avLst/>
+          </a:prstGeom>
+        </p:spPr>
+        <p:txBody>
+          <a:bodyPr vert="horz" lIns="91440" tIns="45720" rIns="91440" bIns="45720" rtlCol="0" anchor="b"/>
+          <a:lstStyle>
+            <a:lvl1pPr algn="l">
+              <a:defRPr sz="1200"/>
+            </a:lvl1pPr>
+          </a:lstStyle>
+          <a:p>
+            <a:endParaRPr lang="ko-KR" altLang="en-US"/>
+          </a:p>
+        </p:txBody>
+      </p:sp>
+      <p:sp>
+        <p:nvSpPr>
+          <p:cNvPr id="7" name="슬라이드 번호 개체 틀 6"/>
+          <p:cNvSpPr>
+            <a:spLocks noGrp="1"/>
+          </p:cNvSpPr>
+          <p:nvPr>
+            <p:ph type="sldNum" sz="quarter" idx="5"/>
+          </p:nvPr>
+        </p:nvSpPr>
+        <p:spPr>
+          <a:xfrm>
+            <a:off x="3884613" y="8685213"/>
+            <a:ext cx="2971800" cy="458787"/>
+          </a:xfrm>
+          <a:prstGeom prst="rect">
+            <a:avLst/>
+          </a:prstGeom>
+        </p:spPr>
+        <p:txBody>
+          <a:bodyPr vert="horz" lIns="91440" tIns="45720" rIns="91440" bIns="45720" rtlCol="0" anchor="b"/>
+          <a:lstStyle>
+            <a:lvl1pPr algn="r">
+              <a:defRPr sz="1200"/>
+            </a:lvl1pPr>
+          </a:lstStyle>
+          <a:p>
+            <a:fld id="{58C9B2D4-0ACF-4CE5-9FCF-62F6B896E686}" type="slidenum">
+              <a:rPr lang="ko-KR" altLang="en-US" smtClean="0"/>
+              <a:t>‹#›</a:t>
+            </a:fld>
+            <a:endParaRPr lang="ko-KR" altLang="en-US"/>
+          </a:p>
+        </p:txBody>
+      </p:sp>
     </p:spTree>
     <p:extLst>
       <p:ext uri="{BB962C8B-B14F-4D97-AF65-F5344CB8AC3E}">
-        <p14:creationId xmlns:p14="http://schemas.microsoft.com/office/powerpoint/2010/main" val="3848071097"/>
+        <p14:creationId xmlns:p14="http://schemas.microsoft.com/office/powerpoint/2010/main" val="1122496280"/>
       </p:ext>
     </p:extLst>
   </p:cSld>
@@ -256,9 +465,9 @@
 </p:notesMaster>
 </file>
 
-<file path=ppt/notesSlides/notesSlide1.xml><?xml version="1.0" encoding="utf-8"?>
-<p:notes xmlns:a="http://schemas.openxmlformats.org/drawingml/2006/main" xmlns:r="http://schemas.openxmlformats.org/officeDocument/2006/relationships" xmlns:p="http://schemas.openxmlformats.org/presentationml/2006/main">
-  <p:cSld>
+<file path=ppt/slideLayouts/slideLayout1.xml><?xml version="1.0" encoding="utf-8"?>
+<p:sldLayout xmlns:a="http://schemas.openxmlformats.org/drawingml/2006/main" xmlns:r="http://schemas.openxmlformats.org/officeDocument/2006/relationships" xmlns:p="http://schemas.openxmlformats.org/presentationml/2006/main" type="title" preserve="1">
+  <p:cSld name="제목 슬라이드">
     <p:spTree>
       <p:nvGrpSpPr>
         <p:cNvPr id="1" name=""/>
@@ -275,74 +484,210 @@
       </p:grpSpPr>
       <p:sp>
         <p:nvSpPr>
-          <p:cNvPr id="2" name="Slide Image Placeholder 1"/>
-          <p:cNvSpPr>
-            <a:spLocks noGrp="1" noRot="1" noChangeAspect="1"/>
-          </p:cNvSpPr>
-          <p:nvPr>
-            <p:ph type="sldImg"/>
-          </p:nvPr>
-        </p:nvSpPr>
-        <p:spPr/>
-      </p:sp>
-      <p:sp>
-        <p:nvSpPr>
-          <p:cNvPr id="3" name="Notes Placeholder 2"/>
+          <p:cNvPr id="2" name="제목 1">
+            <a:extLst>
+              <a:ext uri="{FF2B5EF4-FFF2-40B4-BE49-F238E27FC236}">
+                <a16:creationId xmlns:a16="http://schemas.microsoft.com/office/drawing/2014/main" id="{9878AB70-C8C9-8B34-D85D-0C94F878B0A0}"/>
+              </a:ext>
+            </a:extLst>
+          </p:cNvPr>
           <p:cNvSpPr>
             <a:spLocks noGrp="1"/>
           </p:cNvSpPr>
           <p:nvPr>
-            <p:ph type="body" idx="1"/>
+            <p:ph type="ctrTitle"/>
           </p:nvPr>
         </p:nvSpPr>
-        <p:spPr/>
-        <p:txBody>
-          <a:bodyPr/>
-          <a:lstStyle/>
-          <a:p>
-            <a:endParaRPr lang="en-US" dirty="0"/>
-          </a:p>
-        </p:txBody>
-      </p:sp>
-      <p:sp>
-        <p:nvSpPr>
-          <p:cNvPr id="4" name="Slide Number Placeholder 3"/>
+        <p:spPr>
+          <a:xfrm>
+            <a:off x="1524000" y="1122363"/>
+            <a:ext cx="9144000" cy="2387600"/>
+          </a:xfrm>
+        </p:spPr>
+        <p:txBody>
+          <a:bodyPr anchor="b"/>
+          <a:lstStyle>
+            <a:lvl1pPr algn="ctr">
+              <a:defRPr sz="6000"/>
+            </a:lvl1pPr>
+          </a:lstStyle>
+          <a:p>
+            <a:r>
+              <a:rPr lang="ko-KR" altLang="en-US"/>
+              <a:t>마스터 제목 스타일 편집</a:t>
+            </a:r>
+          </a:p>
+        </p:txBody>
+      </p:sp>
+      <p:sp>
+        <p:nvSpPr>
+          <p:cNvPr id="3" name="부제목 2">
+            <a:extLst>
+              <a:ext uri="{FF2B5EF4-FFF2-40B4-BE49-F238E27FC236}">
+                <a16:creationId xmlns:a16="http://schemas.microsoft.com/office/drawing/2014/main" id="{B74F099F-C8D7-655F-5FD6-FD174E9793D7}"/>
+              </a:ext>
+            </a:extLst>
+          </p:cNvPr>
           <p:cNvSpPr>
             <a:spLocks noGrp="1"/>
           </p:cNvSpPr>
           <p:nvPr>
-            <p:ph type="sldNum" sz="quarter" idx="10"/>
+            <p:ph type="subTitle" idx="1"/>
           </p:nvPr>
         </p:nvSpPr>
+        <p:spPr>
+          <a:xfrm>
+            <a:off x="1524000" y="3602038"/>
+            <a:ext cx="9144000" cy="1655762"/>
+          </a:xfrm>
+        </p:spPr>
+        <p:txBody>
+          <a:bodyPr/>
+          <a:lstStyle>
+            <a:lvl1pPr marL="0" indent="0" algn="ctr">
+              <a:buNone/>
+              <a:defRPr sz="2400"/>
+            </a:lvl1pPr>
+            <a:lvl2pPr marL="457200" indent="0" algn="ctr">
+              <a:buNone/>
+              <a:defRPr sz="2000"/>
+            </a:lvl2pPr>
+            <a:lvl3pPr marL="914400" indent="0" algn="ctr">
+              <a:buNone/>
+              <a:defRPr sz="1800"/>
+            </a:lvl3pPr>
+            <a:lvl4pPr marL="1371600" indent="0" algn="ctr">
+              <a:buNone/>
+              <a:defRPr sz="1600"/>
+            </a:lvl4pPr>
+            <a:lvl5pPr marL="1828800" indent="0" algn="ctr">
+              <a:buNone/>
+              <a:defRPr sz="1600"/>
+            </a:lvl5pPr>
+            <a:lvl6pPr marL="2286000" indent="0" algn="ctr">
+              <a:buNone/>
+              <a:defRPr sz="1600"/>
+            </a:lvl6pPr>
+            <a:lvl7pPr marL="2743200" indent="0" algn="ctr">
+              <a:buNone/>
+              <a:defRPr sz="1600"/>
+            </a:lvl7pPr>
+            <a:lvl8pPr marL="3200400" indent="0" algn="ctr">
+              <a:buNone/>
+              <a:defRPr sz="1600"/>
+            </a:lvl8pPr>
+            <a:lvl9pPr marL="3657600" indent="0" algn="ctr">
+              <a:buNone/>
+              <a:defRPr sz="1600"/>
+            </a:lvl9pPr>
+          </a:lstStyle>
+          <a:p>
+            <a:r>
+              <a:rPr lang="ko-KR" altLang="en-US"/>
+              <a:t>클릭하여 마스터 부제목 스타일 편집</a:t>
+            </a:r>
+          </a:p>
+        </p:txBody>
+      </p:sp>
+      <p:sp>
+        <p:nvSpPr>
+          <p:cNvPr id="4" name="날짜 개체 틀 3">
+            <a:extLst>
+              <a:ext uri="{FF2B5EF4-FFF2-40B4-BE49-F238E27FC236}">
+                <a16:creationId xmlns:a16="http://schemas.microsoft.com/office/drawing/2014/main" id="{599D9DE4-7647-D2DF-DFE6-EF2DE16371BB}"/>
+              </a:ext>
+            </a:extLst>
+          </p:cNvPr>
+          <p:cNvSpPr>
+            <a:spLocks noGrp="1"/>
+          </p:cNvSpPr>
+          <p:nvPr>
+            <p:ph type="dt" sz="half" idx="10"/>
+          </p:nvPr>
+        </p:nvSpPr>
         <p:spPr/>
         <p:txBody>
           <a:bodyPr/>
           <a:lstStyle/>
           <a:p>
-            <a:fld id="{F7021451-1387-4CA6-816F-3879F97B5CBC}" type="slidenum">
-              <a:rPr lang="en-US"/>
-              <a:t>1</a:t>
+            <a:fld id="{88D4E6A9-5FF2-4AAB-9EC2-C54497312A04}" type="datetimeFigureOut">
+              <a:rPr lang="ko-KR" altLang="en-US" smtClean="0"/>
+              <a:t>2025-05-13</a:t>
             </a:fld>
-            <a:endParaRPr lang="en-US"/>
+            <a:endParaRPr lang="ko-KR" altLang="en-US"/>
+          </a:p>
+        </p:txBody>
+      </p:sp>
+      <p:sp>
+        <p:nvSpPr>
+          <p:cNvPr id="5" name="바닥글 개체 틀 4">
+            <a:extLst>
+              <a:ext uri="{FF2B5EF4-FFF2-40B4-BE49-F238E27FC236}">
+                <a16:creationId xmlns:a16="http://schemas.microsoft.com/office/drawing/2014/main" id="{86839DE4-F92B-2908-19B3-CCCA8E9A0BD7}"/>
+              </a:ext>
+            </a:extLst>
+          </p:cNvPr>
+          <p:cNvSpPr>
+            <a:spLocks noGrp="1"/>
+          </p:cNvSpPr>
+          <p:nvPr>
+            <p:ph type="ftr" sz="quarter" idx="11"/>
+          </p:nvPr>
+        </p:nvSpPr>
+        <p:spPr/>
+        <p:txBody>
+          <a:bodyPr/>
+          <a:lstStyle/>
+          <a:p>
+            <a:endParaRPr lang="ko-KR" altLang="en-US"/>
+          </a:p>
+        </p:txBody>
+      </p:sp>
+      <p:sp>
+        <p:nvSpPr>
+          <p:cNvPr id="6" name="슬라이드 번호 개체 틀 5">
+            <a:extLst>
+              <a:ext uri="{FF2B5EF4-FFF2-40B4-BE49-F238E27FC236}">
+                <a16:creationId xmlns:a16="http://schemas.microsoft.com/office/drawing/2014/main" id="{AEAA787D-0B0E-1E23-0268-DF7B10FDBF03}"/>
+              </a:ext>
+            </a:extLst>
+          </p:cNvPr>
+          <p:cNvSpPr>
+            <a:spLocks noGrp="1"/>
+          </p:cNvSpPr>
+          <p:nvPr>
+            <p:ph type="sldNum" sz="quarter" idx="12"/>
+          </p:nvPr>
+        </p:nvSpPr>
+        <p:spPr/>
+        <p:txBody>
+          <a:bodyPr/>
+          <a:lstStyle/>
+          <a:p>
+            <a:fld id="{B36BF72A-A713-4C0A-A943-A4E17232D9A3}" type="slidenum">
+              <a:rPr lang="ko-KR" altLang="en-US" smtClean="0"/>
+              <a:t>‹#›</a:t>
+            </a:fld>
+            <a:endParaRPr lang="ko-KR" altLang="en-US"/>
           </a:p>
         </p:txBody>
       </p:sp>
     </p:spTree>
     <p:extLst>
       <p:ext uri="{BB962C8B-B14F-4D97-AF65-F5344CB8AC3E}">
-        <p14:creationId xmlns:p14="http://schemas.microsoft.com/office/powerpoint/2010/main" val="1024086991"/>
+        <p14:creationId xmlns:p14="http://schemas.microsoft.com/office/powerpoint/2010/main" val="913869328"/>
       </p:ext>
     </p:extLst>
   </p:cSld>
   <p:clrMapOvr>
     <a:masterClrMapping/>
   </p:clrMapOvr>
-</p:notes>
+</p:sldLayout>
 </file>
 
-<file path=ppt/notesSlides/notesSlide2.xml><?xml version="1.0" encoding="utf-8"?>
-<p:notes xmlns:a="http://schemas.openxmlformats.org/drawingml/2006/main" xmlns:r="http://schemas.openxmlformats.org/officeDocument/2006/relationships" xmlns:p="http://schemas.openxmlformats.org/presentationml/2006/main">
-  <p:cSld>
+<file path=ppt/slideLayouts/slideLayout10.xml><?xml version="1.0" encoding="utf-8"?>
+<p:sldLayout xmlns:a="http://schemas.openxmlformats.org/drawingml/2006/main" xmlns:r="http://schemas.openxmlformats.org/officeDocument/2006/relationships" xmlns:p="http://schemas.openxmlformats.org/presentationml/2006/main" type="vertTx" preserve="1">
+  <p:cSld name="제목 및 세로 텍스트">
     <p:spTree>
       <p:nvGrpSpPr>
         <p:cNvPr id="1" name=""/>
@@ -359,24 +704,18 @@
       </p:grpSpPr>
       <p:sp>
         <p:nvSpPr>
-          <p:cNvPr id="2" name="Slide Image Placeholder 1"/>
-          <p:cNvSpPr>
-            <a:spLocks noGrp="1" noRot="1" noChangeAspect="1"/>
-          </p:cNvSpPr>
-          <p:nvPr>
-            <p:ph type="sldImg"/>
-          </p:nvPr>
-        </p:nvSpPr>
-        <p:spPr/>
-      </p:sp>
-      <p:sp>
-        <p:nvSpPr>
-          <p:cNvPr id="3" name="Notes Placeholder 2"/>
+          <p:cNvPr id="2" name="제목 1">
+            <a:extLst>
+              <a:ext uri="{FF2B5EF4-FFF2-40B4-BE49-F238E27FC236}">
+                <a16:creationId xmlns:a16="http://schemas.microsoft.com/office/drawing/2014/main" id="{47B8C645-3D4E-1C2B-52B5-BCD339675700}"/>
+              </a:ext>
+            </a:extLst>
+          </p:cNvPr>
           <p:cNvSpPr>
             <a:spLocks noGrp="1"/>
           </p:cNvSpPr>
           <p:nvPr>
-            <p:ph type="body" idx="1"/>
+            <p:ph type="title"/>
           </p:nvPr>
         </p:nvSpPr>
         <p:spPr/>
@@ -384,49 +723,169 @@
           <a:bodyPr/>
           <a:lstStyle/>
           <a:p>
-            <a:endParaRPr lang="en-US" dirty="0"/>
-          </a:p>
-        </p:txBody>
-      </p:sp>
-      <p:sp>
-        <p:nvSpPr>
-          <p:cNvPr id="4" name="Slide Number Placeholder 3"/>
+            <a:r>
+              <a:rPr lang="ko-KR" altLang="en-US"/>
+              <a:t>마스터 제목 스타일 편집</a:t>
+            </a:r>
+          </a:p>
+        </p:txBody>
+      </p:sp>
+      <p:sp>
+        <p:nvSpPr>
+          <p:cNvPr id="3" name="세로 텍스트 개체 틀 2">
+            <a:extLst>
+              <a:ext uri="{FF2B5EF4-FFF2-40B4-BE49-F238E27FC236}">
+                <a16:creationId xmlns:a16="http://schemas.microsoft.com/office/drawing/2014/main" id="{D64310F0-403E-3D7B-CA3F-E888D967CE2D}"/>
+              </a:ext>
+            </a:extLst>
+          </p:cNvPr>
           <p:cNvSpPr>
             <a:spLocks noGrp="1"/>
           </p:cNvSpPr>
           <p:nvPr>
-            <p:ph type="sldNum" sz="quarter" idx="10"/>
+            <p:ph type="body" orient="vert" idx="1"/>
           </p:nvPr>
         </p:nvSpPr>
         <p:spPr/>
         <p:txBody>
+          <a:bodyPr vert="eaVert"/>
+          <a:lstStyle/>
+          <a:p>
+            <a:pPr lvl="0"/>
+            <a:r>
+              <a:rPr lang="ko-KR" altLang="en-US"/>
+              <a:t>마스터 텍스트 스타일을 편집하려면 클릭</a:t>
+            </a:r>
+          </a:p>
+          <a:p>
+            <a:pPr lvl="1"/>
+            <a:r>
+              <a:rPr lang="ko-KR" altLang="en-US"/>
+              <a:t>두 번째 수준</a:t>
+            </a:r>
+          </a:p>
+          <a:p>
+            <a:pPr lvl="2"/>
+            <a:r>
+              <a:rPr lang="ko-KR" altLang="en-US"/>
+              <a:t>세 번째 수준</a:t>
+            </a:r>
+          </a:p>
+          <a:p>
+            <a:pPr lvl="3"/>
+            <a:r>
+              <a:rPr lang="ko-KR" altLang="en-US"/>
+              <a:t>네 번째 수준</a:t>
+            </a:r>
+          </a:p>
+          <a:p>
+            <a:pPr lvl="4"/>
+            <a:r>
+              <a:rPr lang="ko-KR" altLang="en-US"/>
+              <a:t>다섯 번째 수준</a:t>
+            </a:r>
+          </a:p>
+        </p:txBody>
+      </p:sp>
+      <p:sp>
+        <p:nvSpPr>
+          <p:cNvPr id="4" name="날짜 개체 틀 3">
+            <a:extLst>
+              <a:ext uri="{FF2B5EF4-FFF2-40B4-BE49-F238E27FC236}">
+                <a16:creationId xmlns:a16="http://schemas.microsoft.com/office/drawing/2014/main" id="{802B25BD-E0B2-876D-F268-E62AD2F78467}"/>
+              </a:ext>
+            </a:extLst>
+          </p:cNvPr>
+          <p:cNvSpPr>
+            <a:spLocks noGrp="1"/>
+          </p:cNvSpPr>
+          <p:nvPr>
+            <p:ph type="dt" sz="half" idx="10"/>
+          </p:nvPr>
+        </p:nvSpPr>
+        <p:spPr/>
+        <p:txBody>
           <a:bodyPr/>
           <a:lstStyle/>
           <a:p>
-            <a:fld id="{F7021451-1387-4CA6-816F-3879F97B5CBC}" type="slidenum">
-              <a:rPr lang="en-US"/>
-              <a:t>2</a:t>
+            <a:fld id="{88D4E6A9-5FF2-4AAB-9EC2-C54497312A04}" type="datetimeFigureOut">
+              <a:rPr lang="ko-KR" altLang="en-US" smtClean="0"/>
+              <a:t>2025-05-13</a:t>
             </a:fld>
-            <a:endParaRPr lang="en-US"/>
+            <a:endParaRPr lang="ko-KR" altLang="en-US"/>
+          </a:p>
+        </p:txBody>
+      </p:sp>
+      <p:sp>
+        <p:nvSpPr>
+          <p:cNvPr id="5" name="바닥글 개체 틀 4">
+            <a:extLst>
+              <a:ext uri="{FF2B5EF4-FFF2-40B4-BE49-F238E27FC236}">
+                <a16:creationId xmlns:a16="http://schemas.microsoft.com/office/drawing/2014/main" id="{FB03EDA9-6229-39A4-B3AF-C6D3C9E6C05C}"/>
+              </a:ext>
+            </a:extLst>
+          </p:cNvPr>
+          <p:cNvSpPr>
+            <a:spLocks noGrp="1"/>
+          </p:cNvSpPr>
+          <p:nvPr>
+            <p:ph type="ftr" sz="quarter" idx="11"/>
+          </p:nvPr>
+        </p:nvSpPr>
+        <p:spPr/>
+        <p:txBody>
+          <a:bodyPr/>
+          <a:lstStyle/>
+          <a:p>
+            <a:endParaRPr lang="ko-KR" altLang="en-US"/>
+          </a:p>
+        </p:txBody>
+      </p:sp>
+      <p:sp>
+        <p:nvSpPr>
+          <p:cNvPr id="6" name="슬라이드 번호 개체 틀 5">
+            <a:extLst>
+              <a:ext uri="{FF2B5EF4-FFF2-40B4-BE49-F238E27FC236}">
+                <a16:creationId xmlns:a16="http://schemas.microsoft.com/office/drawing/2014/main" id="{36239FE4-C88D-B5C4-EFF2-E24E3137BEEB}"/>
+              </a:ext>
+            </a:extLst>
+          </p:cNvPr>
+          <p:cNvSpPr>
+            <a:spLocks noGrp="1"/>
+          </p:cNvSpPr>
+          <p:nvPr>
+            <p:ph type="sldNum" sz="quarter" idx="12"/>
+          </p:nvPr>
+        </p:nvSpPr>
+        <p:spPr/>
+        <p:txBody>
+          <a:bodyPr/>
+          <a:lstStyle/>
+          <a:p>
+            <a:fld id="{B36BF72A-A713-4C0A-A943-A4E17232D9A3}" type="slidenum">
+              <a:rPr lang="ko-KR" altLang="en-US" smtClean="0"/>
+              <a:t>‹#›</a:t>
+            </a:fld>
+            <a:endParaRPr lang="ko-KR" altLang="en-US"/>
           </a:p>
         </p:txBody>
       </p:sp>
     </p:spTree>
     <p:extLst>
       <p:ext uri="{BB962C8B-B14F-4D97-AF65-F5344CB8AC3E}">
-        <p14:creationId xmlns:p14="http://schemas.microsoft.com/office/powerpoint/2010/main" val="1024086991"/>
+        <p14:creationId xmlns:p14="http://schemas.microsoft.com/office/powerpoint/2010/main" val="1962205489"/>
       </p:ext>
     </p:extLst>
   </p:cSld>
   <p:clrMapOvr>
     <a:masterClrMapping/>
   </p:clrMapOvr>
-</p:notes>
+</p:sldLayout>
 </file>
 
-<file path=ppt/notesSlides/notesSlide3.xml><?xml version="1.0" encoding="utf-8"?>
-<p:notes xmlns:a="http://schemas.openxmlformats.org/drawingml/2006/main" xmlns:r="http://schemas.openxmlformats.org/officeDocument/2006/relationships" xmlns:p="http://schemas.openxmlformats.org/presentationml/2006/main">
-  <p:cSld>
+<file path=ppt/slideLayouts/slideLayout11.xml><?xml version="1.0" encoding="utf-8"?>
+<p:sldLayout xmlns:a="http://schemas.openxmlformats.org/drawingml/2006/main" xmlns:r="http://schemas.openxmlformats.org/officeDocument/2006/relationships" xmlns:p="http://schemas.openxmlformats.org/presentationml/2006/main" type="vertTitleAndTx" preserve="1">
+  <p:cSld name="세로 제목 및 텍스트">
     <p:spTree>
       <p:nvGrpSpPr>
         <p:cNvPr id="1" name=""/>
@@ -443,74 +902,198 @@
       </p:grpSpPr>
       <p:sp>
         <p:nvSpPr>
-          <p:cNvPr id="2" name="Slide Image Placeholder 1"/>
-          <p:cNvSpPr>
-            <a:spLocks noGrp="1" noRot="1" noChangeAspect="1"/>
-          </p:cNvSpPr>
-          <p:nvPr>
-            <p:ph type="sldImg"/>
-          </p:nvPr>
-        </p:nvSpPr>
-        <p:spPr/>
-      </p:sp>
-      <p:sp>
-        <p:nvSpPr>
-          <p:cNvPr id="3" name="Notes Placeholder 2"/>
+          <p:cNvPr id="2" name="세로 제목 1">
+            <a:extLst>
+              <a:ext uri="{FF2B5EF4-FFF2-40B4-BE49-F238E27FC236}">
+                <a16:creationId xmlns:a16="http://schemas.microsoft.com/office/drawing/2014/main" id="{E8CE6B5A-476F-D73D-5068-D88E380F1DAE}"/>
+              </a:ext>
+            </a:extLst>
+          </p:cNvPr>
           <p:cNvSpPr>
             <a:spLocks noGrp="1"/>
           </p:cNvSpPr>
           <p:nvPr>
-            <p:ph type="body" idx="1"/>
+            <p:ph type="title" orient="vert"/>
           </p:nvPr>
         </p:nvSpPr>
-        <p:spPr/>
-        <p:txBody>
-          <a:bodyPr/>
-          <a:lstStyle/>
-          <a:p>
-            <a:endParaRPr lang="en-US" dirty="0"/>
-          </a:p>
-        </p:txBody>
-      </p:sp>
-      <p:sp>
-        <p:nvSpPr>
-          <p:cNvPr id="4" name="Slide Number Placeholder 3"/>
+        <p:spPr>
+          <a:xfrm>
+            <a:off x="8724900" y="365125"/>
+            <a:ext cx="2628900" cy="5811838"/>
+          </a:xfrm>
+        </p:spPr>
+        <p:txBody>
+          <a:bodyPr vert="eaVert"/>
+          <a:lstStyle/>
+          <a:p>
+            <a:r>
+              <a:rPr lang="ko-KR" altLang="en-US"/>
+              <a:t>마스터 제목 스타일 편집</a:t>
+            </a:r>
+          </a:p>
+        </p:txBody>
+      </p:sp>
+      <p:sp>
+        <p:nvSpPr>
+          <p:cNvPr id="3" name="세로 텍스트 개체 틀 2">
+            <a:extLst>
+              <a:ext uri="{FF2B5EF4-FFF2-40B4-BE49-F238E27FC236}">
+                <a16:creationId xmlns:a16="http://schemas.microsoft.com/office/drawing/2014/main" id="{899D09AB-49A7-019E-0CB7-6AD336751765}"/>
+              </a:ext>
+            </a:extLst>
+          </p:cNvPr>
           <p:cNvSpPr>
             <a:spLocks noGrp="1"/>
           </p:cNvSpPr>
           <p:nvPr>
-            <p:ph type="sldNum" sz="quarter" idx="10"/>
+            <p:ph type="body" orient="vert" idx="1"/>
           </p:nvPr>
         </p:nvSpPr>
+        <p:spPr>
+          <a:xfrm>
+            <a:off x="838200" y="365125"/>
+            <a:ext cx="7734300" cy="5811838"/>
+          </a:xfrm>
+        </p:spPr>
+        <p:txBody>
+          <a:bodyPr vert="eaVert"/>
+          <a:lstStyle/>
+          <a:p>
+            <a:pPr lvl="0"/>
+            <a:r>
+              <a:rPr lang="ko-KR" altLang="en-US"/>
+              <a:t>마스터 텍스트 스타일을 편집하려면 클릭</a:t>
+            </a:r>
+          </a:p>
+          <a:p>
+            <a:pPr lvl="1"/>
+            <a:r>
+              <a:rPr lang="ko-KR" altLang="en-US"/>
+              <a:t>두 번째 수준</a:t>
+            </a:r>
+          </a:p>
+          <a:p>
+            <a:pPr lvl="2"/>
+            <a:r>
+              <a:rPr lang="ko-KR" altLang="en-US"/>
+              <a:t>세 번째 수준</a:t>
+            </a:r>
+          </a:p>
+          <a:p>
+            <a:pPr lvl="3"/>
+            <a:r>
+              <a:rPr lang="ko-KR" altLang="en-US"/>
+              <a:t>네 번째 수준</a:t>
+            </a:r>
+          </a:p>
+          <a:p>
+            <a:pPr lvl="4"/>
+            <a:r>
+              <a:rPr lang="ko-KR" altLang="en-US"/>
+              <a:t>다섯 번째 수준</a:t>
+            </a:r>
+          </a:p>
+        </p:txBody>
+      </p:sp>
+      <p:sp>
+        <p:nvSpPr>
+          <p:cNvPr id="4" name="날짜 개체 틀 3">
+            <a:extLst>
+              <a:ext uri="{FF2B5EF4-FFF2-40B4-BE49-F238E27FC236}">
+                <a16:creationId xmlns:a16="http://schemas.microsoft.com/office/drawing/2014/main" id="{4F8EA6DD-23A4-2D03-7721-50B0A1931F4A}"/>
+              </a:ext>
+            </a:extLst>
+          </p:cNvPr>
+          <p:cNvSpPr>
+            <a:spLocks noGrp="1"/>
+          </p:cNvSpPr>
+          <p:nvPr>
+            <p:ph type="dt" sz="half" idx="10"/>
+          </p:nvPr>
+        </p:nvSpPr>
         <p:spPr/>
         <p:txBody>
           <a:bodyPr/>
           <a:lstStyle/>
           <a:p>
-            <a:fld id="{F7021451-1387-4CA6-816F-3879F97B5CBC}" type="slidenum">
-              <a:rPr lang="en-US"/>
-              <a:t>3</a:t>
+            <a:fld id="{88D4E6A9-5FF2-4AAB-9EC2-C54497312A04}" type="datetimeFigureOut">
+              <a:rPr lang="ko-KR" altLang="en-US" smtClean="0"/>
+              <a:t>2025-05-13</a:t>
             </a:fld>
-            <a:endParaRPr lang="en-US"/>
+            <a:endParaRPr lang="ko-KR" altLang="en-US"/>
+          </a:p>
+        </p:txBody>
+      </p:sp>
+      <p:sp>
+        <p:nvSpPr>
+          <p:cNvPr id="5" name="바닥글 개체 틀 4">
+            <a:extLst>
+              <a:ext uri="{FF2B5EF4-FFF2-40B4-BE49-F238E27FC236}">
+                <a16:creationId xmlns:a16="http://schemas.microsoft.com/office/drawing/2014/main" id="{818D2A58-8219-87E6-BCC5-A696E452AC6B}"/>
+              </a:ext>
+            </a:extLst>
+          </p:cNvPr>
+          <p:cNvSpPr>
+            <a:spLocks noGrp="1"/>
+          </p:cNvSpPr>
+          <p:nvPr>
+            <p:ph type="ftr" sz="quarter" idx="11"/>
+          </p:nvPr>
+        </p:nvSpPr>
+        <p:spPr/>
+        <p:txBody>
+          <a:bodyPr/>
+          <a:lstStyle/>
+          <a:p>
+            <a:endParaRPr lang="ko-KR" altLang="en-US"/>
+          </a:p>
+        </p:txBody>
+      </p:sp>
+      <p:sp>
+        <p:nvSpPr>
+          <p:cNvPr id="6" name="슬라이드 번호 개체 틀 5">
+            <a:extLst>
+              <a:ext uri="{FF2B5EF4-FFF2-40B4-BE49-F238E27FC236}">
+                <a16:creationId xmlns:a16="http://schemas.microsoft.com/office/drawing/2014/main" id="{2F07FB5F-B224-4C68-ACDF-7FA1D545C78F}"/>
+              </a:ext>
+            </a:extLst>
+          </p:cNvPr>
+          <p:cNvSpPr>
+            <a:spLocks noGrp="1"/>
+          </p:cNvSpPr>
+          <p:nvPr>
+            <p:ph type="sldNum" sz="quarter" idx="12"/>
+          </p:nvPr>
+        </p:nvSpPr>
+        <p:spPr/>
+        <p:txBody>
+          <a:bodyPr/>
+          <a:lstStyle/>
+          <a:p>
+            <a:fld id="{B36BF72A-A713-4C0A-A943-A4E17232D9A3}" type="slidenum">
+              <a:rPr lang="ko-KR" altLang="en-US" smtClean="0"/>
+              <a:t>‹#›</a:t>
+            </a:fld>
+            <a:endParaRPr lang="ko-KR" altLang="en-US"/>
           </a:p>
         </p:txBody>
       </p:sp>
     </p:spTree>
     <p:extLst>
       <p:ext uri="{BB962C8B-B14F-4D97-AF65-F5344CB8AC3E}">
-        <p14:creationId xmlns:p14="http://schemas.microsoft.com/office/powerpoint/2010/main" val="1024086991"/>
+        <p14:creationId xmlns:p14="http://schemas.microsoft.com/office/powerpoint/2010/main" val="2245703310"/>
       </p:ext>
     </p:extLst>
   </p:cSld>
   <p:clrMapOvr>
     <a:masterClrMapping/>
   </p:clrMapOvr>
-</p:notes>
+</p:sldLayout>
 </file>
 
-<file path=ppt/notesSlides/notesSlide4.xml><?xml version="1.0" encoding="utf-8"?>
-<p:notes xmlns:a="http://schemas.openxmlformats.org/drawingml/2006/main" xmlns:r="http://schemas.openxmlformats.org/officeDocument/2006/relationships" xmlns:p="http://schemas.openxmlformats.org/presentationml/2006/main">
-  <p:cSld>
+<file path=ppt/slideLayouts/slideLayout2.xml><?xml version="1.0" encoding="utf-8"?>
+<p:sldLayout xmlns:a="http://schemas.openxmlformats.org/drawingml/2006/main" xmlns:r="http://schemas.openxmlformats.org/officeDocument/2006/relationships" xmlns:p="http://schemas.openxmlformats.org/presentationml/2006/main" type="obj" preserve="1">
+  <p:cSld name="제목 및 내용">
     <p:spTree>
       <p:nvGrpSpPr>
         <p:cNvPr id="1" name=""/>
@@ -527,24 +1110,18 @@
       </p:grpSpPr>
       <p:sp>
         <p:nvSpPr>
-          <p:cNvPr id="2" name="Slide Image Placeholder 1"/>
-          <p:cNvSpPr>
-            <a:spLocks noGrp="1" noRot="1" noChangeAspect="1"/>
-          </p:cNvSpPr>
-          <p:nvPr>
-            <p:ph type="sldImg"/>
-          </p:nvPr>
-        </p:nvSpPr>
-        <p:spPr/>
-      </p:sp>
-      <p:sp>
-        <p:nvSpPr>
-          <p:cNvPr id="3" name="Notes Placeholder 2"/>
+          <p:cNvPr id="2" name="제목 1">
+            <a:extLst>
+              <a:ext uri="{FF2B5EF4-FFF2-40B4-BE49-F238E27FC236}">
+                <a16:creationId xmlns:a16="http://schemas.microsoft.com/office/drawing/2014/main" id="{02E1B21D-E177-B76F-ABE0-856615066BCB}"/>
+              </a:ext>
+            </a:extLst>
+          </p:cNvPr>
           <p:cNvSpPr>
             <a:spLocks noGrp="1"/>
           </p:cNvSpPr>
           <p:nvPr>
-            <p:ph type="body" idx="1"/>
+            <p:ph type="title"/>
           </p:nvPr>
         </p:nvSpPr>
         <p:spPr/>
@@ -552,18 +1129,27 @@
           <a:bodyPr/>
           <a:lstStyle/>
           <a:p>
-            <a:endParaRPr lang="en-US" dirty="0"/>
-          </a:p>
-        </p:txBody>
-      </p:sp>
-      <p:sp>
-        <p:nvSpPr>
-          <p:cNvPr id="4" name="Slide Number Placeholder 3"/>
+            <a:r>
+              <a:rPr lang="ko-KR" altLang="en-US"/>
+              <a:t>마스터 제목 스타일 편집</a:t>
+            </a:r>
+          </a:p>
+        </p:txBody>
+      </p:sp>
+      <p:sp>
+        <p:nvSpPr>
+          <p:cNvPr id="3" name="내용 개체 틀 2">
+            <a:extLst>
+              <a:ext uri="{FF2B5EF4-FFF2-40B4-BE49-F238E27FC236}">
+                <a16:creationId xmlns:a16="http://schemas.microsoft.com/office/drawing/2014/main" id="{0ED32949-A702-D644-9D8B-BAAE3F50D754}"/>
+              </a:ext>
+            </a:extLst>
+          </p:cNvPr>
           <p:cNvSpPr>
             <a:spLocks noGrp="1"/>
           </p:cNvSpPr>
           <p:nvPr>
-            <p:ph type="sldNum" sz="quarter" idx="10"/>
+            <p:ph idx="1"/>
           </p:nvPr>
         </p:nvSpPr>
         <p:spPr/>
@@ -571,30 +1157,141 @@
           <a:bodyPr/>
           <a:lstStyle/>
           <a:p>
-            <a:fld id="{F7021451-1387-4CA6-816F-3879F97B5CBC}" type="slidenum">
-              <a:rPr lang="en-US"/>
-              <a:t>4</a:t>
+            <a:pPr lvl="0"/>
+            <a:r>
+              <a:rPr lang="ko-KR" altLang="en-US"/>
+              <a:t>마스터 텍스트 스타일을 편집하려면 클릭</a:t>
+            </a:r>
+          </a:p>
+          <a:p>
+            <a:pPr lvl="1"/>
+            <a:r>
+              <a:rPr lang="ko-KR" altLang="en-US"/>
+              <a:t>두 번째 수준</a:t>
+            </a:r>
+          </a:p>
+          <a:p>
+            <a:pPr lvl="2"/>
+            <a:r>
+              <a:rPr lang="ko-KR" altLang="en-US"/>
+              <a:t>세 번째 수준</a:t>
+            </a:r>
+          </a:p>
+          <a:p>
+            <a:pPr lvl="3"/>
+            <a:r>
+              <a:rPr lang="ko-KR" altLang="en-US"/>
+              <a:t>네 번째 수준</a:t>
+            </a:r>
+          </a:p>
+          <a:p>
+            <a:pPr lvl="4"/>
+            <a:r>
+              <a:rPr lang="ko-KR" altLang="en-US"/>
+              <a:t>다섯 번째 수준</a:t>
+            </a:r>
+          </a:p>
+        </p:txBody>
+      </p:sp>
+      <p:sp>
+        <p:nvSpPr>
+          <p:cNvPr id="4" name="날짜 개체 틀 3">
+            <a:extLst>
+              <a:ext uri="{FF2B5EF4-FFF2-40B4-BE49-F238E27FC236}">
+                <a16:creationId xmlns:a16="http://schemas.microsoft.com/office/drawing/2014/main" id="{57D98356-3C88-2425-8EF2-73D8BA8642DB}"/>
+              </a:ext>
+            </a:extLst>
+          </p:cNvPr>
+          <p:cNvSpPr>
+            <a:spLocks noGrp="1"/>
+          </p:cNvSpPr>
+          <p:nvPr>
+            <p:ph type="dt" sz="half" idx="10"/>
+          </p:nvPr>
+        </p:nvSpPr>
+        <p:spPr/>
+        <p:txBody>
+          <a:bodyPr/>
+          <a:lstStyle/>
+          <a:p>
+            <a:fld id="{88D4E6A9-5FF2-4AAB-9EC2-C54497312A04}" type="datetimeFigureOut">
+              <a:rPr lang="ko-KR" altLang="en-US" smtClean="0"/>
+              <a:t>2025-05-13</a:t>
             </a:fld>
-            <a:endParaRPr lang="en-US"/>
+            <a:endParaRPr lang="ko-KR" altLang="en-US"/>
+          </a:p>
+        </p:txBody>
+      </p:sp>
+      <p:sp>
+        <p:nvSpPr>
+          <p:cNvPr id="5" name="바닥글 개체 틀 4">
+            <a:extLst>
+              <a:ext uri="{FF2B5EF4-FFF2-40B4-BE49-F238E27FC236}">
+                <a16:creationId xmlns:a16="http://schemas.microsoft.com/office/drawing/2014/main" id="{4617373E-F73C-B8F2-D2E2-E79E7DF0A4F2}"/>
+              </a:ext>
+            </a:extLst>
+          </p:cNvPr>
+          <p:cNvSpPr>
+            <a:spLocks noGrp="1"/>
+          </p:cNvSpPr>
+          <p:nvPr>
+            <p:ph type="ftr" sz="quarter" idx="11"/>
+          </p:nvPr>
+        </p:nvSpPr>
+        <p:spPr/>
+        <p:txBody>
+          <a:bodyPr/>
+          <a:lstStyle/>
+          <a:p>
+            <a:endParaRPr lang="ko-KR" altLang="en-US"/>
+          </a:p>
+        </p:txBody>
+      </p:sp>
+      <p:sp>
+        <p:nvSpPr>
+          <p:cNvPr id="6" name="슬라이드 번호 개체 틀 5">
+            <a:extLst>
+              <a:ext uri="{FF2B5EF4-FFF2-40B4-BE49-F238E27FC236}">
+                <a16:creationId xmlns:a16="http://schemas.microsoft.com/office/drawing/2014/main" id="{A62D56E6-565D-91A5-95E0-8D269B48BD50}"/>
+              </a:ext>
+            </a:extLst>
+          </p:cNvPr>
+          <p:cNvSpPr>
+            <a:spLocks noGrp="1"/>
+          </p:cNvSpPr>
+          <p:nvPr>
+            <p:ph type="sldNum" sz="quarter" idx="12"/>
+          </p:nvPr>
+        </p:nvSpPr>
+        <p:spPr/>
+        <p:txBody>
+          <a:bodyPr/>
+          <a:lstStyle/>
+          <a:p>
+            <a:fld id="{B36BF72A-A713-4C0A-A943-A4E17232D9A3}" type="slidenum">
+              <a:rPr lang="ko-KR" altLang="en-US" smtClean="0"/>
+              <a:t>‹#›</a:t>
+            </a:fld>
+            <a:endParaRPr lang="ko-KR" altLang="en-US"/>
           </a:p>
         </p:txBody>
       </p:sp>
     </p:spTree>
     <p:extLst>
       <p:ext uri="{BB962C8B-B14F-4D97-AF65-F5344CB8AC3E}">
-        <p14:creationId xmlns:p14="http://schemas.microsoft.com/office/powerpoint/2010/main" val="1024086991"/>
+        <p14:creationId xmlns:p14="http://schemas.microsoft.com/office/powerpoint/2010/main" val="1030920241"/>
       </p:ext>
     </p:extLst>
   </p:cSld>
   <p:clrMapOvr>
     <a:masterClrMapping/>
   </p:clrMapOvr>
-</p:notes>
+</p:sldLayout>
 </file>
 
-<file path=ppt/notesSlides/notesSlide5.xml><?xml version="1.0" encoding="utf-8"?>
-<p:notes xmlns:a="http://schemas.openxmlformats.org/drawingml/2006/main" xmlns:r="http://schemas.openxmlformats.org/officeDocument/2006/relationships" xmlns:p="http://schemas.openxmlformats.org/presentationml/2006/main">
-  <p:cSld>
+<file path=ppt/slideLayouts/slideLayout3.xml><?xml version="1.0" encoding="utf-8"?>
+<p:sldLayout xmlns:a="http://schemas.openxmlformats.org/drawingml/2006/main" xmlns:r="http://schemas.openxmlformats.org/officeDocument/2006/relationships" xmlns:p="http://schemas.openxmlformats.org/presentationml/2006/main" type="secHead" preserve="1">
+  <p:cSld name="구역 머리글">
     <p:spTree>
       <p:nvGrpSpPr>
         <p:cNvPr id="1" name=""/>
@@ -611,19 +1308,50 @@
       </p:grpSpPr>
       <p:sp>
         <p:nvSpPr>
-          <p:cNvPr id="2" name="Slide Image Placeholder 1"/>
+          <p:cNvPr id="2" name="제목 1">
+            <a:extLst>
+              <a:ext uri="{FF2B5EF4-FFF2-40B4-BE49-F238E27FC236}">
+                <a16:creationId xmlns:a16="http://schemas.microsoft.com/office/drawing/2014/main" id="{12D39655-AFC7-1E3B-8AD7-6DBC848412DF}"/>
+              </a:ext>
+            </a:extLst>
+          </p:cNvPr>
           <p:cNvSpPr>
-            <a:spLocks noGrp="1" noRot="1" noChangeAspect="1"/>
+            <a:spLocks noGrp="1"/>
           </p:cNvSpPr>
           <p:nvPr>
-            <p:ph type="sldImg"/>
+            <p:ph type="title"/>
           </p:nvPr>
         </p:nvSpPr>
-        <p:spPr/>
-      </p:sp>
-      <p:sp>
-        <p:nvSpPr>
-          <p:cNvPr id="3" name="Notes Placeholder 2"/>
+        <p:spPr>
+          <a:xfrm>
+            <a:off x="831850" y="1709738"/>
+            <a:ext cx="10515600" cy="2852737"/>
+          </a:xfrm>
+        </p:spPr>
+        <p:txBody>
+          <a:bodyPr anchor="b"/>
+          <a:lstStyle>
+            <a:lvl1pPr>
+              <a:defRPr sz="6000"/>
+            </a:lvl1pPr>
+          </a:lstStyle>
+          <a:p>
+            <a:r>
+              <a:rPr lang="ko-KR" altLang="en-US"/>
+              <a:t>마스터 제목 스타일 편집</a:t>
+            </a:r>
+          </a:p>
+        </p:txBody>
+      </p:sp>
+      <p:sp>
+        <p:nvSpPr>
+          <p:cNvPr id="3" name="텍스트 개체 틀 2">
+            <a:extLst>
+              <a:ext uri="{FF2B5EF4-FFF2-40B4-BE49-F238E27FC236}">
+                <a16:creationId xmlns:a16="http://schemas.microsoft.com/office/drawing/2014/main" id="{255FD90B-8860-3E1F-C16F-75A89AAACE20}"/>
+              </a:ext>
+            </a:extLst>
+          </p:cNvPr>
           <p:cNvSpPr>
             <a:spLocks noGrp="1"/>
           </p:cNvSpPr>
@@ -631,23 +1359,129 @@
             <p:ph type="body" idx="1"/>
           </p:nvPr>
         </p:nvSpPr>
-        <p:spPr/>
+        <p:spPr>
+          <a:xfrm>
+            <a:off x="831850" y="4589463"/>
+            <a:ext cx="10515600" cy="1500187"/>
+          </a:xfrm>
+        </p:spPr>
         <p:txBody>
           <a:bodyPr/>
-          <a:lstStyle/>
-          <a:p>
-            <a:endParaRPr lang="en-US" dirty="0"/>
-          </a:p>
-        </p:txBody>
-      </p:sp>
-      <p:sp>
-        <p:nvSpPr>
-          <p:cNvPr id="4" name="Slide Number Placeholder 3"/>
+          <a:lstStyle>
+            <a:lvl1pPr marL="0" indent="0">
+              <a:buNone/>
+              <a:defRPr sz="2400">
+                <a:solidFill>
+                  <a:schemeClr val="tx1">
+                    <a:tint val="82000"/>
+                  </a:schemeClr>
+                </a:solidFill>
+              </a:defRPr>
+            </a:lvl1pPr>
+            <a:lvl2pPr marL="457200" indent="0">
+              <a:buNone/>
+              <a:defRPr sz="2000">
+                <a:solidFill>
+                  <a:schemeClr val="tx1">
+                    <a:tint val="82000"/>
+                  </a:schemeClr>
+                </a:solidFill>
+              </a:defRPr>
+            </a:lvl2pPr>
+            <a:lvl3pPr marL="914400" indent="0">
+              <a:buNone/>
+              <a:defRPr sz="1800">
+                <a:solidFill>
+                  <a:schemeClr val="tx1">
+                    <a:tint val="82000"/>
+                  </a:schemeClr>
+                </a:solidFill>
+              </a:defRPr>
+            </a:lvl3pPr>
+            <a:lvl4pPr marL="1371600" indent="0">
+              <a:buNone/>
+              <a:defRPr sz="1600">
+                <a:solidFill>
+                  <a:schemeClr val="tx1">
+                    <a:tint val="82000"/>
+                  </a:schemeClr>
+                </a:solidFill>
+              </a:defRPr>
+            </a:lvl4pPr>
+            <a:lvl5pPr marL="1828800" indent="0">
+              <a:buNone/>
+              <a:defRPr sz="1600">
+                <a:solidFill>
+                  <a:schemeClr val="tx1">
+                    <a:tint val="82000"/>
+                  </a:schemeClr>
+                </a:solidFill>
+              </a:defRPr>
+            </a:lvl5pPr>
+            <a:lvl6pPr marL="2286000" indent="0">
+              <a:buNone/>
+              <a:defRPr sz="1600">
+                <a:solidFill>
+                  <a:schemeClr val="tx1">
+                    <a:tint val="82000"/>
+                  </a:schemeClr>
+                </a:solidFill>
+              </a:defRPr>
+            </a:lvl6pPr>
+            <a:lvl7pPr marL="2743200" indent="0">
+              <a:buNone/>
+              <a:defRPr sz="1600">
+                <a:solidFill>
+                  <a:schemeClr val="tx1">
+                    <a:tint val="82000"/>
+                  </a:schemeClr>
+                </a:solidFill>
+              </a:defRPr>
+            </a:lvl7pPr>
+            <a:lvl8pPr marL="3200400" indent="0">
+              <a:buNone/>
+              <a:defRPr sz="1600">
+                <a:solidFill>
+                  <a:schemeClr val="tx1">
+                    <a:tint val="82000"/>
+                  </a:schemeClr>
+                </a:solidFill>
+              </a:defRPr>
+            </a:lvl8pPr>
+            <a:lvl9pPr marL="3657600" indent="0">
+              <a:buNone/>
+              <a:defRPr sz="1600">
+                <a:solidFill>
+                  <a:schemeClr val="tx1">
+                    <a:tint val="82000"/>
+                  </a:schemeClr>
+                </a:solidFill>
+              </a:defRPr>
+            </a:lvl9pPr>
+          </a:lstStyle>
+          <a:p>
+            <a:pPr lvl="0"/>
+            <a:r>
+              <a:rPr lang="ko-KR" altLang="en-US"/>
+              <a:t>마스터 텍스트 스타일을 편집하려면 클릭</a:t>
+            </a:r>
+          </a:p>
+        </p:txBody>
+      </p:sp>
+      <p:sp>
+        <p:nvSpPr>
+          <p:cNvPr id="4" name="날짜 개체 틀 3">
+            <a:extLst>
+              <a:ext uri="{FF2B5EF4-FFF2-40B4-BE49-F238E27FC236}">
+                <a16:creationId xmlns:a16="http://schemas.microsoft.com/office/drawing/2014/main" id="{400F8EA2-1CAD-1D2B-39DD-73721CB4E530}"/>
+              </a:ext>
+            </a:extLst>
+          </p:cNvPr>
           <p:cNvSpPr>
             <a:spLocks noGrp="1"/>
           </p:cNvSpPr>
           <p:nvPr>
-            <p:ph type="sldNum" sz="quarter" idx="10"/>
+            <p:ph type="dt" sz="half" idx="10"/>
           </p:nvPr>
         </p:nvSpPr>
         <p:spPr/>
@@ -655,30 +1489,84 @@
           <a:bodyPr/>
           <a:lstStyle/>
           <a:p>
-            <a:fld id="{F7021451-1387-4CA6-816F-3879F97B5CBC}" type="slidenum">
-              <a:rPr lang="en-US"/>
-              <a:t>5</a:t>
+            <a:fld id="{88D4E6A9-5FF2-4AAB-9EC2-C54497312A04}" type="datetimeFigureOut">
+              <a:rPr lang="ko-KR" altLang="en-US" smtClean="0"/>
+              <a:t>2025-05-13</a:t>
             </a:fld>
-            <a:endParaRPr lang="en-US"/>
+            <a:endParaRPr lang="ko-KR" altLang="en-US"/>
+          </a:p>
+        </p:txBody>
+      </p:sp>
+      <p:sp>
+        <p:nvSpPr>
+          <p:cNvPr id="5" name="바닥글 개체 틀 4">
+            <a:extLst>
+              <a:ext uri="{FF2B5EF4-FFF2-40B4-BE49-F238E27FC236}">
+                <a16:creationId xmlns:a16="http://schemas.microsoft.com/office/drawing/2014/main" id="{3F14B1AA-3355-1B38-37CD-5DBCBD855C78}"/>
+              </a:ext>
+            </a:extLst>
+          </p:cNvPr>
+          <p:cNvSpPr>
+            <a:spLocks noGrp="1"/>
+          </p:cNvSpPr>
+          <p:nvPr>
+            <p:ph type="ftr" sz="quarter" idx="11"/>
+          </p:nvPr>
+        </p:nvSpPr>
+        <p:spPr/>
+        <p:txBody>
+          <a:bodyPr/>
+          <a:lstStyle/>
+          <a:p>
+            <a:endParaRPr lang="ko-KR" altLang="en-US"/>
+          </a:p>
+        </p:txBody>
+      </p:sp>
+      <p:sp>
+        <p:nvSpPr>
+          <p:cNvPr id="6" name="슬라이드 번호 개체 틀 5">
+            <a:extLst>
+              <a:ext uri="{FF2B5EF4-FFF2-40B4-BE49-F238E27FC236}">
+                <a16:creationId xmlns:a16="http://schemas.microsoft.com/office/drawing/2014/main" id="{69C5D582-A98A-0289-CA1F-418E5F68D8F1}"/>
+              </a:ext>
+            </a:extLst>
+          </p:cNvPr>
+          <p:cNvSpPr>
+            <a:spLocks noGrp="1"/>
+          </p:cNvSpPr>
+          <p:nvPr>
+            <p:ph type="sldNum" sz="quarter" idx="12"/>
+          </p:nvPr>
+        </p:nvSpPr>
+        <p:spPr/>
+        <p:txBody>
+          <a:bodyPr/>
+          <a:lstStyle/>
+          <a:p>
+            <a:fld id="{B36BF72A-A713-4C0A-A943-A4E17232D9A3}" type="slidenum">
+              <a:rPr lang="ko-KR" altLang="en-US" smtClean="0"/>
+              <a:t>‹#›</a:t>
+            </a:fld>
+            <a:endParaRPr lang="ko-KR" altLang="en-US"/>
           </a:p>
         </p:txBody>
       </p:sp>
     </p:spTree>
     <p:extLst>
       <p:ext uri="{BB962C8B-B14F-4D97-AF65-F5344CB8AC3E}">
-        <p14:creationId xmlns:p14="http://schemas.microsoft.com/office/powerpoint/2010/main" val="1024086991"/>
+        <p14:creationId xmlns:p14="http://schemas.microsoft.com/office/powerpoint/2010/main" val="2527828551"/>
       </p:ext>
     </p:extLst>
   </p:cSld>
   <p:clrMapOvr>
     <a:masterClrMapping/>
   </p:clrMapOvr>
-</p:notes>
+</p:sldLayout>
 </file>
 
-<file path=ppt/notesSlides/notesSlide6.xml><?xml version="1.0" encoding="utf-8"?>
-<p:notes xmlns:a="http://schemas.openxmlformats.org/drawingml/2006/main" xmlns:r="http://schemas.openxmlformats.org/officeDocument/2006/relationships" xmlns:p="http://schemas.openxmlformats.org/presentationml/2006/main">
-  <p:cSld>
+<file path=ppt/slideLayouts/slideLayout4.xml><?xml version="1.0" encoding="utf-8"?>
+<p:sldLayout xmlns:a="http://schemas.openxmlformats.org/drawingml/2006/main" xmlns:r="http://schemas.openxmlformats.org/officeDocument/2006/relationships" xmlns:p="http://schemas.openxmlformats.org/presentationml/2006/main" type="twoObj" preserve="1">
+  <p:cSld name="콘텐츠 2개">
     <p:spTree>
       <p:nvGrpSpPr>
         <p:cNvPr id="1" name=""/>
@@ -695,24 +1583,18 @@
       </p:grpSpPr>
       <p:sp>
         <p:nvSpPr>
-          <p:cNvPr id="2" name="Slide Image Placeholder 1"/>
-          <p:cNvSpPr>
-            <a:spLocks noGrp="1" noRot="1" noChangeAspect="1"/>
-          </p:cNvSpPr>
-          <p:nvPr>
-            <p:ph type="sldImg"/>
-          </p:nvPr>
-        </p:nvSpPr>
-        <p:spPr/>
-      </p:sp>
-      <p:sp>
-        <p:nvSpPr>
-          <p:cNvPr id="3" name="Notes Placeholder 2"/>
+          <p:cNvPr id="2" name="제목 1">
+            <a:extLst>
+              <a:ext uri="{FF2B5EF4-FFF2-40B4-BE49-F238E27FC236}">
+                <a16:creationId xmlns:a16="http://schemas.microsoft.com/office/drawing/2014/main" id="{79A7ED28-9348-14B4-3C2A-3EC194620F1C}"/>
+              </a:ext>
+            </a:extLst>
+          </p:cNvPr>
           <p:cNvSpPr>
             <a:spLocks noGrp="1"/>
           </p:cNvSpPr>
           <p:nvPr>
-            <p:ph type="body" idx="1"/>
+            <p:ph type="title"/>
           </p:nvPr>
         </p:nvSpPr>
         <p:spPr/>
@@ -720,49 +1602,236 @@
           <a:bodyPr/>
           <a:lstStyle/>
           <a:p>
-            <a:endParaRPr lang="en-US" dirty="0"/>
-          </a:p>
-        </p:txBody>
-      </p:sp>
-      <p:sp>
-        <p:nvSpPr>
-          <p:cNvPr id="4" name="Slide Number Placeholder 3"/>
+            <a:r>
+              <a:rPr lang="ko-KR" altLang="en-US"/>
+              <a:t>마스터 제목 스타일 편집</a:t>
+            </a:r>
+          </a:p>
+        </p:txBody>
+      </p:sp>
+      <p:sp>
+        <p:nvSpPr>
+          <p:cNvPr id="3" name="내용 개체 틀 2">
+            <a:extLst>
+              <a:ext uri="{FF2B5EF4-FFF2-40B4-BE49-F238E27FC236}">
+                <a16:creationId xmlns:a16="http://schemas.microsoft.com/office/drawing/2014/main" id="{10ED9074-177C-0182-E4F5-DA0D2EA00F46}"/>
+              </a:ext>
+            </a:extLst>
+          </p:cNvPr>
           <p:cNvSpPr>
             <a:spLocks noGrp="1"/>
           </p:cNvSpPr>
           <p:nvPr>
-            <p:ph type="sldNum" sz="quarter" idx="10"/>
+            <p:ph sz="half" idx="1"/>
           </p:nvPr>
         </p:nvSpPr>
+        <p:spPr>
+          <a:xfrm>
+            <a:off x="838200" y="1825625"/>
+            <a:ext cx="5181600" cy="4351338"/>
+          </a:xfrm>
+        </p:spPr>
+        <p:txBody>
+          <a:bodyPr/>
+          <a:lstStyle/>
+          <a:p>
+            <a:pPr lvl="0"/>
+            <a:r>
+              <a:rPr lang="ko-KR" altLang="en-US"/>
+              <a:t>마스터 텍스트 스타일을 편집하려면 클릭</a:t>
+            </a:r>
+          </a:p>
+          <a:p>
+            <a:pPr lvl="1"/>
+            <a:r>
+              <a:rPr lang="ko-KR" altLang="en-US"/>
+              <a:t>두 번째 수준</a:t>
+            </a:r>
+          </a:p>
+          <a:p>
+            <a:pPr lvl="2"/>
+            <a:r>
+              <a:rPr lang="ko-KR" altLang="en-US"/>
+              <a:t>세 번째 수준</a:t>
+            </a:r>
+          </a:p>
+          <a:p>
+            <a:pPr lvl="3"/>
+            <a:r>
+              <a:rPr lang="ko-KR" altLang="en-US"/>
+              <a:t>네 번째 수준</a:t>
+            </a:r>
+          </a:p>
+          <a:p>
+            <a:pPr lvl="4"/>
+            <a:r>
+              <a:rPr lang="ko-KR" altLang="en-US"/>
+              <a:t>다섯 번째 수준</a:t>
+            </a:r>
+          </a:p>
+        </p:txBody>
+      </p:sp>
+      <p:sp>
+        <p:nvSpPr>
+          <p:cNvPr id="4" name="내용 개체 틀 3">
+            <a:extLst>
+              <a:ext uri="{FF2B5EF4-FFF2-40B4-BE49-F238E27FC236}">
+                <a16:creationId xmlns:a16="http://schemas.microsoft.com/office/drawing/2014/main" id="{5F6D87C3-7EB1-0547-3A0E-43FA710843E3}"/>
+              </a:ext>
+            </a:extLst>
+          </p:cNvPr>
+          <p:cNvSpPr>
+            <a:spLocks noGrp="1"/>
+          </p:cNvSpPr>
+          <p:nvPr>
+            <p:ph sz="half" idx="2"/>
+          </p:nvPr>
+        </p:nvSpPr>
+        <p:spPr>
+          <a:xfrm>
+            <a:off x="6172200" y="1825625"/>
+            <a:ext cx="5181600" cy="4351338"/>
+          </a:xfrm>
+        </p:spPr>
+        <p:txBody>
+          <a:bodyPr/>
+          <a:lstStyle/>
+          <a:p>
+            <a:pPr lvl="0"/>
+            <a:r>
+              <a:rPr lang="ko-KR" altLang="en-US"/>
+              <a:t>마스터 텍스트 스타일을 편집하려면 클릭</a:t>
+            </a:r>
+          </a:p>
+          <a:p>
+            <a:pPr lvl="1"/>
+            <a:r>
+              <a:rPr lang="ko-KR" altLang="en-US"/>
+              <a:t>두 번째 수준</a:t>
+            </a:r>
+          </a:p>
+          <a:p>
+            <a:pPr lvl="2"/>
+            <a:r>
+              <a:rPr lang="ko-KR" altLang="en-US"/>
+              <a:t>세 번째 수준</a:t>
+            </a:r>
+          </a:p>
+          <a:p>
+            <a:pPr lvl="3"/>
+            <a:r>
+              <a:rPr lang="ko-KR" altLang="en-US"/>
+              <a:t>네 번째 수준</a:t>
+            </a:r>
+          </a:p>
+          <a:p>
+            <a:pPr lvl="4"/>
+            <a:r>
+              <a:rPr lang="ko-KR" altLang="en-US"/>
+              <a:t>다섯 번째 수준</a:t>
+            </a:r>
+          </a:p>
+        </p:txBody>
+      </p:sp>
+      <p:sp>
+        <p:nvSpPr>
+          <p:cNvPr id="5" name="날짜 개체 틀 4">
+            <a:extLst>
+              <a:ext uri="{FF2B5EF4-FFF2-40B4-BE49-F238E27FC236}">
+                <a16:creationId xmlns:a16="http://schemas.microsoft.com/office/drawing/2014/main" id="{B05DBD4B-0550-3E64-40F6-0670C98A7EBB}"/>
+              </a:ext>
+            </a:extLst>
+          </p:cNvPr>
+          <p:cNvSpPr>
+            <a:spLocks noGrp="1"/>
+          </p:cNvSpPr>
+          <p:nvPr>
+            <p:ph type="dt" sz="half" idx="10"/>
+          </p:nvPr>
+        </p:nvSpPr>
         <p:spPr/>
         <p:txBody>
           <a:bodyPr/>
           <a:lstStyle/>
           <a:p>
-            <a:fld id="{F7021451-1387-4CA6-816F-3879F97B5CBC}" type="slidenum">
-              <a:rPr lang="en-US"/>
-              <a:t>6</a:t>
+            <a:fld id="{88D4E6A9-5FF2-4AAB-9EC2-C54497312A04}" type="datetimeFigureOut">
+              <a:rPr lang="ko-KR" altLang="en-US" smtClean="0"/>
+              <a:t>2025-05-13</a:t>
             </a:fld>
-            <a:endParaRPr lang="en-US"/>
+            <a:endParaRPr lang="ko-KR" altLang="en-US"/>
+          </a:p>
+        </p:txBody>
+      </p:sp>
+      <p:sp>
+        <p:nvSpPr>
+          <p:cNvPr id="6" name="바닥글 개체 틀 5">
+            <a:extLst>
+              <a:ext uri="{FF2B5EF4-FFF2-40B4-BE49-F238E27FC236}">
+                <a16:creationId xmlns:a16="http://schemas.microsoft.com/office/drawing/2014/main" id="{79436F68-03AC-F5EB-1021-46646B6849A5}"/>
+              </a:ext>
+            </a:extLst>
+          </p:cNvPr>
+          <p:cNvSpPr>
+            <a:spLocks noGrp="1"/>
+          </p:cNvSpPr>
+          <p:nvPr>
+            <p:ph type="ftr" sz="quarter" idx="11"/>
+          </p:nvPr>
+        </p:nvSpPr>
+        <p:spPr/>
+        <p:txBody>
+          <a:bodyPr/>
+          <a:lstStyle/>
+          <a:p>
+            <a:endParaRPr lang="ko-KR" altLang="en-US"/>
+          </a:p>
+        </p:txBody>
+      </p:sp>
+      <p:sp>
+        <p:nvSpPr>
+          <p:cNvPr id="7" name="슬라이드 번호 개체 틀 6">
+            <a:extLst>
+              <a:ext uri="{FF2B5EF4-FFF2-40B4-BE49-F238E27FC236}">
+                <a16:creationId xmlns:a16="http://schemas.microsoft.com/office/drawing/2014/main" id="{F614AD7A-4A8A-082A-8247-0A9A9EC57F81}"/>
+              </a:ext>
+            </a:extLst>
+          </p:cNvPr>
+          <p:cNvSpPr>
+            <a:spLocks noGrp="1"/>
+          </p:cNvSpPr>
+          <p:nvPr>
+            <p:ph type="sldNum" sz="quarter" idx="12"/>
+          </p:nvPr>
+        </p:nvSpPr>
+        <p:spPr/>
+        <p:txBody>
+          <a:bodyPr/>
+          <a:lstStyle/>
+          <a:p>
+            <a:fld id="{B36BF72A-A713-4C0A-A943-A4E17232D9A3}" type="slidenum">
+              <a:rPr lang="ko-KR" altLang="en-US" smtClean="0"/>
+              <a:t>‹#›</a:t>
+            </a:fld>
+            <a:endParaRPr lang="ko-KR" altLang="en-US"/>
           </a:p>
         </p:txBody>
       </p:sp>
     </p:spTree>
     <p:extLst>
       <p:ext uri="{BB962C8B-B14F-4D97-AF65-F5344CB8AC3E}">
-        <p14:creationId xmlns:p14="http://schemas.microsoft.com/office/powerpoint/2010/main" val="1024086991"/>
+        <p14:creationId xmlns:p14="http://schemas.microsoft.com/office/powerpoint/2010/main" val="872551604"/>
       </p:ext>
     </p:extLst>
   </p:cSld>
   <p:clrMapOvr>
     <a:masterClrMapping/>
   </p:clrMapOvr>
-</p:notes>
+</p:sldLayout>
 </file>
 
-<file path=ppt/notesSlides/notesSlide7.xml><?xml version="1.0" encoding="utf-8"?>
-<p:notes xmlns:a="http://schemas.openxmlformats.org/drawingml/2006/main" xmlns:r="http://schemas.openxmlformats.org/officeDocument/2006/relationships" xmlns:p="http://schemas.openxmlformats.org/presentationml/2006/main">
-  <p:cSld>
+<file path=ppt/slideLayouts/slideLayout5.xml><?xml version="1.0" encoding="utf-8"?>
+<p:sldLayout xmlns:a="http://schemas.openxmlformats.org/drawingml/2006/main" xmlns:r="http://schemas.openxmlformats.org/officeDocument/2006/relationships" xmlns:p="http://schemas.openxmlformats.org/presentationml/2006/main" type="twoTxTwoObj" preserve="1">
+  <p:cSld name="비교">
     <p:spTree>
       <p:nvGrpSpPr>
         <p:cNvPr id="1" name=""/>
@@ -779,19 +1848,46 @@
       </p:grpSpPr>
       <p:sp>
         <p:nvSpPr>
-          <p:cNvPr id="2" name="Slide Image Placeholder 1"/>
+          <p:cNvPr id="2" name="제목 1">
+            <a:extLst>
+              <a:ext uri="{FF2B5EF4-FFF2-40B4-BE49-F238E27FC236}">
+                <a16:creationId xmlns:a16="http://schemas.microsoft.com/office/drawing/2014/main" id="{22A4CA3E-35EA-6E27-F540-F8E45B3A06F5}"/>
+              </a:ext>
+            </a:extLst>
+          </p:cNvPr>
           <p:cNvSpPr>
-            <a:spLocks noGrp="1" noRot="1" noChangeAspect="1"/>
+            <a:spLocks noGrp="1"/>
           </p:cNvSpPr>
           <p:nvPr>
-            <p:ph type="sldImg"/>
+            <p:ph type="title"/>
           </p:nvPr>
         </p:nvSpPr>
-        <p:spPr/>
-      </p:sp>
-      <p:sp>
-        <p:nvSpPr>
-          <p:cNvPr id="3" name="Notes Placeholder 2"/>
+        <p:spPr>
+          <a:xfrm>
+            <a:off x="839788" y="365125"/>
+            <a:ext cx="10515600" cy="1325563"/>
+          </a:xfrm>
+        </p:spPr>
+        <p:txBody>
+          <a:bodyPr/>
+          <a:lstStyle/>
+          <a:p>
+            <a:r>
+              <a:rPr lang="ko-KR" altLang="en-US"/>
+              <a:t>마스터 제목 스타일 편집</a:t>
+            </a:r>
+          </a:p>
+        </p:txBody>
+      </p:sp>
+      <p:sp>
+        <p:nvSpPr>
+          <p:cNvPr id="3" name="텍스트 개체 틀 2">
+            <a:extLst>
+              <a:ext uri="{FF2B5EF4-FFF2-40B4-BE49-F238E27FC236}">
+                <a16:creationId xmlns:a16="http://schemas.microsoft.com/office/drawing/2014/main" id="{4B61A52E-C83F-0FBB-6A33-DF2261BE05AA}"/>
+              </a:ext>
+            </a:extLst>
+          </p:cNvPr>
           <p:cNvSpPr>
             <a:spLocks noGrp="1"/>
           </p:cNvSpPr>
@@ -799,59 +1895,355 @@
             <p:ph type="body" idx="1"/>
           </p:nvPr>
         </p:nvSpPr>
-        <p:spPr/>
-        <p:txBody>
-          <a:bodyPr/>
-          <a:lstStyle/>
-          <a:p>
-            <a:endParaRPr lang="en-US" dirty="0"/>
-          </a:p>
-        </p:txBody>
-      </p:sp>
-      <p:sp>
-        <p:nvSpPr>
-          <p:cNvPr id="4" name="Slide Number Placeholder 3"/>
+        <p:spPr>
+          <a:xfrm>
+            <a:off x="839788" y="1681163"/>
+            <a:ext cx="5157787" cy="823912"/>
+          </a:xfrm>
+        </p:spPr>
+        <p:txBody>
+          <a:bodyPr anchor="b"/>
+          <a:lstStyle>
+            <a:lvl1pPr marL="0" indent="0">
+              <a:buNone/>
+              <a:defRPr sz="2400" b="1"/>
+            </a:lvl1pPr>
+            <a:lvl2pPr marL="457200" indent="0">
+              <a:buNone/>
+              <a:defRPr sz="2000" b="1"/>
+            </a:lvl2pPr>
+            <a:lvl3pPr marL="914400" indent="0">
+              <a:buNone/>
+              <a:defRPr sz="1800" b="1"/>
+            </a:lvl3pPr>
+            <a:lvl4pPr marL="1371600" indent="0">
+              <a:buNone/>
+              <a:defRPr sz="1600" b="1"/>
+            </a:lvl4pPr>
+            <a:lvl5pPr marL="1828800" indent="0">
+              <a:buNone/>
+              <a:defRPr sz="1600" b="1"/>
+            </a:lvl5pPr>
+            <a:lvl6pPr marL="2286000" indent="0">
+              <a:buNone/>
+              <a:defRPr sz="1600" b="1"/>
+            </a:lvl6pPr>
+            <a:lvl7pPr marL="2743200" indent="0">
+              <a:buNone/>
+              <a:defRPr sz="1600" b="1"/>
+            </a:lvl7pPr>
+            <a:lvl8pPr marL="3200400" indent="0">
+              <a:buNone/>
+              <a:defRPr sz="1600" b="1"/>
+            </a:lvl8pPr>
+            <a:lvl9pPr marL="3657600" indent="0">
+              <a:buNone/>
+              <a:defRPr sz="1600" b="1"/>
+            </a:lvl9pPr>
+          </a:lstStyle>
+          <a:p>
+            <a:pPr lvl="0"/>
+            <a:r>
+              <a:rPr lang="ko-KR" altLang="en-US"/>
+              <a:t>마스터 텍스트 스타일을 편집하려면 클릭</a:t>
+            </a:r>
+          </a:p>
+        </p:txBody>
+      </p:sp>
+      <p:sp>
+        <p:nvSpPr>
+          <p:cNvPr id="4" name="내용 개체 틀 3">
+            <a:extLst>
+              <a:ext uri="{FF2B5EF4-FFF2-40B4-BE49-F238E27FC236}">
+                <a16:creationId xmlns:a16="http://schemas.microsoft.com/office/drawing/2014/main" id="{8F41A8AF-1BEA-E238-7664-F2F91293A7BB}"/>
+              </a:ext>
+            </a:extLst>
+          </p:cNvPr>
           <p:cNvSpPr>
             <a:spLocks noGrp="1"/>
           </p:cNvSpPr>
           <p:nvPr>
-            <p:ph type="sldNum" sz="quarter" idx="10"/>
+            <p:ph sz="half" idx="2"/>
           </p:nvPr>
         </p:nvSpPr>
+        <p:spPr>
+          <a:xfrm>
+            <a:off x="839788" y="2505075"/>
+            <a:ext cx="5157787" cy="3684588"/>
+          </a:xfrm>
+        </p:spPr>
+        <p:txBody>
+          <a:bodyPr/>
+          <a:lstStyle/>
+          <a:p>
+            <a:pPr lvl="0"/>
+            <a:r>
+              <a:rPr lang="ko-KR" altLang="en-US"/>
+              <a:t>마스터 텍스트 스타일을 편집하려면 클릭</a:t>
+            </a:r>
+          </a:p>
+          <a:p>
+            <a:pPr lvl="1"/>
+            <a:r>
+              <a:rPr lang="ko-KR" altLang="en-US"/>
+              <a:t>두 번째 수준</a:t>
+            </a:r>
+          </a:p>
+          <a:p>
+            <a:pPr lvl="2"/>
+            <a:r>
+              <a:rPr lang="ko-KR" altLang="en-US"/>
+              <a:t>세 번째 수준</a:t>
+            </a:r>
+          </a:p>
+          <a:p>
+            <a:pPr lvl="3"/>
+            <a:r>
+              <a:rPr lang="ko-KR" altLang="en-US"/>
+              <a:t>네 번째 수준</a:t>
+            </a:r>
+          </a:p>
+          <a:p>
+            <a:pPr lvl="4"/>
+            <a:r>
+              <a:rPr lang="ko-KR" altLang="en-US"/>
+              <a:t>다섯 번째 수준</a:t>
+            </a:r>
+          </a:p>
+        </p:txBody>
+      </p:sp>
+      <p:sp>
+        <p:nvSpPr>
+          <p:cNvPr id="5" name="텍스트 개체 틀 4">
+            <a:extLst>
+              <a:ext uri="{FF2B5EF4-FFF2-40B4-BE49-F238E27FC236}">
+                <a16:creationId xmlns:a16="http://schemas.microsoft.com/office/drawing/2014/main" id="{D58184A2-9D98-CCC1-D86C-36F04E20E14F}"/>
+              </a:ext>
+            </a:extLst>
+          </p:cNvPr>
+          <p:cNvSpPr>
+            <a:spLocks noGrp="1"/>
+          </p:cNvSpPr>
+          <p:nvPr>
+            <p:ph type="body" sz="quarter" idx="3"/>
+          </p:nvPr>
+        </p:nvSpPr>
+        <p:spPr>
+          <a:xfrm>
+            <a:off x="6172200" y="1681163"/>
+            <a:ext cx="5183188" cy="823912"/>
+          </a:xfrm>
+        </p:spPr>
+        <p:txBody>
+          <a:bodyPr anchor="b"/>
+          <a:lstStyle>
+            <a:lvl1pPr marL="0" indent="0">
+              <a:buNone/>
+              <a:defRPr sz="2400" b="1"/>
+            </a:lvl1pPr>
+            <a:lvl2pPr marL="457200" indent="0">
+              <a:buNone/>
+              <a:defRPr sz="2000" b="1"/>
+            </a:lvl2pPr>
+            <a:lvl3pPr marL="914400" indent="0">
+              <a:buNone/>
+              <a:defRPr sz="1800" b="1"/>
+            </a:lvl3pPr>
+            <a:lvl4pPr marL="1371600" indent="0">
+              <a:buNone/>
+              <a:defRPr sz="1600" b="1"/>
+            </a:lvl4pPr>
+            <a:lvl5pPr marL="1828800" indent="0">
+              <a:buNone/>
+              <a:defRPr sz="1600" b="1"/>
+            </a:lvl5pPr>
+            <a:lvl6pPr marL="2286000" indent="0">
+              <a:buNone/>
+              <a:defRPr sz="1600" b="1"/>
+            </a:lvl6pPr>
+            <a:lvl7pPr marL="2743200" indent="0">
+              <a:buNone/>
+              <a:defRPr sz="1600" b="1"/>
+            </a:lvl7pPr>
+            <a:lvl8pPr marL="3200400" indent="0">
+              <a:buNone/>
+              <a:defRPr sz="1600" b="1"/>
+            </a:lvl8pPr>
+            <a:lvl9pPr marL="3657600" indent="0">
+              <a:buNone/>
+              <a:defRPr sz="1600" b="1"/>
+            </a:lvl9pPr>
+          </a:lstStyle>
+          <a:p>
+            <a:pPr lvl="0"/>
+            <a:r>
+              <a:rPr lang="ko-KR" altLang="en-US"/>
+              <a:t>마스터 텍스트 스타일을 편집하려면 클릭</a:t>
+            </a:r>
+          </a:p>
+        </p:txBody>
+      </p:sp>
+      <p:sp>
+        <p:nvSpPr>
+          <p:cNvPr id="6" name="내용 개체 틀 5">
+            <a:extLst>
+              <a:ext uri="{FF2B5EF4-FFF2-40B4-BE49-F238E27FC236}">
+                <a16:creationId xmlns:a16="http://schemas.microsoft.com/office/drawing/2014/main" id="{D45378FF-D84D-4F30-E421-EE1955DA818A}"/>
+              </a:ext>
+            </a:extLst>
+          </p:cNvPr>
+          <p:cNvSpPr>
+            <a:spLocks noGrp="1"/>
+          </p:cNvSpPr>
+          <p:nvPr>
+            <p:ph sz="quarter" idx="4"/>
+          </p:nvPr>
+        </p:nvSpPr>
+        <p:spPr>
+          <a:xfrm>
+            <a:off x="6172200" y="2505075"/>
+            <a:ext cx="5183188" cy="3684588"/>
+          </a:xfrm>
+        </p:spPr>
+        <p:txBody>
+          <a:bodyPr/>
+          <a:lstStyle/>
+          <a:p>
+            <a:pPr lvl="0"/>
+            <a:r>
+              <a:rPr lang="ko-KR" altLang="en-US"/>
+              <a:t>마스터 텍스트 스타일을 편집하려면 클릭</a:t>
+            </a:r>
+          </a:p>
+          <a:p>
+            <a:pPr lvl="1"/>
+            <a:r>
+              <a:rPr lang="ko-KR" altLang="en-US"/>
+              <a:t>두 번째 수준</a:t>
+            </a:r>
+          </a:p>
+          <a:p>
+            <a:pPr lvl="2"/>
+            <a:r>
+              <a:rPr lang="ko-KR" altLang="en-US"/>
+              <a:t>세 번째 수준</a:t>
+            </a:r>
+          </a:p>
+          <a:p>
+            <a:pPr lvl="3"/>
+            <a:r>
+              <a:rPr lang="ko-KR" altLang="en-US"/>
+              <a:t>네 번째 수준</a:t>
+            </a:r>
+          </a:p>
+          <a:p>
+            <a:pPr lvl="4"/>
+            <a:r>
+              <a:rPr lang="ko-KR" altLang="en-US"/>
+              <a:t>다섯 번째 수준</a:t>
+            </a:r>
+          </a:p>
+        </p:txBody>
+      </p:sp>
+      <p:sp>
+        <p:nvSpPr>
+          <p:cNvPr id="7" name="날짜 개체 틀 6">
+            <a:extLst>
+              <a:ext uri="{FF2B5EF4-FFF2-40B4-BE49-F238E27FC236}">
+                <a16:creationId xmlns:a16="http://schemas.microsoft.com/office/drawing/2014/main" id="{6D91BDB8-8736-163F-79AD-F89CDF5C324F}"/>
+              </a:ext>
+            </a:extLst>
+          </p:cNvPr>
+          <p:cNvSpPr>
+            <a:spLocks noGrp="1"/>
+          </p:cNvSpPr>
+          <p:nvPr>
+            <p:ph type="dt" sz="half" idx="10"/>
+          </p:nvPr>
+        </p:nvSpPr>
         <p:spPr/>
         <p:txBody>
           <a:bodyPr/>
           <a:lstStyle/>
           <a:p>
-            <a:fld id="{F7021451-1387-4CA6-816F-3879F97B5CBC}" type="slidenum">
-              <a:rPr lang="en-US"/>
-              <a:t>7</a:t>
+            <a:fld id="{88D4E6A9-5FF2-4AAB-9EC2-C54497312A04}" type="datetimeFigureOut">
+              <a:rPr lang="ko-KR" altLang="en-US" smtClean="0"/>
+              <a:t>2025-05-13</a:t>
             </a:fld>
-            <a:endParaRPr lang="en-US"/>
+            <a:endParaRPr lang="ko-KR" altLang="en-US"/>
+          </a:p>
+        </p:txBody>
+      </p:sp>
+      <p:sp>
+        <p:nvSpPr>
+          <p:cNvPr id="8" name="바닥글 개체 틀 7">
+            <a:extLst>
+              <a:ext uri="{FF2B5EF4-FFF2-40B4-BE49-F238E27FC236}">
+                <a16:creationId xmlns:a16="http://schemas.microsoft.com/office/drawing/2014/main" id="{EC56420A-F193-B045-68B6-16A6AC390427}"/>
+              </a:ext>
+            </a:extLst>
+          </p:cNvPr>
+          <p:cNvSpPr>
+            <a:spLocks noGrp="1"/>
+          </p:cNvSpPr>
+          <p:nvPr>
+            <p:ph type="ftr" sz="quarter" idx="11"/>
+          </p:nvPr>
+        </p:nvSpPr>
+        <p:spPr/>
+        <p:txBody>
+          <a:bodyPr/>
+          <a:lstStyle/>
+          <a:p>
+            <a:endParaRPr lang="ko-KR" altLang="en-US"/>
+          </a:p>
+        </p:txBody>
+      </p:sp>
+      <p:sp>
+        <p:nvSpPr>
+          <p:cNvPr id="9" name="슬라이드 번호 개체 틀 8">
+            <a:extLst>
+              <a:ext uri="{FF2B5EF4-FFF2-40B4-BE49-F238E27FC236}">
+                <a16:creationId xmlns:a16="http://schemas.microsoft.com/office/drawing/2014/main" id="{C90AAA77-2D7E-DF1C-B882-F10783DE3CB2}"/>
+              </a:ext>
+            </a:extLst>
+          </p:cNvPr>
+          <p:cNvSpPr>
+            <a:spLocks noGrp="1"/>
+          </p:cNvSpPr>
+          <p:nvPr>
+            <p:ph type="sldNum" sz="quarter" idx="12"/>
+          </p:nvPr>
+        </p:nvSpPr>
+        <p:spPr/>
+        <p:txBody>
+          <a:bodyPr/>
+          <a:lstStyle/>
+          <a:p>
+            <a:fld id="{B36BF72A-A713-4C0A-A943-A4E17232D9A3}" type="slidenum">
+              <a:rPr lang="ko-KR" altLang="en-US" smtClean="0"/>
+              <a:t>‹#›</a:t>
+            </a:fld>
+            <a:endParaRPr lang="ko-KR" altLang="en-US"/>
           </a:p>
         </p:txBody>
       </p:sp>
     </p:spTree>
     <p:extLst>
       <p:ext uri="{BB962C8B-B14F-4D97-AF65-F5344CB8AC3E}">
-        <p14:creationId xmlns:p14="http://schemas.microsoft.com/office/powerpoint/2010/main" val="1024086991"/>
+        <p14:creationId xmlns:p14="http://schemas.microsoft.com/office/powerpoint/2010/main" val="1592189960"/>
       </p:ext>
     </p:extLst>
   </p:cSld>
   <p:clrMapOvr>
     <a:masterClrMapping/>
   </p:clrMapOvr>
-</p:notes>
+</p:sldLayout>
 </file>
 
-<file path=ppt/slideLayouts/slideLayout1.xml><?xml version="1.0" encoding="utf-8"?>
-<p:sldLayout xmlns:a="http://schemas.openxmlformats.org/drawingml/2006/main" xmlns:r="http://schemas.openxmlformats.org/officeDocument/2006/relationships" xmlns:p="http://schemas.openxmlformats.org/presentationml/2006/main" preserve="1">
-  <p:cSld name="DEFAULT">
-    <p:bg>
-      <p:bgRef idx="1001">
-        <a:schemeClr val="bg1"/>
-      </p:bgRef>
-    </p:bg>
+<file path=ppt/slideLayouts/slideLayout6.xml><?xml version="1.0" encoding="utf-8"?>
+<p:sldLayout xmlns:a="http://schemas.openxmlformats.org/drawingml/2006/main" xmlns:r="http://schemas.openxmlformats.org/officeDocument/2006/relationships" xmlns:p="http://schemas.openxmlformats.org/presentationml/2006/main" type="titleOnly" preserve="1">
+  <p:cSld name="제목만">
     <p:spTree>
       <p:nvGrpSpPr>
         <p:cNvPr id="1" name=""/>
@@ -866,7 +2258,123 @@
           <a:chExt cx="0" cy="0"/>
         </a:xfrm>
       </p:grpSpPr>
+      <p:sp>
+        <p:nvSpPr>
+          <p:cNvPr id="2" name="제목 1">
+            <a:extLst>
+              <a:ext uri="{FF2B5EF4-FFF2-40B4-BE49-F238E27FC236}">
+                <a16:creationId xmlns:a16="http://schemas.microsoft.com/office/drawing/2014/main" id="{3A2E8D8E-A9D9-88C6-0E6F-A00948735B59}"/>
+              </a:ext>
+            </a:extLst>
+          </p:cNvPr>
+          <p:cNvSpPr>
+            <a:spLocks noGrp="1"/>
+          </p:cNvSpPr>
+          <p:nvPr>
+            <p:ph type="title"/>
+          </p:nvPr>
+        </p:nvSpPr>
+        <p:spPr/>
+        <p:txBody>
+          <a:bodyPr/>
+          <a:lstStyle/>
+          <a:p>
+            <a:r>
+              <a:rPr lang="ko-KR" altLang="en-US"/>
+              <a:t>마스터 제목 스타일 편집</a:t>
+            </a:r>
+          </a:p>
+        </p:txBody>
+      </p:sp>
+      <p:sp>
+        <p:nvSpPr>
+          <p:cNvPr id="3" name="날짜 개체 틀 2">
+            <a:extLst>
+              <a:ext uri="{FF2B5EF4-FFF2-40B4-BE49-F238E27FC236}">
+                <a16:creationId xmlns:a16="http://schemas.microsoft.com/office/drawing/2014/main" id="{49B47BFA-DEB4-0D25-5610-845D701E0E4E}"/>
+              </a:ext>
+            </a:extLst>
+          </p:cNvPr>
+          <p:cNvSpPr>
+            <a:spLocks noGrp="1"/>
+          </p:cNvSpPr>
+          <p:nvPr>
+            <p:ph type="dt" sz="half" idx="10"/>
+          </p:nvPr>
+        </p:nvSpPr>
+        <p:spPr/>
+        <p:txBody>
+          <a:bodyPr/>
+          <a:lstStyle/>
+          <a:p>
+            <a:fld id="{88D4E6A9-5FF2-4AAB-9EC2-C54497312A04}" type="datetimeFigureOut">
+              <a:rPr lang="ko-KR" altLang="en-US" smtClean="0"/>
+              <a:t>2025-05-13</a:t>
+            </a:fld>
+            <a:endParaRPr lang="ko-KR" altLang="en-US"/>
+          </a:p>
+        </p:txBody>
+      </p:sp>
+      <p:sp>
+        <p:nvSpPr>
+          <p:cNvPr id="4" name="바닥글 개체 틀 3">
+            <a:extLst>
+              <a:ext uri="{FF2B5EF4-FFF2-40B4-BE49-F238E27FC236}">
+                <a16:creationId xmlns:a16="http://schemas.microsoft.com/office/drawing/2014/main" id="{2CAAB6EF-C205-A43E-6327-91BC710EC3AB}"/>
+              </a:ext>
+            </a:extLst>
+          </p:cNvPr>
+          <p:cNvSpPr>
+            <a:spLocks noGrp="1"/>
+          </p:cNvSpPr>
+          <p:nvPr>
+            <p:ph type="ftr" sz="quarter" idx="11"/>
+          </p:nvPr>
+        </p:nvSpPr>
+        <p:spPr/>
+        <p:txBody>
+          <a:bodyPr/>
+          <a:lstStyle/>
+          <a:p>
+            <a:endParaRPr lang="ko-KR" altLang="en-US"/>
+          </a:p>
+        </p:txBody>
+      </p:sp>
+      <p:sp>
+        <p:nvSpPr>
+          <p:cNvPr id="5" name="슬라이드 번호 개체 틀 4">
+            <a:extLst>
+              <a:ext uri="{FF2B5EF4-FFF2-40B4-BE49-F238E27FC236}">
+                <a16:creationId xmlns:a16="http://schemas.microsoft.com/office/drawing/2014/main" id="{C79FC814-DBE1-D329-B588-BE30366221AB}"/>
+              </a:ext>
+            </a:extLst>
+          </p:cNvPr>
+          <p:cNvSpPr>
+            <a:spLocks noGrp="1"/>
+          </p:cNvSpPr>
+          <p:nvPr>
+            <p:ph type="sldNum" sz="quarter" idx="12"/>
+          </p:nvPr>
+        </p:nvSpPr>
+        <p:spPr/>
+        <p:txBody>
+          <a:bodyPr/>
+          <a:lstStyle/>
+          <a:p>
+            <a:fld id="{B36BF72A-A713-4C0A-A943-A4E17232D9A3}" type="slidenum">
+              <a:rPr lang="ko-KR" altLang="en-US" smtClean="0"/>
+              <a:t>‹#›</a:t>
+            </a:fld>
+            <a:endParaRPr lang="ko-KR" altLang="en-US"/>
+          </a:p>
+        </p:txBody>
+      </p:sp>
     </p:spTree>
+    <p:extLst>
+      <p:ext uri="{BB962C8B-B14F-4D97-AF65-F5344CB8AC3E}">
+        <p14:creationId xmlns:p14="http://schemas.microsoft.com/office/powerpoint/2010/main" val="174512511"/>
+      </p:ext>
+    </p:extLst>
   </p:cSld>
   <p:clrMapOvr>
     <a:masterClrMapping/>
@@ -874,17 +2382,9 @@
 </p:sldLayout>
 </file>
 
-<file path=ppt/slideLayouts/slideLayout2.xml><?xml version="1.0" encoding="utf-8"?>
-<p:sldLayout xmlns:a="http://schemas.openxmlformats.org/drawingml/2006/main" xmlns:r="http://schemas.openxmlformats.org/officeDocument/2006/relationships" xmlns:p="http://schemas.openxmlformats.org/presentationml/2006/main" preserve="1">
-  <p:cSld name="Slide 1 master">
-    <p:bg>
-      <p:bgPr>
-        <a:solidFill>
-          <a:srgbClr val="000000"/>
-        </a:solidFill>
-        <a:effectLst/>
-      </p:bgPr>
-    </p:bg>
+<file path=ppt/slideLayouts/slideLayout7.xml><?xml version="1.0" encoding="utf-8"?>
+<p:sldLayout xmlns:a="http://schemas.openxmlformats.org/drawingml/2006/main" xmlns:r="http://schemas.openxmlformats.org/officeDocument/2006/relationships" xmlns:p="http://schemas.openxmlformats.org/presentationml/2006/main" type="blank" preserve="1">
+  <p:cSld name="빈 화면">
     <p:spTree>
       <p:nvGrpSpPr>
         <p:cNvPr id="1" name=""/>
@@ -901,71 +2401,93 @@
       </p:grpSpPr>
       <p:sp>
         <p:nvSpPr>
-          <p:cNvPr id="2" name="Shape 0"/>
-          <p:cNvSpPr/>
-          <p:nvPr/>
-        </p:nvSpPr>
-        <p:spPr>
-          <a:xfrm>
-            <a:off x="0" y="0"/>
-            <a:ext cx="14630400" cy="8229600"/>
-          </a:xfrm>
-          <a:prstGeom prst="rect">
-            <a:avLst/>
-          </a:prstGeom>
-          <a:solidFill>
-            <a:srgbClr val="E6E2DB"/>
-          </a:solidFill>
-          <a:ln/>
-        </p:spPr>
-      </p:sp>
-      <p:sp>
-        <p:nvSpPr>
-          <p:cNvPr id="3" name="Shape 1"/>
-          <p:cNvSpPr/>
-          <p:nvPr/>
-        </p:nvSpPr>
-        <p:spPr>
-          <a:xfrm>
-            <a:off x="0" y="0"/>
-            <a:ext cx="14630400" cy="8229600"/>
-          </a:xfrm>
-          <a:prstGeom prst="rect">
-            <a:avLst/>
-          </a:prstGeom>
-          <a:solidFill>
-            <a:srgbClr val="F9F8F5"/>
-          </a:solidFill>
-          <a:ln/>
-        </p:spPr>
-      </p:sp>
-      <p:pic>
-        <p:nvPicPr>
-          <p:cNvPr id="4" name="Image 0" descr="preencoded.png">
-            <a:hlinkClick r:id="rId2"/>
-          </p:cNvPr>
-          <p:cNvPicPr>
-            <a:picLocks noChangeAspect="1"/>
-          </p:cNvPicPr>
-          <p:nvPr/>
-        </p:nvPicPr>
-        <p:blipFill>
-          <a:blip r:embed="rId3"/>
-          <a:stretch>
-            <a:fillRect/>
-          </a:stretch>
-        </p:blipFill>
-        <p:spPr>
-          <a:xfrm>
-            <a:off x="12839215" y="7749540"/>
-            <a:ext cx="1722605" cy="411480"/>
-          </a:xfrm>
-          <a:prstGeom prst="rect">
-            <a:avLst/>
-          </a:prstGeom>
-        </p:spPr>
-      </p:pic>
+          <p:cNvPr id="2" name="날짜 개체 틀 1">
+            <a:extLst>
+              <a:ext uri="{FF2B5EF4-FFF2-40B4-BE49-F238E27FC236}">
+                <a16:creationId xmlns:a16="http://schemas.microsoft.com/office/drawing/2014/main" id="{F357D02B-A6CB-DDE8-28C7-3979CCC0892A}"/>
+              </a:ext>
+            </a:extLst>
+          </p:cNvPr>
+          <p:cNvSpPr>
+            <a:spLocks noGrp="1"/>
+          </p:cNvSpPr>
+          <p:nvPr>
+            <p:ph type="dt" sz="half" idx="10"/>
+          </p:nvPr>
+        </p:nvSpPr>
+        <p:spPr/>
+        <p:txBody>
+          <a:bodyPr/>
+          <a:lstStyle/>
+          <a:p>
+            <a:fld id="{88D4E6A9-5FF2-4AAB-9EC2-C54497312A04}" type="datetimeFigureOut">
+              <a:rPr lang="ko-KR" altLang="en-US" smtClean="0"/>
+              <a:t>2025-05-13</a:t>
+            </a:fld>
+            <a:endParaRPr lang="ko-KR" altLang="en-US"/>
+          </a:p>
+        </p:txBody>
+      </p:sp>
+      <p:sp>
+        <p:nvSpPr>
+          <p:cNvPr id="3" name="바닥글 개체 틀 2">
+            <a:extLst>
+              <a:ext uri="{FF2B5EF4-FFF2-40B4-BE49-F238E27FC236}">
+                <a16:creationId xmlns:a16="http://schemas.microsoft.com/office/drawing/2014/main" id="{1570299A-8FC6-E8B6-7C7E-1432FE02B365}"/>
+              </a:ext>
+            </a:extLst>
+          </p:cNvPr>
+          <p:cNvSpPr>
+            <a:spLocks noGrp="1"/>
+          </p:cNvSpPr>
+          <p:nvPr>
+            <p:ph type="ftr" sz="quarter" idx="11"/>
+          </p:nvPr>
+        </p:nvSpPr>
+        <p:spPr/>
+        <p:txBody>
+          <a:bodyPr/>
+          <a:lstStyle/>
+          <a:p>
+            <a:endParaRPr lang="ko-KR" altLang="en-US"/>
+          </a:p>
+        </p:txBody>
+      </p:sp>
+      <p:sp>
+        <p:nvSpPr>
+          <p:cNvPr id="4" name="슬라이드 번호 개체 틀 3">
+            <a:extLst>
+              <a:ext uri="{FF2B5EF4-FFF2-40B4-BE49-F238E27FC236}">
+                <a16:creationId xmlns:a16="http://schemas.microsoft.com/office/drawing/2014/main" id="{A5A8BCF9-1182-3D1E-3114-0279EC5D8524}"/>
+              </a:ext>
+            </a:extLst>
+          </p:cNvPr>
+          <p:cNvSpPr>
+            <a:spLocks noGrp="1"/>
+          </p:cNvSpPr>
+          <p:nvPr>
+            <p:ph type="sldNum" sz="quarter" idx="12"/>
+          </p:nvPr>
+        </p:nvSpPr>
+        <p:spPr/>
+        <p:txBody>
+          <a:bodyPr/>
+          <a:lstStyle/>
+          <a:p>
+            <a:fld id="{B36BF72A-A713-4C0A-A943-A4E17232D9A3}" type="slidenum">
+              <a:rPr lang="ko-KR" altLang="en-US" smtClean="0"/>
+              <a:t>‹#›</a:t>
+            </a:fld>
+            <a:endParaRPr lang="ko-KR" altLang="en-US"/>
+          </a:p>
+        </p:txBody>
+      </p:sp>
     </p:spTree>
+    <p:extLst>
+      <p:ext uri="{BB962C8B-B14F-4D97-AF65-F5344CB8AC3E}">
+        <p14:creationId xmlns:p14="http://schemas.microsoft.com/office/powerpoint/2010/main" val="486544828"/>
+      </p:ext>
+    </p:extLst>
   </p:cSld>
   <p:clrMapOvr>
     <a:masterClrMapping/>
@@ -973,17 +2495,9 @@
 </p:sldLayout>
 </file>
 
-<file path=ppt/slideLayouts/slideLayout3.xml><?xml version="1.0" encoding="utf-8"?>
-<p:sldLayout xmlns:a="http://schemas.openxmlformats.org/drawingml/2006/main" xmlns:r="http://schemas.openxmlformats.org/officeDocument/2006/relationships" xmlns:p="http://schemas.openxmlformats.org/presentationml/2006/main" preserve="1">
-  <p:cSld name="Slide 2 master">
-    <p:bg>
-      <p:bgPr>
-        <a:solidFill>
-          <a:srgbClr val="000000"/>
-        </a:solidFill>
-        <a:effectLst/>
-      </p:bgPr>
-    </p:bg>
+<file path=ppt/slideLayouts/slideLayout8.xml><?xml version="1.0" encoding="utf-8"?>
+<p:sldLayout xmlns:a="http://schemas.openxmlformats.org/drawingml/2006/main" xmlns:r="http://schemas.openxmlformats.org/officeDocument/2006/relationships" xmlns:p="http://schemas.openxmlformats.org/presentationml/2006/main" type="objTx" preserve="1">
+  <p:cSld name="캡션 있는 콘텐츠">
     <p:spTree>
       <p:nvGrpSpPr>
         <p:cNvPr id="1" name=""/>
@@ -1000,71 +2514,291 @@
       </p:grpSpPr>
       <p:sp>
         <p:nvSpPr>
-          <p:cNvPr id="2" name="Shape 0"/>
-          <p:cNvSpPr/>
-          <p:nvPr/>
-        </p:nvSpPr>
-        <p:spPr>
-          <a:xfrm>
-            <a:off x="0" y="0"/>
-            <a:ext cx="14630400" cy="8229600"/>
-          </a:xfrm>
-          <a:prstGeom prst="rect">
-            <a:avLst/>
-          </a:prstGeom>
-          <a:solidFill>
-            <a:srgbClr val="E6E2DB"/>
-          </a:solidFill>
-          <a:ln/>
-        </p:spPr>
-      </p:sp>
-      <p:sp>
-        <p:nvSpPr>
-          <p:cNvPr id="3" name="Shape 1"/>
-          <p:cNvSpPr/>
-          <p:nvPr/>
-        </p:nvSpPr>
-        <p:spPr>
-          <a:xfrm>
-            <a:off x="0" y="0"/>
-            <a:ext cx="14630400" cy="8229600"/>
-          </a:xfrm>
-          <a:prstGeom prst="rect">
-            <a:avLst/>
-          </a:prstGeom>
-          <a:solidFill>
-            <a:srgbClr val="F9F8F5"/>
-          </a:solidFill>
-          <a:ln/>
-        </p:spPr>
-      </p:sp>
-      <p:pic>
-        <p:nvPicPr>
-          <p:cNvPr id="4" name="Image 0" descr="preencoded.png">
-            <a:hlinkClick r:id="rId2"/>
-          </p:cNvPr>
-          <p:cNvPicPr>
-            <a:picLocks noChangeAspect="1"/>
-          </p:cNvPicPr>
-          <p:nvPr/>
-        </p:nvPicPr>
-        <p:blipFill>
-          <a:blip r:embed="rId3"/>
-          <a:stretch>
-            <a:fillRect/>
-          </a:stretch>
-        </p:blipFill>
-        <p:spPr>
-          <a:xfrm>
-            <a:off x="12839215" y="7749540"/>
-            <a:ext cx="1722605" cy="411480"/>
-          </a:xfrm>
-          <a:prstGeom prst="rect">
-            <a:avLst/>
-          </a:prstGeom>
-        </p:spPr>
-      </p:pic>
+          <p:cNvPr id="2" name="제목 1">
+            <a:extLst>
+              <a:ext uri="{FF2B5EF4-FFF2-40B4-BE49-F238E27FC236}">
+                <a16:creationId xmlns:a16="http://schemas.microsoft.com/office/drawing/2014/main" id="{9637A237-9B0E-0913-DD6A-DC29B7DDC61D}"/>
+              </a:ext>
+            </a:extLst>
+          </p:cNvPr>
+          <p:cNvSpPr>
+            <a:spLocks noGrp="1"/>
+          </p:cNvSpPr>
+          <p:nvPr>
+            <p:ph type="title"/>
+          </p:nvPr>
+        </p:nvSpPr>
+        <p:spPr>
+          <a:xfrm>
+            <a:off x="839788" y="457200"/>
+            <a:ext cx="3932237" cy="1600200"/>
+          </a:xfrm>
+        </p:spPr>
+        <p:txBody>
+          <a:bodyPr anchor="b"/>
+          <a:lstStyle>
+            <a:lvl1pPr>
+              <a:defRPr sz="3200"/>
+            </a:lvl1pPr>
+          </a:lstStyle>
+          <a:p>
+            <a:r>
+              <a:rPr lang="ko-KR" altLang="en-US"/>
+              <a:t>마스터 제목 스타일 편집</a:t>
+            </a:r>
+          </a:p>
+        </p:txBody>
+      </p:sp>
+      <p:sp>
+        <p:nvSpPr>
+          <p:cNvPr id="3" name="내용 개체 틀 2">
+            <a:extLst>
+              <a:ext uri="{FF2B5EF4-FFF2-40B4-BE49-F238E27FC236}">
+                <a16:creationId xmlns:a16="http://schemas.microsoft.com/office/drawing/2014/main" id="{87AF4352-AD36-0AFE-11EE-7221E010421A}"/>
+              </a:ext>
+            </a:extLst>
+          </p:cNvPr>
+          <p:cNvSpPr>
+            <a:spLocks noGrp="1"/>
+          </p:cNvSpPr>
+          <p:nvPr>
+            <p:ph idx="1"/>
+          </p:nvPr>
+        </p:nvSpPr>
+        <p:spPr>
+          <a:xfrm>
+            <a:off x="5183188" y="987425"/>
+            <a:ext cx="6172200" cy="4873625"/>
+          </a:xfrm>
+        </p:spPr>
+        <p:txBody>
+          <a:bodyPr/>
+          <a:lstStyle>
+            <a:lvl1pPr>
+              <a:defRPr sz="3200"/>
+            </a:lvl1pPr>
+            <a:lvl2pPr>
+              <a:defRPr sz="2800"/>
+            </a:lvl2pPr>
+            <a:lvl3pPr>
+              <a:defRPr sz="2400"/>
+            </a:lvl3pPr>
+            <a:lvl4pPr>
+              <a:defRPr sz="2000"/>
+            </a:lvl4pPr>
+            <a:lvl5pPr>
+              <a:defRPr sz="2000"/>
+            </a:lvl5pPr>
+            <a:lvl6pPr>
+              <a:defRPr sz="2000"/>
+            </a:lvl6pPr>
+            <a:lvl7pPr>
+              <a:defRPr sz="2000"/>
+            </a:lvl7pPr>
+            <a:lvl8pPr>
+              <a:defRPr sz="2000"/>
+            </a:lvl8pPr>
+            <a:lvl9pPr>
+              <a:defRPr sz="2000"/>
+            </a:lvl9pPr>
+          </a:lstStyle>
+          <a:p>
+            <a:pPr lvl="0"/>
+            <a:r>
+              <a:rPr lang="ko-KR" altLang="en-US"/>
+              <a:t>마스터 텍스트 스타일을 편집하려면 클릭</a:t>
+            </a:r>
+          </a:p>
+          <a:p>
+            <a:pPr lvl="1"/>
+            <a:r>
+              <a:rPr lang="ko-KR" altLang="en-US"/>
+              <a:t>두 번째 수준</a:t>
+            </a:r>
+          </a:p>
+          <a:p>
+            <a:pPr lvl="2"/>
+            <a:r>
+              <a:rPr lang="ko-KR" altLang="en-US"/>
+              <a:t>세 번째 수준</a:t>
+            </a:r>
+          </a:p>
+          <a:p>
+            <a:pPr lvl="3"/>
+            <a:r>
+              <a:rPr lang="ko-KR" altLang="en-US"/>
+              <a:t>네 번째 수준</a:t>
+            </a:r>
+          </a:p>
+          <a:p>
+            <a:pPr lvl="4"/>
+            <a:r>
+              <a:rPr lang="ko-KR" altLang="en-US"/>
+              <a:t>다섯 번째 수준</a:t>
+            </a:r>
+          </a:p>
+        </p:txBody>
+      </p:sp>
+      <p:sp>
+        <p:nvSpPr>
+          <p:cNvPr id="4" name="텍스트 개체 틀 3">
+            <a:extLst>
+              <a:ext uri="{FF2B5EF4-FFF2-40B4-BE49-F238E27FC236}">
+                <a16:creationId xmlns:a16="http://schemas.microsoft.com/office/drawing/2014/main" id="{57A9CC6E-6344-4C6F-3875-8C316C9CD538}"/>
+              </a:ext>
+            </a:extLst>
+          </p:cNvPr>
+          <p:cNvSpPr>
+            <a:spLocks noGrp="1"/>
+          </p:cNvSpPr>
+          <p:nvPr>
+            <p:ph type="body" sz="half" idx="2"/>
+          </p:nvPr>
+        </p:nvSpPr>
+        <p:spPr>
+          <a:xfrm>
+            <a:off x="839788" y="2057400"/>
+            <a:ext cx="3932237" cy="3811588"/>
+          </a:xfrm>
+        </p:spPr>
+        <p:txBody>
+          <a:bodyPr/>
+          <a:lstStyle>
+            <a:lvl1pPr marL="0" indent="0">
+              <a:buNone/>
+              <a:defRPr sz="1600"/>
+            </a:lvl1pPr>
+            <a:lvl2pPr marL="457200" indent="0">
+              <a:buNone/>
+              <a:defRPr sz="1400"/>
+            </a:lvl2pPr>
+            <a:lvl3pPr marL="914400" indent="0">
+              <a:buNone/>
+              <a:defRPr sz="1200"/>
+            </a:lvl3pPr>
+            <a:lvl4pPr marL="1371600" indent="0">
+              <a:buNone/>
+              <a:defRPr sz="1000"/>
+            </a:lvl4pPr>
+            <a:lvl5pPr marL="1828800" indent="0">
+              <a:buNone/>
+              <a:defRPr sz="1000"/>
+            </a:lvl5pPr>
+            <a:lvl6pPr marL="2286000" indent="0">
+              <a:buNone/>
+              <a:defRPr sz="1000"/>
+            </a:lvl6pPr>
+            <a:lvl7pPr marL="2743200" indent="0">
+              <a:buNone/>
+              <a:defRPr sz="1000"/>
+            </a:lvl7pPr>
+            <a:lvl8pPr marL="3200400" indent="0">
+              <a:buNone/>
+              <a:defRPr sz="1000"/>
+            </a:lvl8pPr>
+            <a:lvl9pPr marL="3657600" indent="0">
+              <a:buNone/>
+              <a:defRPr sz="1000"/>
+            </a:lvl9pPr>
+          </a:lstStyle>
+          <a:p>
+            <a:pPr lvl="0"/>
+            <a:r>
+              <a:rPr lang="ko-KR" altLang="en-US"/>
+              <a:t>마스터 텍스트 스타일을 편집하려면 클릭</a:t>
+            </a:r>
+          </a:p>
+        </p:txBody>
+      </p:sp>
+      <p:sp>
+        <p:nvSpPr>
+          <p:cNvPr id="5" name="날짜 개체 틀 4">
+            <a:extLst>
+              <a:ext uri="{FF2B5EF4-FFF2-40B4-BE49-F238E27FC236}">
+                <a16:creationId xmlns:a16="http://schemas.microsoft.com/office/drawing/2014/main" id="{31DBBDE6-1833-2FFE-2D46-BB644448C53E}"/>
+              </a:ext>
+            </a:extLst>
+          </p:cNvPr>
+          <p:cNvSpPr>
+            <a:spLocks noGrp="1"/>
+          </p:cNvSpPr>
+          <p:nvPr>
+            <p:ph type="dt" sz="half" idx="10"/>
+          </p:nvPr>
+        </p:nvSpPr>
+        <p:spPr/>
+        <p:txBody>
+          <a:bodyPr/>
+          <a:lstStyle/>
+          <a:p>
+            <a:fld id="{88D4E6A9-5FF2-4AAB-9EC2-C54497312A04}" type="datetimeFigureOut">
+              <a:rPr lang="ko-KR" altLang="en-US" smtClean="0"/>
+              <a:t>2025-05-13</a:t>
+            </a:fld>
+            <a:endParaRPr lang="ko-KR" altLang="en-US"/>
+          </a:p>
+        </p:txBody>
+      </p:sp>
+      <p:sp>
+        <p:nvSpPr>
+          <p:cNvPr id="6" name="바닥글 개체 틀 5">
+            <a:extLst>
+              <a:ext uri="{FF2B5EF4-FFF2-40B4-BE49-F238E27FC236}">
+                <a16:creationId xmlns:a16="http://schemas.microsoft.com/office/drawing/2014/main" id="{19C422A2-6994-1D9B-5534-B6847303D86A}"/>
+              </a:ext>
+            </a:extLst>
+          </p:cNvPr>
+          <p:cNvSpPr>
+            <a:spLocks noGrp="1"/>
+          </p:cNvSpPr>
+          <p:nvPr>
+            <p:ph type="ftr" sz="quarter" idx="11"/>
+          </p:nvPr>
+        </p:nvSpPr>
+        <p:spPr/>
+        <p:txBody>
+          <a:bodyPr/>
+          <a:lstStyle/>
+          <a:p>
+            <a:endParaRPr lang="ko-KR" altLang="en-US"/>
+          </a:p>
+        </p:txBody>
+      </p:sp>
+      <p:sp>
+        <p:nvSpPr>
+          <p:cNvPr id="7" name="슬라이드 번호 개체 틀 6">
+            <a:extLst>
+              <a:ext uri="{FF2B5EF4-FFF2-40B4-BE49-F238E27FC236}">
+                <a16:creationId xmlns:a16="http://schemas.microsoft.com/office/drawing/2014/main" id="{D1C6FA5B-5497-A43B-824D-7622F0F87638}"/>
+              </a:ext>
+            </a:extLst>
+          </p:cNvPr>
+          <p:cNvSpPr>
+            <a:spLocks noGrp="1"/>
+          </p:cNvSpPr>
+          <p:nvPr>
+            <p:ph type="sldNum" sz="quarter" idx="12"/>
+          </p:nvPr>
+        </p:nvSpPr>
+        <p:spPr/>
+        <p:txBody>
+          <a:bodyPr/>
+          <a:lstStyle/>
+          <a:p>
+            <a:fld id="{B36BF72A-A713-4C0A-A943-A4E17232D9A3}" type="slidenum">
+              <a:rPr lang="ko-KR" altLang="en-US" smtClean="0"/>
+              <a:t>‹#›</a:t>
+            </a:fld>
+            <a:endParaRPr lang="ko-KR" altLang="en-US"/>
+          </a:p>
+        </p:txBody>
+      </p:sp>
     </p:spTree>
+    <p:extLst>
+      <p:ext uri="{BB962C8B-B14F-4D97-AF65-F5344CB8AC3E}">
+        <p14:creationId xmlns:p14="http://schemas.microsoft.com/office/powerpoint/2010/main" val="3496387777"/>
+      </p:ext>
+    </p:extLst>
   </p:cSld>
   <p:clrMapOvr>
     <a:masterClrMapping/>
@@ -1072,17 +2806,9 @@
 </p:sldLayout>
 </file>
 
-<file path=ppt/slideLayouts/slideLayout4.xml><?xml version="1.0" encoding="utf-8"?>
-<p:sldLayout xmlns:a="http://schemas.openxmlformats.org/drawingml/2006/main" xmlns:r="http://schemas.openxmlformats.org/officeDocument/2006/relationships" xmlns:p="http://schemas.openxmlformats.org/presentationml/2006/main" preserve="1">
-  <p:cSld name="Slide 3 master">
-    <p:bg>
-      <p:bgPr>
-        <a:solidFill>
-          <a:srgbClr val="000000"/>
-        </a:solidFill>
-        <a:effectLst/>
-      </p:bgPr>
-    </p:bg>
+<file path=ppt/slideLayouts/slideLayout9.xml><?xml version="1.0" encoding="utf-8"?>
+<p:sldLayout xmlns:a="http://schemas.openxmlformats.org/drawingml/2006/main" xmlns:r="http://schemas.openxmlformats.org/officeDocument/2006/relationships" xmlns:p="http://schemas.openxmlformats.org/presentationml/2006/main" type="picTx" preserve="1">
+  <p:cSld name="캡션 있는 그림">
     <p:spTree>
       <p:nvGrpSpPr>
         <p:cNvPr id="1" name=""/>
@@ -1099,467 +2825,268 @@
       </p:grpSpPr>
       <p:sp>
         <p:nvSpPr>
-          <p:cNvPr id="2" name="Shape 0"/>
-          <p:cNvSpPr/>
-          <p:nvPr/>
-        </p:nvSpPr>
-        <p:spPr>
-          <a:xfrm>
-            <a:off x="0" y="0"/>
-            <a:ext cx="14630400" cy="8229600"/>
-          </a:xfrm>
-          <a:prstGeom prst="rect">
-            <a:avLst/>
-          </a:prstGeom>
-          <a:solidFill>
-            <a:srgbClr val="E6E2DB"/>
-          </a:solidFill>
-          <a:ln/>
-        </p:spPr>
-      </p:sp>
-      <p:sp>
-        <p:nvSpPr>
-          <p:cNvPr id="3" name="Shape 1"/>
-          <p:cNvSpPr/>
-          <p:nvPr/>
-        </p:nvSpPr>
-        <p:spPr>
-          <a:xfrm>
-            <a:off x="0" y="0"/>
-            <a:ext cx="14630400" cy="8229600"/>
-          </a:xfrm>
-          <a:prstGeom prst="rect">
-            <a:avLst/>
-          </a:prstGeom>
-          <a:solidFill>
-            <a:srgbClr val="F9F8F5"/>
-          </a:solidFill>
-          <a:ln/>
-        </p:spPr>
-      </p:sp>
-      <p:pic>
-        <p:nvPicPr>
-          <p:cNvPr id="4" name="Image 0" descr="preencoded.png">
-            <a:hlinkClick r:id="rId2"/>
-          </p:cNvPr>
-          <p:cNvPicPr>
-            <a:picLocks noChangeAspect="1"/>
-          </p:cNvPicPr>
-          <p:nvPr/>
-        </p:nvPicPr>
-        <p:blipFill>
-          <a:blip r:embed="rId3"/>
-          <a:stretch>
-            <a:fillRect/>
-          </a:stretch>
-        </p:blipFill>
-        <p:spPr>
-          <a:xfrm>
-            <a:off x="12839215" y="7749540"/>
-            <a:ext cx="1722605" cy="411480"/>
-          </a:xfrm>
-          <a:prstGeom prst="rect">
-            <a:avLst/>
-          </a:prstGeom>
-        </p:spPr>
-      </p:pic>
+          <p:cNvPr id="2" name="제목 1">
+            <a:extLst>
+              <a:ext uri="{FF2B5EF4-FFF2-40B4-BE49-F238E27FC236}">
+                <a16:creationId xmlns:a16="http://schemas.microsoft.com/office/drawing/2014/main" id="{87FE1212-A01B-05FA-69D3-197E6A639CE9}"/>
+              </a:ext>
+            </a:extLst>
+          </p:cNvPr>
+          <p:cNvSpPr>
+            <a:spLocks noGrp="1"/>
+          </p:cNvSpPr>
+          <p:nvPr>
+            <p:ph type="title"/>
+          </p:nvPr>
+        </p:nvSpPr>
+        <p:spPr>
+          <a:xfrm>
+            <a:off x="839788" y="457200"/>
+            <a:ext cx="3932237" cy="1600200"/>
+          </a:xfrm>
+        </p:spPr>
+        <p:txBody>
+          <a:bodyPr anchor="b"/>
+          <a:lstStyle>
+            <a:lvl1pPr>
+              <a:defRPr sz="3200"/>
+            </a:lvl1pPr>
+          </a:lstStyle>
+          <a:p>
+            <a:r>
+              <a:rPr lang="ko-KR" altLang="en-US"/>
+              <a:t>마스터 제목 스타일 편집</a:t>
+            </a:r>
+          </a:p>
+        </p:txBody>
+      </p:sp>
+      <p:sp>
+        <p:nvSpPr>
+          <p:cNvPr id="3" name="그림 개체 틀 2">
+            <a:extLst>
+              <a:ext uri="{FF2B5EF4-FFF2-40B4-BE49-F238E27FC236}">
+                <a16:creationId xmlns:a16="http://schemas.microsoft.com/office/drawing/2014/main" id="{93EC8453-ED51-63A1-375B-23DD256DB810}"/>
+              </a:ext>
+            </a:extLst>
+          </p:cNvPr>
+          <p:cNvSpPr>
+            <a:spLocks noGrp="1"/>
+          </p:cNvSpPr>
+          <p:nvPr>
+            <p:ph type="pic" idx="1"/>
+          </p:nvPr>
+        </p:nvSpPr>
+        <p:spPr>
+          <a:xfrm>
+            <a:off x="5183188" y="987425"/>
+            <a:ext cx="6172200" cy="4873625"/>
+          </a:xfrm>
+        </p:spPr>
+        <p:txBody>
+          <a:bodyPr/>
+          <a:lstStyle>
+            <a:lvl1pPr marL="0" indent="0">
+              <a:buNone/>
+              <a:defRPr sz="3200"/>
+            </a:lvl1pPr>
+            <a:lvl2pPr marL="457200" indent="0">
+              <a:buNone/>
+              <a:defRPr sz="2800"/>
+            </a:lvl2pPr>
+            <a:lvl3pPr marL="914400" indent="0">
+              <a:buNone/>
+              <a:defRPr sz="2400"/>
+            </a:lvl3pPr>
+            <a:lvl4pPr marL="1371600" indent="0">
+              <a:buNone/>
+              <a:defRPr sz="2000"/>
+            </a:lvl4pPr>
+            <a:lvl5pPr marL="1828800" indent="0">
+              <a:buNone/>
+              <a:defRPr sz="2000"/>
+            </a:lvl5pPr>
+            <a:lvl6pPr marL="2286000" indent="0">
+              <a:buNone/>
+              <a:defRPr sz="2000"/>
+            </a:lvl6pPr>
+            <a:lvl7pPr marL="2743200" indent="0">
+              <a:buNone/>
+              <a:defRPr sz="2000"/>
+            </a:lvl7pPr>
+            <a:lvl8pPr marL="3200400" indent="0">
+              <a:buNone/>
+              <a:defRPr sz="2000"/>
+            </a:lvl8pPr>
+            <a:lvl9pPr marL="3657600" indent="0">
+              <a:buNone/>
+              <a:defRPr sz="2000"/>
+            </a:lvl9pPr>
+          </a:lstStyle>
+          <a:p>
+            <a:endParaRPr lang="ko-KR" altLang="en-US"/>
+          </a:p>
+        </p:txBody>
+      </p:sp>
+      <p:sp>
+        <p:nvSpPr>
+          <p:cNvPr id="4" name="텍스트 개체 틀 3">
+            <a:extLst>
+              <a:ext uri="{FF2B5EF4-FFF2-40B4-BE49-F238E27FC236}">
+                <a16:creationId xmlns:a16="http://schemas.microsoft.com/office/drawing/2014/main" id="{736827D2-3240-A4C1-690B-DF1703AB3362}"/>
+              </a:ext>
+            </a:extLst>
+          </p:cNvPr>
+          <p:cNvSpPr>
+            <a:spLocks noGrp="1"/>
+          </p:cNvSpPr>
+          <p:nvPr>
+            <p:ph type="body" sz="half" idx="2"/>
+          </p:nvPr>
+        </p:nvSpPr>
+        <p:spPr>
+          <a:xfrm>
+            <a:off x="839788" y="2057400"/>
+            <a:ext cx="3932237" cy="3811588"/>
+          </a:xfrm>
+        </p:spPr>
+        <p:txBody>
+          <a:bodyPr/>
+          <a:lstStyle>
+            <a:lvl1pPr marL="0" indent="0">
+              <a:buNone/>
+              <a:defRPr sz="1600"/>
+            </a:lvl1pPr>
+            <a:lvl2pPr marL="457200" indent="0">
+              <a:buNone/>
+              <a:defRPr sz="1400"/>
+            </a:lvl2pPr>
+            <a:lvl3pPr marL="914400" indent="0">
+              <a:buNone/>
+              <a:defRPr sz="1200"/>
+            </a:lvl3pPr>
+            <a:lvl4pPr marL="1371600" indent="0">
+              <a:buNone/>
+              <a:defRPr sz="1000"/>
+            </a:lvl4pPr>
+            <a:lvl5pPr marL="1828800" indent="0">
+              <a:buNone/>
+              <a:defRPr sz="1000"/>
+            </a:lvl5pPr>
+            <a:lvl6pPr marL="2286000" indent="0">
+              <a:buNone/>
+              <a:defRPr sz="1000"/>
+            </a:lvl6pPr>
+            <a:lvl7pPr marL="2743200" indent="0">
+              <a:buNone/>
+              <a:defRPr sz="1000"/>
+            </a:lvl7pPr>
+            <a:lvl8pPr marL="3200400" indent="0">
+              <a:buNone/>
+              <a:defRPr sz="1000"/>
+            </a:lvl8pPr>
+            <a:lvl9pPr marL="3657600" indent="0">
+              <a:buNone/>
+              <a:defRPr sz="1000"/>
+            </a:lvl9pPr>
+          </a:lstStyle>
+          <a:p>
+            <a:pPr lvl="0"/>
+            <a:r>
+              <a:rPr lang="ko-KR" altLang="en-US"/>
+              <a:t>마스터 텍스트 스타일을 편집하려면 클릭</a:t>
+            </a:r>
+          </a:p>
+        </p:txBody>
+      </p:sp>
+      <p:sp>
+        <p:nvSpPr>
+          <p:cNvPr id="5" name="날짜 개체 틀 4">
+            <a:extLst>
+              <a:ext uri="{FF2B5EF4-FFF2-40B4-BE49-F238E27FC236}">
+                <a16:creationId xmlns:a16="http://schemas.microsoft.com/office/drawing/2014/main" id="{3A880841-1CF9-6F4D-84EA-FD4E72396BD4}"/>
+              </a:ext>
+            </a:extLst>
+          </p:cNvPr>
+          <p:cNvSpPr>
+            <a:spLocks noGrp="1"/>
+          </p:cNvSpPr>
+          <p:nvPr>
+            <p:ph type="dt" sz="half" idx="10"/>
+          </p:nvPr>
+        </p:nvSpPr>
+        <p:spPr/>
+        <p:txBody>
+          <a:bodyPr/>
+          <a:lstStyle/>
+          <a:p>
+            <a:fld id="{88D4E6A9-5FF2-4AAB-9EC2-C54497312A04}" type="datetimeFigureOut">
+              <a:rPr lang="ko-KR" altLang="en-US" smtClean="0"/>
+              <a:t>2025-05-13</a:t>
+            </a:fld>
+            <a:endParaRPr lang="ko-KR" altLang="en-US"/>
+          </a:p>
+        </p:txBody>
+      </p:sp>
+      <p:sp>
+        <p:nvSpPr>
+          <p:cNvPr id="6" name="바닥글 개체 틀 5">
+            <a:extLst>
+              <a:ext uri="{FF2B5EF4-FFF2-40B4-BE49-F238E27FC236}">
+                <a16:creationId xmlns:a16="http://schemas.microsoft.com/office/drawing/2014/main" id="{67ABFC63-0D54-4236-E764-3891B4F50C11}"/>
+              </a:ext>
+            </a:extLst>
+          </p:cNvPr>
+          <p:cNvSpPr>
+            <a:spLocks noGrp="1"/>
+          </p:cNvSpPr>
+          <p:nvPr>
+            <p:ph type="ftr" sz="quarter" idx="11"/>
+          </p:nvPr>
+        </p:nvSpPr>
+        <p:spPr/>
+        <p:txBody>
+          <a:bodyPr/>
+          <a:lstStyle/>
+          <a:p>
+            <a:endParaRPr lang="ko-KR" altLang="en-US"/>
+          </a:p>
+        </p:txBody>
+      </p:sp>
+      <p:sp>
+        <p:nvSpPr>
+          <p:cNvPr id="7" name="슬라이드 번호 개체 틀 6">
+            <a:extLst>
+              <a:ext uri="{FF2B5EF4-FFF2-40B4-BE49-F238E27FC236}">
+                <a16:creationId xmlns:a16="http://schemas.microsoft.com/office/drawing/2014/main" id="{6F528304-A9ED-73DB-5AD5-23BC575ECCA5}"/>
+              </a:ext>
+            </a:extLst>
+          </p:cNvPr>
+          <p:cNvSpPr>
+            <a:spLocks noGrp="1"/>
+          </p:cNvSpPr>
+          <p:nvPr>
+            <p:ph type="sldNum" sz="quarter" idx="12"/>
+          </p:nvPr>
+        </p:nvSpPr>
+        <p:spPr/>
+        <p:txBody>
+          <a:bodyPr/>
+          <a:lstStyle/>
+          <a:p>
+            <a:fld id="{B36BF72A-A713-4C0A-A943-A4E17232D9A3}" type="slidenum">
+              <a:rPr lang="ko-KR" altLang="en-US" smtClean="0"/>
+              <a:t>‹#›</a:t>
+            </a:fld>
+            <a:endParaRPr lang="ko-KR" altLang="en-US"/>
+          </a:p>
+        </p:txBody>
+      </p:sp>
     </p:spTree>
-  </p:cSld>
-  <p:clrMapOvr>
-    <a:masterClrMapping/>
-  </p:clrMapOvr>
-</p:sldLayout>
-</file>
-
-<file path=ppt/slideLayouts/slideLayout5.xml><?xml version="1.0" encoding="utf-8"?>
-<p:sldLayout xmlns:a="http://schemas.openxmlformats.org/drawingml/2006/main" xmlns:r="http://schemas.openxmlformats.org/officeDocument/2006/relationships" xmlns:p="http://schemas.openxmlformats.org/presentationml/2006/main" preserve="1">
-  <p:cSld name="Slide 4 master">
-    <p:bg>
-      <p:bgPr>
-        <a:solidFill>
-          <a:srgbClr val="000000"/>
-        </a:solidFill>
-        <a:effectLst/>
-      </p:bgPr>
-    </p:bg>
-    <p:spTree>
-      <p:nvGrpSpPr>
-        <p:cNvPr id="1" name=""/>
-        <p:cNvGrpSpPr/>
-        <p:nvPr/>
-      </p:nvGrpSpPr>
-      <p:grpSpPr>
-        <a:xfrm>
-          <a:off x="0" y="0"/>
-          <a:ext cx="0" cy="0"/>
-          <a:chOff x="0" y="0"/>
-          <a:chExt cx="0" cy="0"/>
-        </a:xfrm>
-      </p:grpSpPr>
-      <p:sp>
-        <p:nvSpPr>
-          <p:cNvPr id="2" name="Shape 0"/>
-          <p:cNvSpPr/>
-          <p:nvPr/>
-        </p:nvSpPr>
-        <p:spPr>
-          <a:xfrm>
-            <a:off x="0" y="0"/>
-            <a:ext cx="14630400" cy="8229600"/>
-          </a:xfrm>
-          <a:prstGeom prst="rect">
-            <a:avLst/>
-          </a:prstGeom>
-          <a:solidFill>
-            <a:srgbClr val="E6E2DB"/>
-          </a:solidFill>
-          <a:ln/>
-        </p:spPr>
-      </p:sp>
-      <p:sp>
-        <p:nvSpPr>
-          <p:cNvPr id="3" name="Shape 1"/>
-          <p:cNvSpPr/>
-          <p:nvPr/>
-        </p:nvSpPr>
-        <p:spPr>
-          <a:xfrm>
-            <a:off x="0" y="0"/>
-            <a:ext cx="14630400" cy="8229600"/>
-          </a:xfrm>
-          <a:prstGeom prst="rect">
-            <a:avLst/>
-          </a:prstGeom>
-          <a:solidFill>
-            <a:srgbClr val="F9F8F5"/>
-          </a:solidFill>
-          <a:ln/>
-        </p:spPr>
-      </p:sp>
-      <p:pic>
-        <p:nvPicPr>
-          <p:cNvPr id="4" name="Image 0" descr="preencoded.png">
-            <a:hlinkClick r:id="rId2"/>
-          </p:cNvPr>
-          <p:cNvPicPr>
-            <a:picLocks noChangeAspect="1"/>
-          </p:cNvPicPr>
-          <p:nvPr/>
-        </p:nvPicPr>
-        <p:blipFill>
-          <a:blip r:embed="rId3"/>
-          <a:stretch>
-            <a:fillRect/>
-          </a:stretch>
-        </p:blipFill>
-        <p:spPr>
-          <a:xfrm>
-            <a:off x="12839215" y="7749540"/>
-            <a:ext cx="1722605" cy="411480"/>
-          </a:xfrm>
-          <a:prstGeom prst="rect">
-            <a:avLst/>
-          </a:prstGeom>
-        </p:spPr>
-      </p:pic>
-    </p:spTree>
-  </p:cSld>
-  <p:clrMapOvr>
-    <a:masterClrMapping/>
-  </p:clrMapOvr>
-</p:sldLayout>
-</file>
-
-<file path=ppt/slideLayouts/slideLayout6.xml><?xml version="1.0" encoding="utf-8"?>
-<p:sldLayout xmlns:a="http://schemas.openxmlformats.org/drawingml/2006/main" xmlns:r="http://schemas.openxmlformats.org/officeDocument/2006/relationships" xmlns:p="http://schemas.openxmlformats.org/presentationml/2006/main" preserve="1">
-  <p:cSld name="Slide 5 master">
-    <p:bg>
-      <p:bgPr>
-        <a:solidFill>
-          <a:srgbClr val="000000"/>
-        </a:solidFill>
-        <a:effectLst/>
-      </p:bgPr>
-    </p:bg>
-    <p:spTree>
-      <p:nvGrpSpPr>
-        <p:cNvPr id="1" name=""/>
-        <p:cNvGrpSpPr/>
-        <p:nvPr/>
-      </p:nvGrpSpPr>
-      <p:grpSpPr>
-        <a:xfrm>
-          <a:off x="0" y="0"/>
-          <a:ext cx="0" cy="0"/>
-          <a:chOff x="0" y="0"/>
-          <a:chExt cx="0" cy="0"/>
-        </a:xfrm>
-      </p:grpSpPr>
-      <p:sp>
-        <p:nvSpPr>
-          <p:cNvPr id="2" name="Shape 0"/>
-          <p:cNvSpPr/>
-          <p:nvPr/>
-        </p:nvSpPr>
-        <p:spPr>
-          <a:xfrm>
-            <a:off x="0" y="0"/>
-            <a:ext cx="14630400" cy="8229600"/>
-          </a:xfrm>
-          <a:prstGeom prst="rect">
-            <a:avLst/>
-          </a:prstGeom>
-          <a:solidFill>
-            <a:srgbClr val="E6E2DB"/>
-          </a:solidFill>
-          <a:ln/>
-        </p:spPr>
-      </p:sp>
-      <p:sp>
-        <p:nvSpPr>
-          <p:cNvPr id="3" name="Shape 1"/>
-          <p:cNvSpPr/>
-          <p:nvPr/>
-        </p:nvSpPr>
-        <p:spPr>
-          <a:xfrm>
-            <a:off x="0" y="0"/>
-            <a:ext cx="14630400" cy="8229600"/>
-          </a:xfrm>
-          <a:prstGeom prst="rect">
-            <a:avLst/>
-          </a:prstGeom>
-          <a:solidFill>
-            <a:srgbClr val="F9F8F5"/>
-          </a:solidFill>
-          <a:ln/>
-        </p:spPr>
-      </p:sp>
-      <p:pic>
-        <p:nvPicPr>
-          <p:cNvPr id="4" name="Image 0" descr="preencoded.png">
-            <a:hlinkClick r:id="rId2"/>
-          </p:cNvPr>
-          <p:cNvPicPr>
-            <a:picLocks noChangeAspect="1"/>
-          </p:cNvPicPr>
-          <p:nvPr/>
-        </p:nvPicPr>
-        <p:blipFill>
-          <a:blip r:embed="rId3"/>
-          <a:stretch>
-            <a:fillRect/>
-          </a:stretch>
-        </p:blipFill>
-        <p:spPr>
-          <a:xfrm>
-            <a:off x="12839215" y="7749540"/>
-            <a:ext cx="1722605" cy="411480"/>
-          </a:xfrm>
-          <a:prstGeom prst="rect">
-            <a:avLst/>
-          </a:prstGeom>
-        </p:spPr>
-      </p:pic>
-    </p:spTree>
-  </p:cSld>
-  <p:clrMapOvr>
-    <a:masterClrMapping/>
-  </p:clrMapOvr>
-</p:sldLayout>
-</file>
-
-<file path=ppt/slideLayouts/slideLayout7.xml><?xml version="1.0" encoding="utf-8"?>
-<p:sldLayout xmlns:a="http://schemas.openxmlformats.org/drawingml/2006/main" xmlns:r="http://schemas.openxmlformats.org/officeDocument/2006/relationships" xmlns:p="http://schemas.openxmlformats.org/presentationml/2006/main" preserve="1">
-  <p:cSld name="Slide 6 master">
-    <p:bg>
-      <p:bgPr>
-        <a:solidFill>
-          <a:srgbClr val="000000"/>
-        </a:solidFill>
-        <a:effectLst/>
-      </p:bgPr>
-    </p:bg>
-    <p:spTree>
-      <p:nvGrpSpPr>
-        <p:cNvPr id="1" name=""/>
-        <p:cNvGrpSpPr/>
-        <p:nvPr/>
-      </p:nvGrpSpPr>
-      <p:grpSpPr>
-        <a:xfrm>
-          <a:off x="0" y="0"/>
-          <a:ext cx="0" cy="0"/>
-          <a:chOff x="0" y="0"/>
-          <a:chExt cx="0" cy="0"/>
-        </a:xfrm>
-      </p:grpSpPr>
-      <p:sp>
-        <p:nvSpPr>
-          <p:cNvPr id="2" name="Shape 0"/>
-          <p:cNvSpPr/>
-          <p:nvPr/>
-        </p:nvSpPr>
-        <p:spPr>
-          <a:xfrm>
-            <a:off x="0" y="0"/>
-            <a:ext cx="14630400" cy="8229600"/>
-          </a:xfrm>
-          <a:prstGeom prst="rect">
-            <a:avLst/>
-          </a:prstGeom>
-          <a:solidFill>
-            <a:srgbClr val="E6E2DB"/>
-          </a:solidFill>
-          <a:ln/>
-        </p:spPr>
-      </p:sp>
-      <p:sp>
-        <p:nvSpPr>
-          <p:cNvPr id="3" name="Shape 1"/>
-          <p:cNvSpPr/>
-          <p:nvPr/>
-        </p:nvSpPr>
-        <p:spPr>
-          <a:xfrm>
-            <a:off x="0" y="0"/>
-            <a:ext cx="14630400" cy="8229600"/>
-          </a:xfrm>
-          <a:prstGeom prst="rect">
-            <a:avLst/>
-          </a:prstGeom>
-          <a:solidFill>
-            <a:srgbClr val="F9F8F5"/>
-          </a:solidFill>
-          <a:ln/>
-        </p:spPr>
-      </p:sp>
-      <p:pic>
-        <p:nvPicPr>
-          <p:cNvPr id="4" name="Image 0" descr="preencoded.png">
-            <a:hlinkClick r:id="rId2"/>
-          </p:cNvPr>
-          <p:cNvPicPr>
-            <a:picLocks noChangeAspect="1"/>
-          </p:cNvPicPr>
-          <p:nvPr/>
-        </p:nvPicPr>
-        <p:blipFill>
-          <a:blip r:embed="rId3"/>
-          <a:stretch>
-            <a:fillRect/>
-          </a:stretch>
-        </p:blipFill>
-        <p:spPr>
-          <a:xfrm>
-            <a:off x="12839215" y="7749540"/>
-            <a:ext cx="1722605" cy="411480"/>
-          </a:xfrm>
-          <a:prstGeom prst="rect">
-            <a:avLst/>
-          </a:prstGeom>
-        </p:spPr>
-      </p:pic>
-    </p:spTree>
-  </p:cSld>
-  <p:clrMapOvr>
-    <a:masterClrMapping/>
-  </p:clrMapOvr>
-</p:sldLayout>
-</file>
-
-<file path=ppt/slideLayouts/slideLayout8.xml><?xml version="1.0" encoding="utf-8"?>
-<p:sldLayout xmlns:a="http://schemas.openxmlformats.org/drawingml/2006/main" xmlns:r="http://schemas.openxmlformats.org/officeDocument/2006/relationships" xmlns:p="http://schemas.openxmlformats.org/presentationml/2006/main" preserve="1">
-  <p:cSld name="Slide 7 master">
-    <p:bg>
-      <p:bgPr>
-        <a:solidFill>
-          <a:srgbClr val="000000"/>
-        </a:solidFill>
-        <a:effectLst/>
-      </p:bgPr>
-    </p:bg>
-    <p:spTree>
-      <p:nvGrpSpPr>
-        <p:cNvPr id="1" name=""/>
-        <p:cNvGrpSpPr/>
-        <p:nvPr/>
-      </p:nvGrpSpPr>
-      <p:grpSpPr>
-        <a:xfrm>
-          <a:off x="0" y="0"/>
-          <a:ext cx="0" cy="0"/>
-          <a:chOff x="0" y="0"/>
-          <a:chExt cx="0" cy="0"/>
-        </a:xfrm>
-      </p:grpSpPr>
-      <p:sp>
-        <p:nvSpPr>
-          <p:cNvPr id="2" name="Shape 0"/>
-          <p:cNvSpPr/>
-          <p:nvPr/>
-        </p:nvSpPr>
-        <p:spPr>
-          <a:xfrm>
-            <a:off x="0" y="0"/>
-            <a:ext cx="14630400" cy="8229600"/>
-          </a:xfrm>
-          <a:prstGeom prst="rect">
-            <a:avLst/>
-          </a:prstGeom>
-          <a:solidFill>
-            <a:srgbClr val="E6E2DB"/>
-          </a:solidFill>
-          <a:ln/>
-        </p:spPr>
-      </p:sp>
-      <p:sp>
-        <p:nvSpPr>
-          <p:cNvPr id="3" name="Shape 1"/>
-          <p:cNvSpPr/>
-          <p:nvPr/>
-        </p:nvSpPr>
-        <p:spPr>
-          <a:xfrm>
-            <a:off x="0" y="0"/>
-            <a:ext cx="14630400" cy="8229600"/>
-          </a:xfrm>
-          <a:prstGeom prst="rect">
-            <a:avLst/>
-          </a:prstGeom>
-          <a:solidFill>
-            <a:srgbClr val="F9F8F5"/>
-          </a:solidFill>
-          <a:ln/>
-        </p:spPr>
-      </p:sp>
-      <p:pic>
-        <p:nvPicPr>
-          <p:cNvPr id="4" name="Image 0" descr="preencoded.png">
-            <a:hlinkClick r:id="rId2"/>
-          </p:cNvPr>
-          <p:cNvPicPr>
-            <a:picLocks noChangeAspect="1"/>
-          </p:cNvPicPr>
-          <p:nvPr/>
-        </p:nvPicPr>
-        <p:blipFill>
-          <a:blip r:embed="rId3"/>
-          <a:stretch>
-            <a:fillRect/>
-          </a:stretch>
-        </p:blipFill>
-        <p:spPr>
-          <a:xfrm>
-            <a:off x="12839215" y="7749540"/>
-            <a:ext cx="1722605" cy="411480"/>
-          </a:xfrm>
-          <a:prstGeom prst="rect">
-            <a:avLst/>
-          </a:prstGeom>
-        </p:spPr>
-      </p:pic>
-    </p:spTree>
+    <p:extLst>
+      <p:ext uri="{BB962C8B-B14F-4D97-AF65-F5344CB8AC3E}">
+        <p14:creationId xmlns:p14="http://schemas.microsoft.com/office/powerpoint/2010/main" val="2427681135"/>
+      </p:ext>
+    </p:extLst>
   </p:cSld>
   <p:clrMapOvr>
     <a:masterClrMapping/>
@@ -1589,7 +3116,254 @@
           <a:chExt cx="0" cy="0"/>
         </a:xfrm>
       </p:grpSpPr>
+      <p:sp>
+        <p:nvSpPr>
+          <p:cNvPr id="2" name="제목 개체 틀 1">
+            <a:extLst>
+              <a:ext uri="{FF2B5EF4-FFF2-40B4-BE49-F238E27FC236}">
+                <a16:creationId xmlns:a16="http://schemas.microsoft.com/office/drawing/2014/main" id="{49CE3F74-408F-A77D-DC86-AF1BF9A510BE}"/>
+              </a:ext>
+            </a:extLst>
+          </p:cNvPr>
+          <p:cNvSpPr>
+            <a:spLocks noGrp="1"/>
+          </p:cNvSpPr>
+          <p:nvPr>
+            <p:ph type="title"/>
+          </p:nvPr>
+        </p:nvSpPr>
+        <p:spPr>
+          <a:xfrm>
+            <a:off x="838200" y="365125"/>
+            <a:ext cx="10515600" cy="1325563"/>
+          </a:xfrm>
+          <a:prstGeom prst="rect">
+            <a:avLst/>
+          </a:prstGeom>
+        </p:spPr>
+        <p:txBody>
+          <a:bodyPr vert="horz" lIns="91440" tIns="45720" rIns="91440" bIns="45720" rtlCol="0" anchor="ctr">
+            <a:normAutofit/>
+          </a:bodyPr>
+          <a:lstStyle/>
+          <a:p>
+            <a:r>
+              <a:rPr lang="ko-KR" altLang="en-US"/>
+              <a:t>마스터 제목 스타일 편집</a:t>
+            </a:r>
+          </a:p>
+        </p:txBody>
+      </p:sp>
+      <p:sp>
+        <p:nvSpPr>
+          <p:cNvPr id="3" name="텍스트 개체 틀 2">
+            <a:extLst>
+              <a:ext uri="{FF2B5EF4-FFF2-40B4-BE49-F238E27FC236}">
+                <a16:creationId xmlns:a16="http://schemas.microsoft.com/office/drawing/2014/main" id="{8B9CDBFC-091A-48DD-146D-1D35B80ED0B3}"/>
+              </a:ext>
+            </a:extLst>
+          </p:cNvPr>
+          <p:cNvSpPr>
+            <a:spLocks noGrp="1"/>
+          </p:cNvSpPr>
+          <p:nvPr>
+            <p:ph type="body" idx="1"/>
+          </p:nvPr>
+        </p:nvSpPr>
+        <p:spPr>
+          <a:xfrm>
+            <a:off x="838200" y="1825625"/>
+            <a:ext cx="10515600" cy="4351338"/>
+          </a:xfrm>
+          <a:prstGeom prst="rect">
+            <a:avLst/>
+          </a:prstGeom>
+        </p:spPr>
+        <p:txBody>
+          <a:bodyPr vert="horz" lIns="91440" tIns="45720" rIns="91440" bIns="45720" rtlCol="0">
+            <a:normAutofit/>
+          </a:bodyPr>
+          <a:lstStyle/>
+          <a:p>
+            <a:pPr lvl="0"/>
+            <a:r>
+              <a:rPr lang="ko-KR" altLang="en-US"/>
+              <a:t>마스터 텍스트 스타일을 편집하려면 클릭</a:t>
+            </a:r>
+          </a:p>
+          <a:p>
+            <a:pPr lvl="1"/>
+            <a:r>
+              <a:rPr lang="ko-KR" altLang="en-US"/>
+              <a:t>두 번째 수준</a:t>
+            </a:r>
+          </a:p>
+          <a:p>
+            <a:pPr lvl="2"/>
+            <a:r>
+              <a:rPr lang="ko-KR" altLang="en-US"/>
+              <a:t>세 번째 수준</a:t>
+            </a:r>
+          </a:p>
+          <a:p>
+            <a:pPr lvl="3"/>
+            <a:r>
+              <a:rPr lang="ko-KR" altLang="en-US"/>
+              <a:t>네 번째 수준</a:t>
+            </a:r>
+          </a:p>
+          <a:p>
+            <a:pPr lvl="4"/>
+            <a:r>
+              <a:rPr lang="ko-KR" altLang="en-US"/>
+              <a:t>다섯 번째 수준</a:t>
+            </a:r>
+          </a:p>
+        </p:txBody>
+      </p:sp>
+      <p:sp>
+        <p:nvSpPr>
+          <p:cNvPr id="4" name="날짜 개체 틀 3">
+            <a:extLst>
+              <a:ext uri="{FF2B5EF4-FFF2-40B4-BE49-F238E27FC236}">
+                <a16:creationId xmlns:a16="http://schemas.microsoft.com/office/drawing/2014/main" id="{B345D607-1754-0893-B8FA-D20258BBA43F}"/>
+              </a:ext>
+            </a:extLst>
+          </p:cNvPr>
+          <p:cNvSpPr>
+            <a:spLocks noGrp="1"/>
+          </p:cNvSpPr>
+          <p:nvPr>
+            <p:ph type="dt" sz="half" idx="2"/>
+          </p:nvPr>
+        </p:nvSpPr>
+        <p:spPr>
+          <a:xfrm>
+            <a:off x="838200" y="6356350"/>
+            <a:ext cx="2743200" cy="365125"/>
+          </a:xfrm>
+          <a:prstGeom prst="rect">
+            <a:avLst/>
+          </a:prstGeom>
+        </p:spPr>
+        <p:txBody>
+          <a:bodyPr vert="horz" lIns="91440" tIns="45720" rIns="91440" bIns="45720" rtlCol="0" anchor="ctr"/>
+          <a:lstStyle>
+            <a:lvl1pPr algn="l">
+              <a:defRPr sz="1200">
+                <a:solidFill>
+                  <a:schemeClr val="tx1">
+                    <a:tint val="82000"/>
+                  </a:schemeClr>
+                </a:solidFill>
+              </a:defRPr>
+            </a:lvl1pPr>
+          </a:lstStyle>
+          <a:p>
+            <a:fld id="{88D4E6A9-5FF2-4AAB-9EC2-C54497312A04}" type="datetimeFigureOut">
+              <a:rPr lang="ko-KR" altLang="en-US" smtClean="0"/>
+              <a:t>2025-05-13</a:t>
+            </a:fld>
+            <a:endParaRPr lang="ko-KR" altLang="en-US"/>
+          </a:p>
+        </p:txBody>
+      </p:sp>
+      <p:sp>
+        <p:nvSpPr>
+          <p:cNvPr id="5" name="바닥글 개체 틀 4">
+            <a:extLst>
+              <a:ext uri="{FF2B5EF4-FFF2-40B4-BE49-F238E27FC236}">
+                <a16:creationId xmlns:a16="http://schemas.microsoft.com/office/drawing/2014/main" id="{E2506560-C418-E0EC-0B55-66F121520636}"/>
+              </a:ext>
+            </a:extLst>
+          </p:cNvPr>
+          <p:cNvSpPr>
+            <a:spLocks noGrp="1"/>
+          </p:cNvSpPr>
+          <p:nvPr>
+            <p:ph type="ftr" sz="quarter" idx="3"/>
+          </p:nvPr>
+        </p:nvSpPr>
+        <p:spPr>
+          <a:xfrm>
+            <a:off x="4038600" y="6356350"/>
+            <a:ext cx="4114800" cy="365125"/>
+          </a:xfrm>
+          <a:prstGeom prst="rect">
+            <a:avLst/>
+          </a:prstGeom>
+        </p:spPr>
+        <p:txBody>
+          <a:bodyPr vert="horz" lIns="91440" tIns="45720" rIns="91440" bIns="45720" rtlCol="0" anchor="ctr"/>
+          <a:lstStyle>
+            <a:lvl1pPr algn="ctr">
+              <a:defRPr sz="1200">
+                <a:solidFill>
+                  <a:schemeClr val="tx1">
+                    <a:tint val="82000"/>
+                  </a:schemeClr>
+                </a:solidFill>
+              </a:defRPr>
+            </a:lvl1pPr>
+          </a:lstStyle>
+          <a:p>
+            <a:endParaRPr lang="ko-KR" altLang="en-US"/>
+          </a:p>
+        </p:txBody>
+      </p:sp>
+      <p:sp>
+        <p:nvSpPr>
+          <p:cNvPr id="6" name="슬라이드 번호 개체 틀 5">
+            <a:extLst>
+              <a:ext uri="{FF2B5EF4-FFF2-40B4-BE49-F238E27FC236}">
+                <a16:creationId xmlns:a16="http://schemas.microsoft.com/office/drawing/2014/main" id="{673AAE2B-C84C-1126-D7E8-ECB06F0AD4C8}"/>
+              </a:ext>
+            </a:extLst>
+          </p:cNvPr>
+          <p:cNvSpPr>
+            <a:spLocks noGrp="1"/>
+          </p:cNvSpPr>
+          <p:nvPr>
+            <p:ph type="sldNum" sz="quarter" idx="4"/>
+          </p:nvPr>
+        </p:nvSpPr>
+        <p:spPr>
+          <a:xfrm>
+            <a:off x="8610600" y="6356350"/>
+            <a:ext cx="2743200" cy="365125"/>
+          </a:xfrm>
+          <a:prstGeom prst="rect">
+            <a:avLst/>
+          </a:prstGeom>
+        </p:spPr>
+        <p:txBody>
+          <a:bodyPr vert="horz" lIns="91440" tIns="45720" rIns="91440" bIns="45720" rtlCol="0" anchor="ctr"/>
+          <a:lstStyle>
+            <a:lvl1pPr algn="r">
+              <a:defRPr sz="1200">
+                <a:solidFill>
+                  <a:schemeClr val="tx1">
+                    <a:tint val="82000"/>
+                  </a:schemeClr>
+                </a:solidFill>
+              </a:defRPr>
+            </a:lvl1pPr>
+          </a:lstStyle>
+          <a:p>
+            <a:fld id="{B36BF72A-A713-4C0A-A943-A4E17232D9A3}" type="slidenum">
+              <a:rPr lang="ko-KR" altLang="en-US" smtClean="0"/>
+              <a:t>‹#›</a:t>
+            </a:fld>
+            <a:endParaRPr lang="ko-KR" altLang="en-US"/>
+          </a:p>
+        </p:txBody>
+      </p:sp>
     </p:spTree>
+    <p:extLst>
+      <p:ext uri="{BB962C8B-B14F-4D97-AF65-F5344CB8AC3E}">
+        <p14:creationId xmlns:p14="http://schemas.microsoft.com/office/powerpoint/2010/main" val="1075540199"/>
+      </p:ext>
+    </p:extLst>
   </p:cSld>
   <p:clrMap bg1="lt1" tx1="dk1" bg2="lt2" tx2="dk2" accent1="accent1" accent2="accent2" accent3="accent3" accent4="accent4" accent5="accent5" accent6="accent6" hlink="hlink" folHlink="folHlink"/>
   <p:sldLayoutIdLst>
@@ -1601,11 +3375,16 @@
     <p:sldLayoutId id="2147483654" r:id="rId6"/>
     <p:sldLayoutId id="2147483655" r:id="rId7"/>
     <p:sldLayoutId id="2147483656" r:id="rId8"/>
+    <p:sldLayoutId id="2147483657" r:id="rId9"/>
+    <p:sldLayoutId id="2147483658" r:id="rId10"/>
+    <p:sldLayoutId id="2147483659" r:id="rId11"/>
   </p:sldLayoutIdLst>
-  <p:hf sldNum="0" hdr="0" ftr="0" dt="0"/>
   <p:txStyles>
     <p:titleStyle>
-      <a:lvl1pPr algn="ctr" defTabSz="914400" rtl="0" eaLnBrk="1" latinLnBrk="0" hangingPunct="1">
+      <a:lvl1pPr algn="l" defTabSz="914400" rtl="0" eaLnBrk="1" latinLnBrk="1" hangingPunct="1">
+        <a:lnSpc>
+          <a:spcPct val="90000"/>
+        </a:lnSpc>
         <a:spcBef>
           <a:spcPct val="0"/>
         </a:spcBef>
@@ -1621,13 +3400,16 @@
       </a:lvl1pPr>
     </p:titleStyle>
     <p:bodyStyle>
-      <a:lvl1pPr marL="342900" indent="-342900" algn="l" defTabSz="914400" rtl="0" eaLnBrk="1" latinLnBrk="0" hangingPunct="1">
+      <a:lvl1pPr marL="228600" indent="-228600" algn="l" defTabSz="914400" rtl="0" eaLnBrk="1" latinLnBrk="1" hangingPunct="1">
+        <a:lnSpc>
+          <a:spcPct val="90000"/>
+        </a:lnSpc>
         <a:spcBef>
-          <a:spcPct val="20000"/>
+          <a:spcPts val="1000"/>
         </a:spcBef>
-        <a:buFont typeface="Arial" pitchFamily="34" charset="0"/>
+        <a:buFont typeface="Arial" panose="020B0604020202020204" pitchFamily="34" charset="0"/>
         <a:buChar char="•"/>
-        <a:defRPr sz="3200" kern="1200">
+        <a:defRPr sz="2800" kern="1200">
           <a:solidFill>
             <a:schemeClr val="tx1"/>
           </a:solidFill>
@@ -1636,26 +3418,14 @@
           <a:cs typeface="+mn-cs"/>
         </a:defRPr>
       </a:lvl1pPr>
-      <a:lvl2pPr marL="742950" indent="-285750" algn="l" defTabSz="914400" rtl="0" eaLnBrk="1" latinLnBrk="0" hangingPunct="1">
+      <a:lvl2pPr marL="685800" indent="-228600" algn="l" defTabSz="914400" rtl="0" eaLnBrk="1" latinLnBrk="1" hangingPunct="1">
+        <a:lnSpc>
+          <a:spcPct val="90000"/>
+        </a:lnSpc>
         <a:spcBef>
-          <a:spcPct val="20000"/>
+          <a:spcPts val="500"/>
         </a:spcBef>
-        <a:buFont typeface="Arial" pitchFamily="34" charset="0"/>
-        <a:buChar char="–"/>
-        <a:defRPr sz="2800" kern="1200">
-          <a:solidFill>
-            <a:schemeClr val="tx1"/>
-          </a:solidFill>
-          <a:latin typeface="+mn-lt"/>
-          <a:ea typeface="+mn-ea"/>
-          <a:cs typeface="+mn-cs"/>
-        </a:defRPr>
-      </a:lvl2pPr>
-      <a:lvl3pPr marL="1143000" indent="-228600" algn="l" defTabSz="914400" rtl="0" eaLnBrk="1" latinLnBrk="0" hangingPunct="1">
-        <a:spcBef>
-          <a:spcPct val="20000"/>
-        </a:spcBef>
-        <a:buFont typeface="Arial" pitchFamily="34" charset="0"/>
+        <a:buFont typeface="Arial" panose="020B0604020202020204" pitchFamily="34" charset="0"/>
         <a:buChar char="•"/>
         <a:defRPr sz="2400" kern="1200">
           <a:solidFill>
@@ -1665,42 +3435,15 @@
           <a:ea typeface="+mn-ea"/>
           <a:cs typeface="+mn-cs"/>
         </a:defRPr>
-      </a:lvl3pPr>
-      <a:lvl4pPr marL="1600200" indent="-228600" algn="l" defTabSz="914400" rtl="0" eaLnBrk="1" latinLnBrk="0" hangingPunct="1">
+      </a:lvl2pPr>
+      <a:lvl3pPr marL="1143000" indent="-228600" algn="l" defTabSz="914400" rtl="0" eaLnBrk="1" latinLnBrk="1" hangingPunct="1">
+        <a:lnSpc>
+          <a:spcPct val="90000"/>
+        </a:lnSpc>
         <a:spcBef>
-          <a:spcPct val="20000"/>
+          <a:spcPts val="500"/>
         </a:spcBef>
-        <a:buFont typeface="Arial" pitchFamily="34" charset="0"/>
-        <a:buChar char="–"/>
-        <a:defRPr sz="2000" kern="1200">
-          <a:solidFill>
-            <a:schemeClr val="tx1"/>
-          </a:solidFill>
-          <a:latin typeface="+mn-lt"/>
-          <a:ea typeface="+mn-ea"/>
-          <a:cs typeface="+mn-cs"/>
-        </a:defRPr>
-      </a:lvl4pPr>
-      <a:lvl5pPr marL="2057400" indent="-228600" algn="l" defTabSz="914400" rtl="0" eaLnBrk="1" latinLnBrk="0" hangingPunct="1">
-        <a:spcBef>
-          <a:spcPct val="20000"/>
-        </a:spcBef>
-        <a:buFont typeface="Arial" pitchFamily="34" charset="0"/>
-        <a:buChar char="»"/>
-        <a:defRPr sz="2000" kern="1200">
-          <a:solidFill>
-            <a:schemeClr val="tx1"/>
-          </a:solidFill>
-          <a:latin typeface="+mn-lt"/>
-          <a:ea typeface="+mn-ea"/>
-          <a:cs typeface="+mn-cs"/>
-        </a:defRPr>
-      </a:lvl5pPr>
-      <a:lvl6pPr marL="2514600" indent="-228600" algn="l" defTabSz="914400" rtl="0" eaLnBrk="1" latinLnBrk="0" hangingPunct="1">
-        <a:spcBef>
-          <a:spcPct val="20000"/>
-        </a:spcBef>
-        <a:buFont typeface="Arial" pitchFamily="34" charset="0"/>
+        <a:buFont typeface="Arial" panose="020B0604020202020204" pitchFamily="34" charset="0"/>
         <a:buChar char="•"/>
         <a:defRPr sz="2000" kern="1200">
           <a:solidFill>
@@ -1710,14 +3453,71 @@
           <a:ea typeface="+mn-ea"/>
           <a:cs typeface="+mn-cs"/>
         </a:defRPr>
+      </a:lvl3pPr>
+      <a:lvl4pPr marL="1600200" indent="-228600" algn="l" defTabSz="914400" rtl="0" eaLnBrk="1" latinLnBrk="1" hangingPunct="1">
+        <a:lnSpc>
+          <a:spcPct val="90000"/>
+        </a:lnSpc>
+        <a:spcBef>
+          <a:spcPts val="500"/>
+        </a:spcBef>
+        <a:buFont typeface="Arial" panose="020B0604020202020204" pitchFamily="34" charset="0"/>
+        <a:buChar char="•"/>
+        <a:defRPr sz="1800" kern="1200">
+          <a:solidFill>
+            <a:schemeClr val="tx1"/>
+          </a:solidFill>
+          <a:latin typeface="+mn-lt"/>
+          <a:ea typeface="+mn-ea"/>
+          <a:cs typeface="+mn-cs"/>
+        </a:defRPr>
+      </a:lvl4pPr>
+      <a:lvl5pPr marL="2057400" indent="-228600" algn="l" defTabSz="914400" rtl="0" eaLnBrk="1" latinLnBrk="1" hangingPunct="1">
+        <a:lnSpc>
+          <a:spcPct val="90000"/>
+        </a:lnSpc>
+        <a:spcBef>
+          <a:spcPts val="500"/>
+        </a:spcBef>
+        <a:buFont typeface="Arial" panose="020B0604020202020204" pitchFamily="34" charset="0"/>
+        <a:buChar char="•"/>
+        <a:defRPr sz="1800" kern="1200">
+          <a:solidFill>
+            <a:schemeClr val="tx1"/>
+          </a:solidFill>
+          <a:latin typeface="+mn-lt"/>
+          <a:ea typeface="+mn-ea"/>
+          <a:cs typeface="+mn-cs"/>
+        </a:defRPr>
+      </a:lvl5pPr>
+      <a:lvl6pPr marL="2514600" indent="-228600" algn="l" defTabSz="914400" rtl="0" eaLnBrk="1" latinLnBrk="1" hangingPunct="1">
+        <a:lnSpc>
+          <a:spcPct val="90000"/>
+        </a:lnSpc>
+        <a:spcBef>
+          <a:spcPts val="500"/>
+        </a:spcBef>
+        <a:buFont typeface="Arial" panose="020B0604020202020204" pitchFamily="34" charset="0"/>
+        <a:buChar char="•"/>
+        <a:defRPr sz="1800" kern="1200">
+          <a:solidFill>
+            <a:schemeClr val="tx1"/>
+          </a:solidFill>
+          <a:latin typeface="+mn-lt"/>
+          <a:ea typeface="+mn-ea"/>
+          <a:cs typeface="+mn-cs"/>
+        </a:defRPr>
       </a:lvl6pPr>
-      <a:lvl7pPr marL="2971800" indent="-228600" algn="l" defTabSz="914400" rtl="0" eaLnBrk="1" latinLnBrk="0" hangingPunct="1">
+      <a:lvl7pPr marL="2971800" indent="-228600" algn="l" defTabSz="914400" rtl="0" eaLnBrk="1" latinLnBrk="1" hangingPunct="1">
+        <a:lnSpc>
+          <a:spcPct val="90000"/>
+        </a:lnSpc>
         <a:spcBef>
-          <a:spcPct val="20000"/>
+          <a:spcPts val="500"/>
         </a:spcBef>
-        <a:buFont typeface="Arial" pitchFamily="34" charset="0"/>
+        <a:buFont typeface="Arial" panose="020B0604020202020204" pitchFamily="34" charset="0"/>
         <a:buChar char="•"/>
-        <a:defRPr sz="2000" kern="1200">
+        <a:defRPr sz="1800" kern="1200">
           <a:solidFill>
             <a:schemeClr val="tx1"/>
           </a:solidFill>
@@ -1726,13 +3526,16 @@
           <a:cs typeface="+mn-cs"/>
         </a:defRPr>
       </a:lvl7pPr>
-      <a:lvl8pPr marL="3429000" indent="-228600" algn="l" defTabSz="914400" rtl="0" eaLnBrk="1" latinLnBrk="0" hangingPunct="1">
+      <a:lvl8pPr marL="3429000" indent="-228600" algn="l" defTabSz="914400" rtl="0" eaLnBrk="1" latinLnBrk="1" hangingPunct="1">
+        <a:lnSpc>
+          <a:spcPct val="90000"/>
+        </a:lnSpc>
         <a:spcBef>
-          <a:spcPct val="20000"/>
+          <a:spcPts val="500"/>
         </a:spcBef>
-        <a:buFont typeface="Arial" pitchFamily="34" charset="0"/>
+        <a:buFont typeface="Arial" panose="020B0604020202020204" pitchFamily="34" charset="0"/>
         <a:buChar char="•"/>
-        <a:defRPr sz="2000" kern="1200">
+        <a:defRPr sz="1800" kern="1200">
           <a:solidFill>
             <a:schemeClr val="tx1"/>
           </a:solidFill>
@@ -1741,13 +3544,16 @@
           <a:cs typeface="+mn-cs"/>
         </a:defRPr>
       </a:lvl8pPr>
-      <a:lvl9pPr marL="3886200" indent="-228600" algn="l" defTabSz="914400" rtl="0" eaLnBrk="1" latinLnBrk="0" hangingPunct="1">
+      <a:lvl9pPr marL="3886200" indent="-228600" algn="l" defTabSz="914400" rtl="0" eaLnBrk="1" latinLnBrk="1" hangingPunct="1">
+        <a:lnSpc>
+          <a:spcPct val="90000"/>
+        </a:lnSpc>
         <a:spcBef>
-          <a:spcPct val="20000"/>
+          <a:spcPts val="500"/>
         </a:spcBef>
-        <a:buFont typeface="Arial" pitchFamily="34" charset="0"/>
+        <a:buFont typeface="Arial" panose="020B0604020202020204" pitchFamily="34" charset="0"/>
         <a:buChar char="•"/>
-        <a:defRPr sz="2000" kern="1200">
+        <a:defRPr sz="1800" kern="1200">
           <a:solidFill>
             <a:schemeClr val="tx1"/>
           </a:solidFill>
@@ -1759,9 +3565,9 @@
     </p:bodyStyle>
     <p:otherStyle>
       <a:defPPr>
-        <a:defRPr lang="en-US"/>
+        <a:defRPr lang="ko-KR"/>
       </a:defPPr>
-      <a:lvl1pPr marL="0" algn="l" defTabSz="914400" rtl="0" eaLnBrk="1" latinLnBrk="0" hangingPunct="1">
+      <a:lvl1pPr marL="0" algn="l" defTabSz="914400" rtl="0" eaLnBrk="1" latinLnBrk="1" hangingPunct="1">
         <a:defRPr sz="1800" kern="1200">
           <a:solidFill>
             <a:schemeClr val="tx1"/>
@@ -1771,7 +3577,7 @@
           <a:cs typeface="+mn-cs"/>
         </a:defRPr>
       </a:lvl1pPr>
-      <a:lvl2pPr marL="457200" algn="l" defTabSz="914400" rtl="0" eaLnBrk="1" latinLnBrk="0" hangingPunct="1">
+      <a:lvl2pPr marL="457200" algn="l" defTabSz="914400" rtl="0" eaLnBrk="1" latinLnBrk="1" hangingPunct="1">
         <a:defRPr sz="1800" kern="1200">
           <a:solidFill>
             <a:schemeClr val="tx1"/>
@@ -1781,7 +3587,7 @@
           <a:cs typeface="+mn-cs"/>
         </a:defRPr>
       </a:lvl2pPr>
-      <a:lvl3pPr marL="914400" algn="l" defTabSz="914400" rtl="0" eaLnBrk="1" latinLnBrk="0" hangingPunct="1">
+      <a:lvl3pPr marL="914400" algn="l" defTabSz="914400" rtl="0" eaLnBrk="1" latinLnBrk="1" hangingPunct="1">
         <a:defRPr sz="1800" kern="1200">
           <a:solidFill>
             <a:schemeClr val="tx1"/>
@@ -1791,7 +3597,7 @@
           <a:cs typeface="+mn-cs"/>
         </a:defRPr>
       </a:lvl3pPr>
-      <a:lvl4pPr marL="1371600" algn="l" defTabSz="914400" rtl="0" eaLnBrk="1" latinLnBrk="0" hangingPunct="1">
+      <a:lvl4pPr marL="1371600" algn="l" defTabSz="914400" rtl="0" eaLnBrk="1" latinLnBrk="1" hangingPunct="1">
         <a:defRPr sz="1800" kern="1200">
           <a:solidFill>
             <a:schemeClr val="tx1"/>
@@ -1801,7 +3607,7 @@
           <a:cs typeface="+mn-cs"/>
         </a:defRPr>
       </a:lvl4pPr>
-      <a:lvl5pPr marL="1828800" algn="l" defTabSz="914400" rtl="0" eaLnBrk="1" latinLnBrk="0" hangingPunct="1">
+      <a:lvl5pPr marL="1828800" algn="l" defTabSz="914400" rtl="0" eaLnBrk="1" latinLnBrk="1" hangingPunct="1">
         <a:defRPr sz="1800" kern="1200">
           <a:solidFill>
             <a:schemeClr val="tx1"/>
@@ -1811,7 +3617,7 @@
           <a:cs typeface="+mn-cs"/>
         </a:defRPr>
       </a:lvl5pPr>
-      <a:lvl6pPr marL="2286000" algn="l" defTabSz="914400" rtl="0" eaLnBrk="1" latinLnBrk="0" hangingPunct="1">
+      <a:lvl6pPr marL="2286000" algn="l" defTabSz="914400" rtl="0" eaLnBrk="1" latinLnBrk="1" hangingPunct="1">
         <a:defRPr sz="1800" kern="1200">
           <a:solidFill>
             <a:schemeClr val="tx1"/>
@@ -1821,7 +3627,7 @@
           <a:cs typeface="+mn-cs"/>
         </a:defRPr>
       </a:lvl6pPr>
-      <a:lvl7pPr marL="2743200" algn="l" defTabSz="914400" rtl="0" eaLnBrk="1" latinLnBrk="0" hangingPunct="1">
+      <a:lvl7pPr marL="2743200" algn="l" defTabSz="914400" rtl="0" eaLnBrk="1" latinLnBrk="1" hangingPunct="1">
         <a:defRPr sz="1800" kern="1200">
           <a:solidFill>
             <a:schemeClr val="tx1"/>
@@ -1831,7 +3637,7 @@
           <a:cs typeface="+mn-cs"/>
         </a:defRPr>
       </a:lvl7pPr>
-      <a:lvl8pPr marL="3200400" algn="l" defTabSz="914400" rtl="0" eaLnBrk="1" latinLnBrk="0" hangingPunct="1">
+      <a:lvl8pPr marL="3200400" algn="l" defTabSz="914400" rtl="0" eaLnBrk="1" latinLnBrk="1" hangingPunct="1">
         <a:defRPr sz="1800" kern="1200">
           <a:solidFill>
             <a:schemeClr val="tx1"/>
@@ -1841,7 +3647,7 @@
           <a:cs typeface="+mn-cs"/>
         </a:defRPr>
       </a:lvl8pPr>
-      <a:lvl9pPr marL="3657600" algn="l" defTabSz="914400" rtl="0" eaLnBrk="1" latinLnBrk="0" hangingPunct="1">
+      <a:lvl9pPr marL="3657600" algn="l" defTabSz="914400" rtl="0" eaLnBrk="1" latinLnBrk="1" hangingPunct="1">
         <a:defRPr sz="1800" kern="1200">
           <a:solidFill>
             <a:schemeClr val="tx1"/>
@@ -1858,7 +3664,7 @@
 
 <file path=ppt/slides/slide1.xml><?xml version="1.0" encoding="utf-8"?>
 <p:sld xmlns:a="http://schemas.openxmlformats.org/drawingml/2006/main" xmlns:r="http://schemas.openxmlformats.org/officeDocument/2006/relationships" xmlns:p="http://schemas.openxmlformats.org/presentationml/2006/main">
-  <p:cSld name="Slide 1">
+  <p:cSld>
     <p:spTree>
       <p:nvGrpSpPr>
         <p:cNvPr id="1" name=""/>
@@ -1875,22 +3681,28 @@
       </p:grpSpPr>
       <p:pic>
         <p:nvPicPr>
-          <p:cNvPr id="2" name="Image 0" descr="preencoded.png"/>
+          <p:cNvPr id="26" name="Image 0" descr="preencoded.png">
+            <a:extLst>
+              <a:ext uri="{FF2B5EF4-FFF2-40B4-BE49-F238E27FC236}">
+                <a16:creationId xmlns:a16="http://schemas.microsoft.com/office/drawing/2014/main" id="{17FBA6FA-FA01-B511-5197-3BAA18333F71}"/>
+              </a:ext>
+            </a:extLst>
+          </p:cNvPr>
           <p:cNvPicPr>
             <a:picLocks noChangeAspect="1"/>
           </p:cNvPicPr>
           <p:nvPr/>
         </p:nvPicPr>
         <p:blipFill>
-          <a:blip r:embed="rId3"/>
+          <a:blip r:embed="rId2"/>
           <a:stretch>
             <a:fillRect/>
           </a:stretch>
         </p:blipFill>
         <p:spPr>
           <a:xfrm>
-            <a:off x="9144000" y="0"/>
-            <a:ext cx="5486400" cy="8229600"/>
+            <a:off x="7620000" y="0"/>
+            <a:ext cx="4572000" cy="6858000"/>
           </a:xfrm>
           <a:prstGeom prst="rect">
             <a:avLst/>
@@ -1899,14 +3711,20 @@
       </p:pic>
       <p:sp>
         <p:nvSpPr>
-          <p:cNvPr id="3" name="Text 0"/>
+          <p:cNvPr id="27" name="Text 0">
+            <a:extLst>
+              <a:ext uri="{FF2B5EF4-FFF2-40B4-BE49-F238E27FC236}">
+                <a16:creationId xmlns:a16="http://schemas.microsoft.com/office/drawing/2014/main" id="{389EFCEF-06EF-2AB8-CCE7-85FBC0B53B47}"/>
+              </a:ext>
+            </a:extLst>
+          </p:cNvPr>
           <p:cNvSpPr/>
           <p:nvPr/>
         </p:nvSpPr>
         <p:spPr>
           <a:xfrm>
-            <a:off x="793790" y="2790825"/>
-            <a:ext cx="6756082" cy="708779"/>
+            <a:off x="661492" y="2325688"/>
+            <a:ext cx="5630068" cy="590649"/>
           </a:xfrm>
           <a:prstGeom prst="rect">
             <a:avLst/>
@@ -1918,14 +3736,13 @@
           <a:bodyPr wrap="none" lIns="0" tIns="0" rIns="0" bIns="0" rtlCol="0" anchor="t"/>
           <a:lstStyle/>
           <a:p>
-            <a:pPr marL="0" indent="0" algn="l">
+            <a:pPr>
               <a:lnSpc>
-                <a:spcPts val="5550"/>
+                <a:spcPts val="4625"/>
               </a:lnSpc>
-              <a:buNone/>
             </a:pPr>
             <a:r>
-              <a:rPr lang="en-US" sz="4450" dirty="0">
+              <a:rPr lang="en-US" sz="3708" dirty="0">
                 <a:solidFill>
                   <a:srgbClr val="161613"/>
                 </a:solidFill>
@@ -1935,20 +3752,26 @@
               </a:rPr>
               <a:t>JSP 웹 게시판 구현 프로젝트</a:t>
             </a:r>
-            <a:endParaRPr lang="en-US" sz="4450" dirty="0"/>
-          </a:p>
-        </p:txBody>
-      </p:sp>
-      <p:sp>
-        <p:nvSpPr>
-          <p:cNvPr id="4" name="Text 1"/>
+            <a:endParaRPr lang="en-US" sz="3708" dirty="0"/>
+          </a:p>
+        </p:txBody>
+      </p:sp>
+      <p:sp>
+        <p:nvSpPr>
+          <p:cNvPr id="28" name="Text 1">
+            <a:extLst>
+              <a:ext uri="{FF2B5EF4-FFF2-40B4-BE49-F238E27FC236}">
+                <a16:creationId xmlns:a16="http://schemas.microsoft.com/office/drawing/2014/main" id="{F366A15B-19ED-FE03-91A5-EF39811EDBB7}"/>
+              </a:ext>
+            </a:extLst>
+          </p:cNvPr>
           <p:cNvSpPr/>
           <p:nvPr/>
         </p:nvSpPr>
         <p:spPr>
           <a:xfrm>
-            <a:off x="793790" y="3839766"/>
-            <a:ext cx="7556421" cy="362903"/>
+            <a:off x="661492" y="3199806"/>
+            <a:ext cx="6297018" cy="302419"/>
           </a:xfrm>
           <a:prstGeom prst="rect">
             <a:avLst/>
@@ -1960,14 +3783,13 @@
           <a:bodyPr wrap="none" lIns="0" tIns="0" rIns="0" bIns="0" rtlCol="0" anchor="t"/>
           <a:lstStyle/>
           <a:p>
-            <a:pPr marL="0" indent="0" algn="l">
+            <a:pPr>
               <a:lnSpc>
-                <a:spcPts val="2850"/>
+                <a:spcPts val="2375"/>
               </a:lnSpc>
-              <a:buNone/>
             </a:pPr>
             <a:r>
-              <a:rPr lang="en-US" sz="1750" dirty="0">
+              <a:rPr lang="en-US" sz="1458" dirty="0">
                 <a:solidFill>
                   <a:srgbClr val="161613"/>
                 </a:solidFill>
@@ -1977,20 +3799,26 @@
               </a:rPr>
               <a:t>Java와 JSP, Servlet을 활용한 로그인 및 게시판 기능 구현</a:t>
             </a:r>
-            <a:endParaRPr lang="en-US" sz="1750" dirty="0"/>
-          </a:p>
-        </p:txBody>
-      </p:sp>
-      <p:sp>
-        <p:nvSpPr>
-          <p:cNvPr id="5" name="Text 2"/>
+            <a:endParaRPr lang="en-US" sz="1458" dirty="0"/>
+          </a:p>
+        </p:txBody>
+      </p:sp>
+      <p:sp>
+        <p:nvSpPr>
+          <p:cNvPr id="29" name="Text 2">
+            <a:extLst>
+              <a:ext uri="{FF2B5EF4-FFF2-40B4-BE49-F238E27FC236}">
+                <a16:creationId xmlns:a16="http://schemas.microsoft.com/office/drawing/2014/main" id="{3FEEDAED-6402-83B1-F991-8E5189E67D1C}"/>
+              </a:ext>
+            </a:extLst>
+          </p:cNvPr>
           <p:cNvSpPr/>
           <p:nvPr/>
         </p:nvSpPr>
         <p:spPr>
           <a:xfrm>
-            <a:off x="793790" y="4457819"/>
-            <a:ext cx="7556421" cy="362903"/>
+            <a:off x="661492" y="3714850"/>
+            <a:ext cx="6297018" cy="302419"/>
           </a:xfrm>
           <a:prstGeom prst="rect">
             <a:avLst/>
@@ -2002,14 +3830,13 @@
           <a:bodyPr wrap="none" lIns="0" tIns="0" rIns="0" bIns="0" rtlCol="0" anchor="t"/>
           <a:lstStyle/>
           <a:p>
-            <a:pPr marL="0" indent="0" algn="l">
+            <a:pPr>
               <a:lnSpc>
-                <a:spcPts val="2850"/>
+                <a:spcPts val="2375"/>
               </a:lnSpc>
-              <a:buNone/>
             </a:pPr>
             <a:r>
-              <a:rPr lang="en-US" sz="1750" dirty="0">
+              <a:rPr lang="en-US" sz="1458" dirty="0">
                 <a:solidFill>
                   <a:srgbClr val="161613"/>
                 </a:solidFill>
@@ -2019,20 +3846,26 @@
               </a:rPr>
               <a:t>IntelliJ IDEA, Apache Tomcat, Java 11, Maven 활용</a:t>
             </a:r>
-            <a:endParaRPr lang="en-US" sz="1750" dirty="0"/>
-          </a:p>
-        </p:txBody>
-      </p:sp>
-      <p:sp>
-        <p:nvSpPr>
-          <p:cNvPr id="6" name="Text 3"/>
+            <a:endParaRPr lang="en-US" sz="1458" dirty="0"/>
+          </a:p>
+        </p:txBody>
+      </p:sp>
+      <p:sp>
+        <p:nvSpPr>
+          <p:cNvPr id="30" name="Text 3">
+            <a:extLst>
+              <a:ext uri="{FF2B5EF4-FFF2-40B4-BE49-F238E27FC236}">
+                <a16:creationId xmlns:a16="http://schemas.microsoft.com/office/drawing/2014/main" id="{99279C6E-7233-6F7F-473F-87CFC8DC8FBD}"/>
+              </a:ext>
+            </a:extLst>
+          </p:cNvPr>
           <p:cNvSpPr/>
           <p:nvPr/>
         </p:nvSpPr>
         <p:spPr>
           <a:xfrm>
-            <a:off x="793790" y="5075873"/>
-            <a:ext cx="7556421" cy="362903"/>
+            <a:off x="661492" y="4229895"/>
+            <a:ext cx="6297018" cy="302419"/>
           </a:xfrm>
           <a:prstGeom prst="rect">
             <a:avLst/>
@@ -2044,14 +3877,13 @@
           <a:bodyPr wrap="none" lIns="0" tIns="0" rIns="0" bIns="0" rtlCol="0" anchor="t"/>
           <a:lstStyle/>
           <a:p>
-            <a:pPr marL="0" indent="0" algn="l">
+            <a:pPr>
               <a:lnSpc>
-                <a:spcPts val="2850"/>
+                <a:spcPts val="2375"/>
               </a:lnSpc>
-              <a:buNone/>
             </a:pPr>
             <a:r>
-              <a:rPr lang="en-US" sz="1750" dirty="0">
+              <a:rPr lang="en-US" sz="1458" dirty="0">
                 <a:solidFill>
                   <a:srgbClr val="161613"/>
                 </a:solidFill>
@@ -2061,11 +3893,16 @@
               </a:rPr>
               <a:t>예정사항: Oracle DB 연동</a:t>
             </a:r>
-            <a:endParaRPr lang="en-US" sz="1750" dirty="0"/>
+            <a:endParaRPr lang="en-US" sz="1458" dirty="0"/>
           </a:p>
         </p:txBody>
       </p:sp>
     </p:spTree>
+    <p:extLst>
+      <p:ext uri="{BB962C8B-B14F-4D97-AF65-F5344CB8AC3E}">
+        <p14:creationId xmlns:p14="http://schemas.microsoft.com/office/powerpoint/2010/main" val="2897779494"/>
+      </p:ext>
+    </p:extLst>
   </p:cSld>
   <p:clrMapOvr>
     <a:masterClrMapping/>
@@ -2075,7 +3912,7 @@
 
 <file path=ppt/slides/slide2.xml><?xml version="1.0" encoding="utf-8"?>
 <p:sld xmlns:a="http://schemas.openxmlformats.org/drawingml/2006/main" xmlns:r="http://schemas.openxmlformats.org/officeDocument/2006/relationships" xmlns:p="http://schemas.openxmlformats.org/presentationml/2006/main">
-  <p:cSld name="Slide 2">
+  <p:cSld>
     <p:spTree>
       <p:nvGrpSpPr>
         <p:cNvPr id="1" name=""/>
@@ -2092,22 +3929,28 @@
       </p:grpSpPr>
       <p:pic>
         <p:nvPicPr>
-          <p:cNvPr id="2" name="Image 0" descr="preencoded.png"/>
+          <p:cNvPr id="21" name="Image 0" descr="preencoded.png">
+            <a:extLst>
+              <a:ext uri="{FF2B5EF4-FFF2-40B4-BE49-F238E27FC236}">
+                <a16:creationId xmlns:a16="http://schemas.microsoft.com/office/drawing/2014/main" id="{8A1FF3AD-A1A6-BD54-FB61-45E5800F908B}"/>
+              </a:ext>
+            </a:extLst>
+          </p:cNvPr>
           <p:cNvPicPr>
             <a:picLocks noChangeAspect="1"/>
           </p:cNvPicPr>
           <p:nvPr/>
         </p:nvPicPr>
         <p:blipFill>
-          <a:blip r:embed="rId3"/>
+          <a:blip r:embed="rId2"/>
           <a:stretch>
             <a:fillRect/>
           </a:stretch>
         </p:blipFill>
         <p:spPr>
           <a:xfrm>
-            <a:off x="9144000" y="0"/>
-            <a:ext cx="5486400" cy="8229600"/>
+            <a:off x="7620000" y="0"/>
+            <a:ext cx="4572000" cy="6858000"/>
           </a:xfrm>
           <a:prstGeom prst="rect">
             <a:avLst/>
@@ -2116,14 +3959,20 @@
       </p:pic>
       <p:sp>
         <p:nvSpPr>
-          <p:cNvPr id="3" name="Text 0"/>
+          <p:cNvPr id="24" name="Text 0">
+            <a:extLst>
+              <a:ext uri="{FF2B5EF4-FFF2-40B4-BE49-F238E27FC236}">
+                <a16:creationId xmlns:a16="http://schemas.microsoft.com/office/drawing/2014/main" id="{4E9ED316-9013-E14C-B93C-206ABC4AAEB0}"/>
+              </a:ext>
+            </a:extLst>
+          </p:cNvPr>
           <p:cNvSpPr/>
           <p:nvPr/>
         </p:nvSpPr>
         <p:spPr>
           <a:xfrm>
-            <a:off x="793790" y="636151"/>
-            <a:ext cx="5670590" cy="708779"/>
+            <a:off x="661492" y="530126"/>
+            <a:ext cx="4725492" cy="590649"/>
           </a:xfrm>
           <a:prstGeom prst="rect">
             <a:avLst/>
@@ -2135,14 +3984,13 @@
           <a:bodyPr wrap="none" lIns="0" tIns="0" rIns="0" bIns="0" rtlCol="0" anchor="t"/>
           <a:lstStyle/>
           <a:p>
-            <a:pPr marL="0" indent="0" algn="l">
+            <a:pPr>
               <a:lnSpc>
-                <a:spcPts val="5550"/>
+                <a:spcPts val="4625"/>
               </a:lnSpc>
-              <a:buNone/>
             </a:pPr>
             <a:r>
-              <a:rPr lang="en-US" sz="4450" dirty="0">
+              <a:rPr lang="en-US" sz="3708" dirty="0">
                 <a:solidFill>
                   <a:srgbClr val="161613"/>
                 </a:solidFill>
@@ -2152,20 +4000,26 @@
               </a:rPr>
               <a:t>사용 기술 스택 분석</a:t>
             </a:r>
-            <a:endParaRPr lang="en-US" sz="4450" dirty="0"/>
-          </a:p>
-        </p:txBody>
-      </p:sp>
-      <p:sp>
-        <p:nvSpPr>
-          <p:cNvPr id="4" name="Shape 1"/>
+            <a:endParaRPr lang="en-US" sz="3708" dirty="0"/>
+          </a:p>
+        </p:txBody>
+      </p:sp>
+      <p:sp>
+        <p:nvSpPr>
+          <p:cNvPr id="26" name="Shape 1">
+            <a:extLst>
+              <a:ext uri="{FF2B5EF4-FFF2-40B4-BE49-F238E27FC236}">
+                <a16:creationId xmlns:a16="http://schemas.microsoft.com/office/drawing/2014/main" id="{CB3F18AC-B069-82AF-9E92-077D43A09B8B}"/>
+              </a:ext>
+            </a:extLst>
+          </p:cNvPr>
           <p:cNvSpPr/>
           <p:nvPr/>
         </p:nvSpPr>
         <p:spPr>
           <a:xfrm>
-            <a:off x="793790" y="1685092"/>
-            <a:ext cx="7556421" cy="1306949"/>
+            <a:off x="661492" y="1404244"/>
+            <a:ext cx="6297018" cy="1089124"/>
           </a:xfrm>
           <a:prstGeom prst="roundRect">
             <a:avLst>
@@ -2181,20 +4035,26 @@
           <a:bodyPr/>
           <a:lstStyle/>
           <a:p>
-            <a:endParaRPr lang="ko-KR" altLang="en-US"/>
-          </a:p>
-        </p:txBody>
-      </p:sp>
-      <p:sp>
-        <p:nvSpPr>
-          <p:cNvPr id="5" name="Text 2"/>
+            <a:endParaRPr lang="ko-KR" altLang="en-US" sz="1500"/>
+          </a:p>
+        </p:txBody>
+      </p:sp>
+      <p:sp>
+        <p:nvSpPr>
+          <p:cNvPr id="28" name="Text 2">
+            <a:extLst>
+              <a:ext uri="{FF2B5EF4-FFF2-40B4-BE49-F238E27FC236}">
+                <a16:creationId xmlns:a16="http://schemas.microsoft.com/office/drawing/2014/main" id="{DD8822A9-54AE-FB08-6B88-B95510A0B62B}"/>
+              </a:ext>
+            </a:extLst>
+          </p:cNvPr>
           <p:cNvSpPr/>
           <p:nvPr/>
         </p:nvSpPr>
         <p:spPr>
           <a:xfrm>
-            <a:off x="1020604" y="1911906"/>
-            <a:ext cx="2835235" cy="354330"/>
+            <a:off x="850504" y="1593255"/>
+            <a:ext cx="2362696" cy="295275"/>
           </a:xfrm>
           <a:prstGeom prst="rect">
             <a:avLst/>
@@ -2206,14 +4066,13 @@
           <a:bodyPr wrap="none" lIns="0" tIns="0" rIns="0" bIns="0" rtlCol="0" anchor="t"/>
           <a:lstStyle/>
           <a:p>
-            <a:pPr marL="0" indent="0" algn="l">
+            <a:pPr>
               <a:lnSpc>
-                <a:spcPts val="2750"/>
+                <a:spcPts val="2292"/>
               </a:lnSpc>
-              <a:buNone/>
             </a:pPr>
             <a:r>
-              <a:rPr lang="en-US" sz="2200" dirty="0">
+              <a:rPr lang="en-US" sz="1833" dirty="0">
                 <a:solidFill>
                   <a:srgbClr val="161613"/>
                 </a:solidFill>
@@ -2223,20 +4082,26 @@
               </a:rPr>
               <a:t>JSP</a:t>
             </a:r>
-            <a:endParaRPr lang="en-US" sz="2200" dirty="0"/>
-          </a:p>
-        </p:txBody>
-      </p:sp>
-      <p:sp>
-        <p:nvSpPr>
-          <p:cNvPr id="6" name="Text 3"/>
+            <a:endParaRPr lang="en-US" sz="1833" dirty="0"/>
+          </a:p>
+        </p:txBody>
+      </p:sp>
+      <p:sp>
+        <p:nvSpPr>
+          <p:cNvPr id="29" name="Text 3">
+            <a:extLst>
+              <a:ext uri="{FF2B5EF4-FFF2-40B4-BE49-F238E27FC236}">
+                <a16:creationId xmlns:a16="http://schemas.microsoft.com/office/drawing/2014/main" id="{C661B0C0-9C3F-A161-E802-1D7C70E59C3B}"/>
+              </a:ext>
+            </a:extLst>
+          </p:cNvPr>
           <p:cNvSpPr/>
           <p:nvPr/>
         </p:nvSpPr>
         <p:spPr>
           <a:xfrm>
-            <a:off x="1020604" y="2402324"/>
-            <a:ext cx="7102793" cy="362903"/>
+            <a:off x="850504" y="2001937"/>
+            <a:ext cx="5918994" cy="302419"/>
           </a:xfrm>
           <a:prstGeom prst="rect">
             <a:avLst/>
@@ -2248,14 +4113,13 @@
           <a:bodyPr wrap="none" lIns="0" tIns="0" rIns="0" bIns="0" rtlCol="0" anchor="t"/>
           <a:lstStyle/>
           <a:p>
-            <a:pPr marL="0" indent="0" algn="l">
+            <a:pPr>
               <a:lnSpc>
-                <a:spcPts val="2850"/>
+                <a:spcPts val="2375"/>
               </a:lnSpc>
-              <a:buNone/>
             </a:pPr>
             <a:r>
-              <a:rPr lang="ko-KR" altLang="en-US" sz="1750" dirty="0">
+              <a:rPr lang="ko-KR" altLang="en-US" sz="1458" dirty="0">
                 <a:solidFill>
                   <a:srgbClr val="161613"/>
                 </a:solidFill>
@@ -2266,7 +4130,7 @@
               <a:t>서버에서 </a:t>
             </a:r>
             <a:r>
-              <a:rPr lang="en-US" altLang="ko-KR" sz="1750" dirty="0">
+              <a:rPr lang="en-US" altLang="ko-KR" sz="1458" dirty="0">
                 <a:solidFill>
                   <a:srgbClr val="161613"/>
                 </a:solidFill>
@@ -2277,7 +4141,7 @@
               <a:t>HTML</a:t>
             </a:r>
             <a:r>
-              <a:rPr lang="ko-KR" altLang="en-US" sz="1750" dirty="0">
+              <a:rPr lang="ko-KR" altLang="en-US" sz="1458" dirty="0">
                 <a:solidFill>
                   <a:srgbClr val="161613"/>
                 </a:solidFill>
@@ -2287,20 +4151,26 @@
               </a:rPr>
               <a:t>을 동적으로 생성하는 기술 </a:t>
             </a:r>
-            <a:endParaRPr lang="en-US" sz="1750" dirty="0"/>
-          </a:p>
-        </p:txBody>
-      </p:sp>
-      <p:sp>
-        <p:nvSpPr>
-          <p:cNvPr id="7" name="Shape 4"/>
+            <a:endParaRPr lang="en-US" sz="1458" dirty="0"/>
+          </a:p>
+        </p:txBody>
+      </p:sp>
+      <p:sp>
+        <p:nvSpPr>
+          <p:cNvPr id="30" name="Shape 4">
+            <a:extLst>
+              <a:ext uri="{FF2B5EF4-FFF2-40B4-BE49-F238E27FC236}">
+                <a16:creationId xmlns:a16="http://schemas.microsoft.com/office/drawing/2014/main" id="{696B0D2C-B833-88C2-84C9-724294B63274}"/>
+              </a:ext>
+            </a:extLst>
+          </p:cNvPr>
           <p:cNvSpPr/>
           <p:nvPr/>
         </p:nvSpPr>
         <p:spPr>
           <a:xfrm>
-            <a:off x="793790" y="3218855"/>
-            <a:ext cx="7556421" cy="1306949"/>
+            <a:off x="661492" y="2682380"/>
+            <a:ext cx="6297018" cy="1089124"/>
           </a:xfrm>
           <a:prstGeom prst="roundRect">
             <a:avLst>
@@ -2316,20 +4186,26 @@
           <a:bodyPr/>
           <a:lstStyle/>
           <a:p>
-            <a:endParaRPr lang="ko-KR" altLang="en-US"/>
-          </a:p>
-        </p:txBody>
-      </p:sp>
-      <p:sp>
-        <p:nvSpPr>
-          <p:cNvPr id="8" name="Text 5"/>
+            <a:endParaRPr lang="ko-KR" altLang="en-US" sz="1500"/>
+          </a:p>
+        </p:txBody>
+      </p:sp>
+      <p:sp>
+        <p:nvSpPr>
+          <p:cNvPr id="31" name="Text 5">
+            <a:extLst>
+              <a:ext uri="{FF2B5EF4-FFF2-40B4-BE49-F238E27FC236}">
+                <a16:creationId xmlns:a16="http://schemas.microsoft.com/office/drawing/2014/main" id="{C0F6581B-8294-ED4B-1F72-1667FACA63AC}"/>
+              </a:ext>
+            </a:extLst>
+          </p:cNvPr>
           <p:cNvSpPr/>
           <p:nvPr/>
         </p:nvSpPr>
         <p:spPr>
           <a:xfrm>
-            <a:off x="1020604" y="3445669"/>
-            <a:ext cx="2835235" cy="354330"/>
+            <a:off x="850504" y="2871391"/>
+            <a:ext cx="2362696" cy="295275"/>
           </a:xfrm>
           <a:prstGeom prst="rect">
             <a:avLst/>
@@ -2341,14 +4217,13 @@
           <a:bodyPr wrap="none" lIns="0" tIns="0" rIns="0" bIns="0" rtlCol="0" anchor="t"/>
           <a:lstStyle/>
           <a:p>
-            <a:pPr marL="0" indent="0" algn="l">
+            <a:pPr>
               <a:lnSpc>
-                <a:spcPts val="2750"/>
+                <a:spcPts val="2292"/>
               </a:lnSpc>
-              <a:buNone/>
             </a:pPr>
             <a:r>
-              <a:rPr lang="en-US" sz="2200" dirty="0">
+              <a:rPr lang="en-US" sz="1833" dirty="0">
                 <a:solidFill>
                   <a:srgbClr val="161613"/>
                 </a:solidFill>
@@ -2358,20 +4233,26 @@
               </a:rPr>
               <a:t>Servlet</a:t>
             </a:r>
-            <a:endParaRPr lang="en-US" sz="2200" dirty="0"/>
-          </a:p>
-        </p:txBody>
-      </p:sp>
-      <p:sp>
-        <p:nvSpPr>
-          <p:cNvPr id="9" name="Text 6"/>
+            <a:endParaRPr lang="en-US" sz="1833" dirty="0"/>
+          </a:p>
+        </p:txBody>
+      </p:sp>
+      <p:sp>
+        <p:nvSpPr>
+          <p:cNvPr id="32" name="Text 6">
+            <a:extLst>
+              <a:ext uri="{FF2B5EF4-FFF2-40B4-BE49-F238E27FC236}">
+                <a16:creationId xmlns:a16="http://schemas.microsoft.com/office/drawing/2014/main" id="{1AD0E41E-378C-73C8-CC06-CFDDCA41B9DA}"/>
+              </a:ext>
+            </a:extLst>
+          </p:cNvPr>
           <p:cNvSpPr/>
           <p:nvPr/>
         </p:nvSpPr>
         <p:spPr>
           <a:xfrm>
-            <a:off x="1020604" y="3936087"/>
-            <a:ext cx="7102793" cy="362903"/>
+            <a:off x="850504" y="3280073"/>
+            <a:ext cx="5918994" cy="302419"/>
           </a:xfrm>
           <a:prstGeom prst="rect">
             <a:avLst/>
@@ -2383,14 +4264,13 @@
           <a:bodyPr wrap="none" lIns="0" tIns="0" rIns="0" bIns="0" rtlCol="0" anchor="t"/>
           <a:lstStyle/>
           <a:p>
-            <a:pPr marL="0" indent="0" algn="l">
+            <a:pPr>
               <a:lnSpc>
-                <a:spcPts val="2850"/>
+                <a:spcPts val="2375"/>
               </a:lnSpc>
-              <a:buNone/>
             </a:pPr>
             <a:r>
-              <a:rPr lang="ko-KR" altLang="en-US" sz="1750" dirty="0">
+              <a:rPr lang="ko-KR" altLang="en-US" sz="1458" dirty="0">
                 <a:solidFill>
                   <a:srgbClr val="161613"/>
                 </a:solidFill>
@@ -2401,7 +4281,7 @@
               <a:t>사용자 요청을 처리하고 로직을 실행하는 </a:t>
             </a:r>
             <a:r>
-              <a:rPr lang="en-US" altLang="ko-KR" sz="1750" dirty="0">
+              <a:rPr lang="en-US" altLang="ko-KR" sz="1458" dirty="0">
                 <a:solidFill>
                   <a:srgbClr val="161613"/>
                 </a:solidFill>
@@ -2412,7 +4292,7 @@
               <a:t>Java </a:t>
             </a:r>
             <a:r>
-              <a:rPr lang="ko-KR" altLang="en-US" sz="1750" dirty="0">
+              <a:rPr lang="ko-KR" altLang="en-US" sz="1458" dirty="0">
                 <a:solidFill>
                   <a:srgbClr val="161613"/>
                 </a:solidFill>
@@ -2422,20 +4302,26 @@
               </a:rPr>
               <a:t>클래스</a:t>
             </a:r>
-            <a:endParaRPr lang="en-US" sz="1750" dirty="0"/>
-          </a:p>
-        </p:txBody>
-      </p:sp>
-      <p:sp>
-        <p:nvSpPr>
-          <p:cNvPr id="10" name="Shape 7"/>
+            <a:endParaRPr lang="en-US" sz="1458" dirty="0"/>
+          </a:p>
+        </p:txBody>
+      </p:sp>
+      <p:sp>
+        <p:nvSpPr>
+          <p:cNvPr id="33" name="Shape 7">
+            <a:extLst>
+              <a:ext uri="{FF2B5EF4-FFF2-40B4-BE49-F238E27FC236}">
+                <a16:creationId xmlns:a16="http://schemas.microsoft.com/office/drawing/2014/main" id="{9A5D5F6B-72AF-E3C0-7103-5B03D6896EB3}"/>
+              </a:ext>
+            </a:extLst>
+          </p:cNvPr>
           <p:cNvSpPr/>
           <p:nvPr/>
         </p:nvSpPr>
         <p:spPr>
           <a:xfrm>
-            <a:off x="793790" y="4752618"/>
-            <a:ext cx="7556421" cy="1306949"/>
+            <a:off x="661492" y="3960516"/>
+            <a:ext cx="6297018" cy="1089124"/>
           </a:xfrm>
           <a:prstGeom prst="roundRect">
             <a:avLst>
@@ -2451,20 +4337,26 @@
           <a:bodyPr/>
           <a:lstStyle/>
           <a:p>
-            <a:endParaRPr lang="ko-KR" altLang="en-US"/>
-          </a:p>
-        </p:txBody>
-      </p:sp>
-      <p:sp>
-        <p:nvSpPr>
-          <p:cNvPr id="11" name="Text 8"/>
+            <a:endParaRPr lang="ko-KR" altLang="en-US" sz="1500"/>
+          </a:p>
+        </p:txBody>
+      </p:sp>
+      <p:sp>
+        <p:nvSpPr>
+          <p:cNvPr id="34" name="Text 8">
+            <a:extLst>
+              <a:ext uri="{FF2B5EF4-FFF2-40B4-BE49-F238E27FC236}">
+                <a16:creationId xmlns:a16="http://schemas.microsoft.com/office/drawing/2014/main" id="{DB646AE1-5723-8319-FD2D-A360882CD19C}"/>
+              </a:ext>
+            </a:extLst>
+          </p:cNvPr>
           <p:cNvSpPr/>
           <p:nvPr/>
         </p:nvSpPr>
         <p:spPr>
           <a:xfrm>
-            <a:off x="1020604" y="4979432"/>
-            <a:ext cx="2835235" cy="354330"/>
+            <a:off x="850504" y="4149527"/>
+            <a:ext cx="2362696" cy="295275"/>
           </a:xfrm>
           <a:prstGeom prst="rect">
             <a:avLst/>
@@ -2476,14 +4368,13 @@
           <a:bodyPr wrap="none" lIns="0" tIns="0" rIns="0" bIns="0" rtlCol="0" anchor="t"/>
           <a:lstStyle/>
           <a:p>
-            <a:pPr marL="0" indent="0" algn="l">
+            <a:pPr>
               <a:lnSpc>
-                <a:spcPts val="2750"/>
+                <a:spcPts val="2292"/>
               </a:lnSpc>
-              <a:buNone/>
             </a:pPr>
             <a:r>
-              <a:rPr lang="en-US" sz="2200" dirty="0">
+              <a:rPr lang="en-US" sz="1833" dirty="0">
                 <a:solidFill>
                   <a:srgbClr val="161613"/>
                 </a:solidFill>
@@ -2493,20 +4384,26 @@
               </a:rPr>
               <a:t>Tomcat</a:t>
             </a:r>
-            <a:endParaRPr lang="en-US" sz="2200" dirty="0"/>
-          </a:p>
-        </p:txBody>
-      </p:sp>
-      <p:sp>
-        <p:nvSpPr>
-          <p:cNvPr id="12" name="Text 9"/>
+            <a:endParaRPr lang="en-US" sz="1833" dirty="0"/>
+          </a:p>
+        </p:txBody>
+      </p:sp>
+      <p:sp>
+        <p:nvSpPr>
+          <p:cNvPr id="35" name="Text 9">
+            <a:extLst>
+              <a:ext uri="{FF2B5EF4-FFF2-40B4-BE49-F238E27FC236}">
+                <a16:creationId xmlns:a16="http://schemas.microsoft.com/office/drawing/2014/main" id="{D9163646-2F58-F0F1-1F4D-6CA5A7C26981}"/>
+              </a:ext>
+            </a:extLst>
+          </p:cNvPr>
           <p:cNvSpPr/>
           <p:nvPr/>
         </p:nvSpPr>
         <p:spPr>
           <a:xfrm>
-            <a:off x="1020604" y="5469850"/>
-            <a:ext cx="7102793" cy="362903"/>
+            <a:off x="850504" y="4558209"/>
+            <a:ext cx="5918994" cy="302419"/>
           </a:xfrm>
           <a:prstGeom prst="rect">
             <a:avLst/>
@@ -2518,14 +4415,13 @@
           <a:bodyPr wrap="none" lIns="0" tIns="0" rIns="0" bIns="0" rtlCol="0" anchor="t"/>
           <a:lstStyle/>
           <a:p>
-            <a:pPr marL="0" indent="0" algn="l">
+            <a:pPr>
               <a:lnSpc>
-                <a:spcPts val="2850"/>
+                <a:spcPts val="2375"/>
               </a:lnSpc>
-              <a:buNone/>
             </a:pPr>
             <a:r>
-              <a:rPr lang="en-US" altLang="ko-KR" sz="1750" dirty="0">
+              <a:rPr lang="en-US" altLang="ko-KR" sz="1458" dirty="0">
                 <a:solidFill>
                   <a:srgbClr val="161613"/>
                 </a:solidFill>
@@ -2536,7 +4432,7 @@
               <a:t>Java </a:t>
             </a:r>
             <a:r>
-              <a:rPr lang="ko-KR" altLang="en-US" sz="1750" dirty="0">
+              <a:rPr lang="ko-KR" altLang="en-US" sz="1458" dirty="0">
                 <a:solidFill>
                   <a:srgbClr val="161613"/>
                 </a:solidFill>
@@ -2547,7 +4443,7 @@
               <a:t>기반 웹 애플리케이션을 실행하는 </a:t>
             </a:r>
             <a:r>
-              <a:rPr lang="en-US" altLang="ko-KR" sz="1750" dirty="0">
+              <a:rPr lang="en-US" altLang="ko-KR" sz="1458" dirty="0">
                 <a:solidFill>
                   <a:srgbClr val="161613"/>
                 </a:solidFill>
@@ -2557,20 +4453,26 @@
               </a:rPr>
               <a:t>WAS (Servlet Container)</a:t>
             </a:r>
-            <a:endParaRPr lang="en-US" sz="1750" dirty="0"/>
-          </a:p>
-        </p:txBody>
-      </p:sp>
-      <p:sp>
-        <p:nvSpPr>
-          <p:cNvPr id="13" name="Shape 10"/>
+            <a:endParaRPr lang="en-US" sz="1458" dirty="0"/>
+          </a:p>
+        </p:txBody>
+      </p:sp>
+      <p:sp>
+        <p:nvSpPr>
+          <p:cNvPr id="36" name="Shape 10">
+            <a:extLst>
+              <a:ext uri="{FF2B5EF4-FFF2-40B4-BE49-F238E27FC236}">
+                <a16:creationId xmlns:a16="http://schemas.microsoft.com/office/drawing/2014/main" id="{B378618E-40F3-7511-7FA4-70A945938D09}"/>
+              </a:ext>
+            </a:extLst>
+          </p:cNvPr>
           <p:cNvSpPr/>
           <p:nvPr/>
         </p:nvSpPr>
         <p:spPr>
           <a:xfrm>
-            <a:off x="793790" y="6286381"/>
-            <a:ext cx="7556421" cy="1306949"/>
+            <a:off x="661492" y="5238651"/>
+            <a:ext cx="6297018" cy="1089124"/>
           </a:xfrm>
           <a:prstGeom prst="roundRect">
             <a:avLst>
@@ -2586,20 +4488,26 @@
           <a:bodyPr/>
           <a:lstStyle/>
           <a:p>
-            <a:endParaRPr lang="ko-KR" altLang="en-US"/>
-          </a:p>
-        </p:txBody>
-      </p:sp>
-      <p:sp>
-        <p:nvSpPr>
-          <p:cNvPr id="14" name="Text 11"/>
+            <a:endParaRPr lang="ko-KR" altLang="en-US" sz="1500"/>
+          </a:p>
+        </p:txBody>
+      </p:sp>
+      <p:sp>
+        <p:nvSpPr>
+          <p:cNvPr id="37" name="Text 11">
+            <a:extLst>
+              <a:ext uri="{FF2B5EF4-FFF2-40B4-BE49-F238E27FC236}">
+                <a16:creationId xmlns:a16="http://schemas.microsoft.com/office/drawing/2014/main" id="{518FAAD2-8D14-32BD-339D-854B1B487D47}"/>
+              </a:ext>
+            </a:extLst>
+          </p:cNvPr>
           <p:cNvSpPr/>
           <p:nvPr/>
         </p:nvSpPr>
         <p:spPr>
           <a:xfrm>
-            <a:off x="1020604" y="6513195"/>
-            <a:ext cx="2835235" cy="354330"/>
+            <a:off x="850504" y="5427663"/>
+            <a:ext cx="2362696" cy="295275"/>
           </a:xfrm>
           <a:prstGeom prst="rect">
             <a:avLst/>
@@ -2611,14 +4519,13 @@
           <a:bodyPr wrap="none" lIns="0" tIns="0" rIns="0" bIns="0" rtlCol="0" anchor="t"/>
           <a:lstStyle/>
           <a:p>
-            <a:pPr marL="0" indent="0" algn="l">
+            <a:pPr>
               <a:lnSpc>
-                <a:spcPts val="2750"/>
+                <a:spcPts val="2292"/>
               </a:lnSpc>
-              <a:buNone/>
             </a:pPr>
             <a:r>
-              <a:rPr lang="en-US" sz="2200" dirty="0">
+              <a:rPr lang="en-US" sz="1833" dirty="0">
                 <a:solidFill>
                   <a:srgbClr val="161613"/>
                 </a:solidFill>
@@ -2628,20 +4535,26 @@
               </a:rPr>
               <a:t>Maven &amp; Oracle</a:t>
             </a:r>
-            <a:endParaRPr lang="en-US" sz="2200" dirty="0"/>
-          </a:p>
-        </p:txBody>
-      </p:sp>
-      <p:sp>
-        <p:nvSpPr>
-          <p:cNvPr id="15" name="Text 12"/>
+            <a:endParaRPr lang="en-US" sz="1833" dirty="0"/>
+          </a:p>
+        </p:txBody>
+      </p:sp>
+      <p:sp>
+        <p:nvSpPr>
+          <p:cNvPr id="38" name="Text 12">
+            <a:extLst>
+              <a:ext uri="{FF2B5EF4-FFF2-40B4-BE49-F238E27FC236}">
+                <a16:creationId xmlns:a16="http://schemas.microsoft.com/office/drawing/2014/main" id="{37A247EA-1138-DEDE-1132-3D66BD7BFAA6}"/>
+              </a:ext>
+            </a:extLst>
+          </p:cNvPr>
           <p:cNvSpPr/>
           <p:nvPr/>
         </p:nvSpPr>
         <p:spPr>
           <a:xfrm>
-            <a:off x="1020603" y="7012187"/>
-            <a:ext cx="7556421" cy="354330"/>
+            <a:off x="850503" y="5843489"/>
+            <a:ext cx="6297018" cy="295275"/>
           </a:xfrm>
           <a:prstGeom prst="rect">
             <a:avLst/>
@@ -2653,14 +4566,13 @@
           <a:bodyPr wrap="none" lIns="0" tIns="0" rIns="0" bIns="0" rtlCol="0" anchor="t"/>
           <a:lstStyle/>
           <a:p>
-            <a:pPr marL="0" indent="0" algn="l">
+            <a:pPr>
               <a:lnSpc>
-                <a:spcPts val="2850"/>
+                <a:spcPts val="2375"/>
               </a:lnSpc>
-              <a:buNone/>
             </a:pPr>
             <a:r>
-              <a:rPr lang="en-US" altLang="ko-KR" sz="1750" dirty="0">
+              <a:rPr lang="en-US" altLang="ko-KR" sz="1458" dirty="0">
                 <a:solidFill>
                   <a:srgbClr val="161613"/>
                 </a:solidFill>
@@ -2671,7 +4583,7 @@
               <a:t>Maven: </a:t>
             </a:r>
             <a:r>
-              <a:rPr lang="ko-KR" altLang="en-US" sz="1750" dirty="0">
+              <a:rPr lang="ko-KR" altLang="en-US" sz="1458" dirty="0">
                 <a:solidFill>
                   <a:srgbClr val="161613"/>
                 </a:solidFill>
@@ -2682,7 +4594,7 @@
               <a:t>빌드 및 라이브러리 관리 </a:t>
             </a:r>
             <a:r>
-              <a:rPr lang="en-US" altLang="ko-KR" sz="1750" dirty="0">
+              <a:rPr lang="en-US" altLang="ko-KR" sz="1458" dirty="0">
                 <a:solidFill>
                   <a:srgbClr val="161613"/>
                 </a:solidFill>
@@ -2693,7 +4605,7 @@
               <a:t> Oracle: </a:t>
             </a:r>
             <a:r>
-              <a:rPr lang="ko-KR" altLang="en-US" sz="1750" dirty="0">
+              <a:rPr lang="ko-KR" altLang="en-US" sz="1458" dirty="0">
                 <a:solidFill>
                   <a:srgbClr val="161613"/>
                 </a:solidFill>
@@ -2704,7 +4616,7 @@
               <a:t>사용자</a:t>
             </a:r>
             <a:r>
-              <a:rPr lang="en-US" altLang="ko-KR" sz="1750" dirty="0">
+              <a:rPr lang="en-US" altLang="ko-KR" sz="1458" dirty="0">
                 <a:solidFill>
                   <a:srgbClr val="161613"/>
                 </a:solidFill>
@@ -2715,7 +4627,7 @@
               <a:t>·</a:t>
             </a:r>
             <a:r>
-              <a:rPr lang="ko-KR" altLang="en-US" sz="1750" dirty="0">
+              <a:rPr lang="ko-KR" altLang="en-US" sz="1458" dirty="0">
                 <a:solidFill>
                   <a:srgbClr val="161613"/>
                 </a:solidFill>
@@ -2726,7 +4638,7 @@
               <a:t>게시글 </a:t>
             </a:r>
             <a:r>
-              <a:rPr lang="en-US" altLang="ko-KR" sz="1750" dirty="0">
+              <a:rPr lang="en-US" altLang="ko-KR" sz="1458" dirty="0">
                 <a:solidFill>
                   <a:srgbClr val="161613"/>
                 </a:solidFill>
@@ -2737,7 +4649,7 @@
               <a:t>DB </a:t>
             </a:r>
             <a:r>
-              <a:rPr lang="ko-KR" altLang="en-US" sz="1750" dirty="0">
+              <a:rPr lang="ko-KR" altLang="en-US" sz="1458" dirty="0">
                 <a:solidFill>
                   <a:srgbClr val="161613"/>
                 </a:solidFill>
@@ -2747,11 +4659,16 @@
               </a:rPr>
               <a:t>연동 예정</a:t>
             </a:r>
-            <a:endParaRPr lang="en-US" sz="1750" dirty="0"/>
+            <a:endParaRPr lang="en-US" sz="1458" dirty="0"/>
           </a:p>
         </p:txBody>
       </p:sp>
     </p:spTree>
+    <p:extLst>
+      <p:ext uri="{BB962C8B-B14F-4D97-AF65-F5344CB8AC3E}">
+        <p14:creationId xmlns:p14="http://schemas.microsoft.com/office/powerpoint/2010/main" val="1024678106"/>
+      </p:ext>
+    </p:extLst>
   </p:cSld>
   <p:clrMapOvr>
     <a:masterClrMapping/>
@@ -2761,7 +4678,7 @@
 
 <file path=ppt/slides/slide3.xml><?xml version="1.0" encoding="utf-8"?>
 <p:sld xmlns:a="http://schemas.openxmlformats.org/drawingml/2006/main" xmlns:r="http://schemas.openxmlformats.org/officeDocument/2006/relationships" xmlns:p="http://schemas.openxmlformats.org/presentationml/2006/main">
-  <p:cSld name="Slide 3">
+  <p:cSld>
     <p:spTree>
       <p:nvGrpSpPr>
         <p:cNvPr id="1" name=""/>
@@ -2778,14 +4695,20 @@
       </p:grpSpPr>
       <p:pic>
         <p:nvPicPr>
-          <p:cNvPr id="2" name="Image 0" descr="preencoded.png"/>
+          <p:cNvPr id="4" name="Image 0" descr="preencoded.png">
+            <a:extLst>
+              <a:ext uri="{FF2B5EF4-FFF2-40B4-BE49-F238E27FC236}">
+                <a16:creationId xmlns:a16="http://schemas.microsoft.com/office/drawing/2014/main" id="{284BCA56-A8A3-B120-27BB-66B8BBD0DA77}"/>
+              </a:ext>
+            </a:extLst>
+          </p:cNvPr>
           <p:cNvPicPr>
             <a:picLocks noChangeAspect="1"/>
           </p:cNvPicPr>
           <p:nvPr/>
         </p:nvPicPr>
         <p:blipFill>
-          <a:blip r:embed="rId3"/>
+          <a:blip r:embed="rId2"/>
           <a:stretch>
             <a:fillRect/>
           </a:stretch>
@@ -2793,7 +4716,7 @@
         <p:spPr>
           <a:xfrm>
             <a:off x="0" y="0"/>
-            <a:ext cx="14630400" cy="2835235"/>
+            <a:ext cx="12192000" cy="2362696"/>
           </a:xfrm>
           <a:prstGeom prst="rect">
             <a:avLst/>
@@ -2802,14 +4725,20 @@
       </p:pic>
       <p:sp>
         <p:nvSpPr>
-          <p:cNvPr id="3" name="Text 0"/>
+          <p:cNvPr id="5" name="Text 0">
+            <a:extLst>
+              <a:ext uri="{FF2B5EF4-FFF2-40B4-BE49-F238E27FC236}">
+                <a16:creationId xmlns:a16="http://schemas.microsoft.com/office/drawing/2014/main" id="{AFA4D05E-FDAA-BB0D-E41F-CEEDBFCA770E}"/>
+              </a:ext>
+            </a:extLst>
+          </p:cNvPr>
           <p:cNvSpPr/>
           <p:nvPr/>
         </p:nvSpPr>
         <p:spPr>
           <a:xfrm>
-            <a:off x="793790" y="3849886"/>
-            <a:ext cx="5670590" cy="708779"/>
+            <a:off x="661492" y="3208239"/>
+            <a:ext cx="4725492" cy="590649"/>
           </a:xfrm>
           <a:prstGeom prst="rect">
             <a:avLst/>
@@ -2821,14 +4750,13 @@
           <a:bodyPr wrap="none" lIns="0" tIns="0" rIns="0" bIns="0" rtlCol="0" anchor="t"/>
           <a:lstStyle/>
           <a:p>
-            <a:pPr marL="0" indent="0" algn="l">
+            <a:pPr>
               <a:lnSpc>
-                <a:spcPts val="5550"/>
+                <a:spcPts val="4625"/>
               </a:lnSpc>
-              <a:buNone/>
             </a:pPr>
             <a:r>
-              <a:rPr lang="en-US" sz="4450" dirty="0">
+              <a:rPr lang="en-US" sz="3708" dirty="0">
                 <a:solidFill>
                   <a:srgbClr val="161613"/>
                 </a:solidFill>
@@ -2838,20 +4766,26 @@
               </a:rPr>
               <a:t>기존 구현 기능 현황</a:t>
             </a:r>
-            <a:endParaRPr lang="en-US" sz="4450" dirty="0"/>
-          </a:p>
-        </p:txBody>
-      </p:sp>
-      <p:sp>
-        <p:nvSpPr>
-          <p:cNvPr id="4" name="Shape 1"/>
+            <a:endParaRPr lang="en-US" sz="3708" dirty="0"/>
+          </a:p>
+        </p:txBody>
+      </p:sp>
+      <p:sp>
+        <p:nvSpPr>
+          <p:cNvPr id="6" name="Shape 1">
+            <a:extLst>
+              <a:ext uri="{FF2B5EF4-FFF2-40B4-BE49-F238E27FC236}">
+                <a16:creationId xmlns:a16="http://schemas.microsoft.com/office/drawing/2014/main" id="{E98106BF-6462-222D-7130-AEDF40FA943A}"/>
+              </a:ext>
+            </a:extLst>
+          </p:cNvPr>
           <p:cNvSpPr/>
           <p:nvPr/>
         </p:nvSpPr>
         <p:spPr>
           <a:xfrm>
-            <a:off x="793790" y="4898827"/>
-            <a:ext cx="510302" cy="510302"/>
+            <a:off x="661492" y="4082356"/>
+            <a:ext cx="425252" cy="425252"/>
           </a:xfrm>
           <a:prstGeom prst="roundRect">
             <a:avLst>
@@ -2867,20 +4801,26 @@
           <a:bodyPr/>
           <a:lstStyle/>
           <a:p>
-            <a:endParaRPr lang="ko-KR" altLang="en-US"/>
-          </a:p>
-        </p:txBody>
-      </p:sp>
-      <p:sp>
-        <p:nvSpPr>
-          <p:cNvPr id="5" name="Text 2"/>
+            <a:endParaRPr lang="ko-KR" altLang="en-US" sz="1500"/>
+          </a:p>
+        </p:txBody>
+      </p:sp>
+      <p:sp>
+        <p:nvSpPr>
+          <p:cNvPr id="7" name="Text 2">
+            <a:extLst>
+              <a:ext uri="{FF2B5EF4-FFF2-40B4-BE49-F238E27FC236}">
+                <a16:creationId xmlns:a16="http://schemas.microsoft.com/office/drawing/2014/main" id="{8F149AEF-1D60-2854-1A9E-3DAED3D5244F}"/>
+              </a:ext>
+            </a:extLst>
+          </p:cNvPr>
           <p:cNvSpPr/>
           <p:nvPr/>
         </p:nvSpPr>
         <p:spPr>
           <a:xfrm>
-            <a:off x="1530906" y="4976693"/>
-            <a:ext cx="2835235" cy="354330"/>
+            <a:off x="1275755" y="4147244"/>
+            <a:ext cx="2362696" cy="295275"/>
           </a:xfrm>
           <a:prstGeom prst="rect">
             <a:avLst/>
@@ -2892,14 +4832,13 @@
           <a:bodyPr wrap="none" lIns="0" tIns="0" rIns="0" bIns="0" rtlCol="0" anchor="t"/>
           <a:lstStyle/>
           <a:p>
-            <a:pPr marL="0" indent="0" algn="l">
+            <a:pPr>
               <a:lnSpc>
-                <a:spcPts val="2750"/>
+                <a:spcPts val="2292"/>
               </a:lnSpc>
-              <a:buNone/>
             </a:pPr>
             <a:r>
-              <a:rPr lang="en-US" sz="2200" dirty="0">
+              <a:rPr lang="en-US" sz="1833" dirty="0">
                 <a:solidFill>
                   <a:srgbClr val="161613"/>
                 </a:solidFill>
@@ -2909,20 +4848,26 @@
               </a:rPr>
               <a:t>로그인 페이지</a:t>
             </a:r>
-            <a:endParaRPr lang="en-US" sz="2200" dirty="0"/>
-          </a:p>
-        </p:txBody>
-      </p:sp>
-      <p:sp>
-        <p:nvSpPr>
-          <p:cNvPr id="6" name="Text 3"/>
+            <a:endParaRPr lang="en-US" sz="1833" dirty="0"/>
+          </a:p>
+        </p:txBody>
+      </p:sp>
+      <p:sp>
+        <p:nvSpPr>
+          <p:cNvPr id="8" name="Text 3">
+            <a:extLst>
+              <a:ext uri="{FF2B5EF4-FFF2-40B4-BE49-F238E27FC236}">
+                <a16:creationId xmlns:a16="http://schemas.microsoft.com/office/drawing/2014/main" id="{6FABDD81-5FF7-225C-3A77-46899BF121A6}"/>
+              </a:ext>
+            </a:extLst>
+          </p:cNvPr>
           <p:cNvSpPr/>
           <p:nvPr/>
         </p:nvSpPr>
         <p:spPr>
           <a:xfrm>
-            <a:off x="1530906" y="5467112"/>
-            <a:ext cx="5642610" cy="362903"/>
+            <a:off x="1275755" y="4555927"/>
+            <a:ext cx="4702175" cy="302419"/>
           </a:xfrm>
           <a:prstGeom prst="rect">
             <a:avLst/>
@@ -2934,14 +4879,13 @@
           <a:bodyPr wrap="none" lIns="0" tIns="0" rIns="0" bIns="0" rtlCol="0" anchor="t"/>
           <a:lstStyle/>
           <a:p>
-            <a:pPr marL="0" indent="0" algn="l">
+            <a:pPr>
               <a:lnSpc>
-                <a:spcPts val="2850"/>
+                <a:spcPts val="2375"/>
               </a:lnSpc>
-              <a:buNone/>
             </a:pPr>
             <a:r>
-              <a:rPr lang="en-US" sz="1750" dirty="0">
+              <a:rPr lang="en-US" sz="1458" dirty="0">
                 <a:solidFill>
                   <a:srgbClr val="161613"/>
                 </a:solidFill>
@@ -2951,20 +4895,26 @@
               </a:rPr>
               <a:t>사용자 ID, PW 입력화면 제공</a:t>
             </a:r>
-            <a:endParaRPr lang="en-US" sz="1750" dirty="0"/>
-          </a:p>
-        </p:txBody>
-      </p:sp>
-      <p:sp>
-        <p:nvSpPr>
-          <p:cNvPr id="7" name="Shape 4"/>
+            <a:endParaRPr lang="en-US" sz="1458" dirty="0"/>
+          </a:p>
+        </p:txBody>
+      </p:sp>
+      <p:sp>
+        <p:nvSpPr>
+          <p:cNvPr id="9" name="Shape 4">
+            <a:extLst>
+              <a:ext uri="{FF2B5EF4-FFF2-40B4-BE49-F238E27FC236}">
+                <a16:creationId xmlns:a16="http://schemas.microsoft.com/office/drawing/2014/main" id="{5FB9E6BD-4A38-01B6-4282-5B86A3B6161F}"/>
+              </a:ext>
+            </a:extLst>
+          </p:cNvPr>
           <p:cNvSpPr/>
           <p:nvPr/>
         </p:nvSpPr>
         <p:spPr>
           <a:xfrm>
-            <a:off x="7457003" y="4898827"/>
-            <a:ext cx="510302" cy="510302"/>
+            <a:off x="6214169" y="4082356"/>
+            <a:ext cx="425252" cy="425252"/>
           </a:xfrm>
           <a:prstGeom prst="roundRect">
             <a:avLst>
@@ -2980,20 +4930,26 @@
           <a:bodyPr/>
           <a:lstStyle/>
           <a:p>
-            <a:endParaRPr lang="ko-KR" altLang="en-US"/>
-          </a:p>
-        </p:txBody>
-      </p:sp>
-      <p:sp>
-        <p:nvSpPr>
-          <p:cNvPr id="8" name="Text 5"/>
+            <a:endParaRPr lang="ko-KR" altLang="en-US" sz="1500"/>
+          </a:p>
+        </p:txBody>
+      </p:sp>
+      <p:sp>
+        <p:nvSpPr>
+          <p:cNvPr id="10" name="Text 5">
+            <a:extLst>
+              <a:ext uri="{FF2B5EF4-FFF2-40B4-BE49-F238E27FC236}">
+                <a16:creationId xmlns:a16="http://schemas.microsoft.com/office/drawing/2014/main" id="{4AB0F756-1C6F-B226-37E9-E6C58C925293}"/>
+              </a:ext>
+            </a:extLst>
+          </p:cNvPr>
           <p:cNvSpPr/>
           <p:nvPr/>
         </p:nvSpPr>
         <p:spPr>
           <a:xfrm>
-            <a:off x="8194119" y="4976693"/>
-            <a:ext cx="2835235" cy="354330"/>
+            <a:off x="6828433" y="4147244"/>
+            <a:ext cx="2362696" cy="295275"/>
           </a:xfrm>
           <a:prstGeom prst="rect">
             <a:avLst/>
@@ -3005,14 +4961,13 @@
           <a:bodyPr wrap="none" lIns="0" tIns="0" rIns="0" bIns="0" rtlCol="0" anchor="t"/>
           <a:lstStyle/>
           <a:p>
-            <a:pPr marL="0" indent="0" algn="l">
+            <a:pPr>
               <a:lnSpc>
-                <a:spcPts val="2750"/>
+                <a:spcPts val="2292"/>
               </a:lnSpc>
-              <a:buNone/>
             </a:pPr>
             <a:r>
-              <a:rPr lang="en-US" sz="2200" dirty="0">
+              <a:rPr lang="en-US" sz="1833" dirty="0">
                 <a:solidFill>
                   <a:srgbClr val="161613"/>
                 </a:solidFill>
@@ -3022,20 +4977,26 @@
               </a:rPr>
               <a:t>로그인 처리</a:t>
             </a:r>
-            <a:endParaRPr lang="en-US" sz="2200" dirty="0"/>
-          </a:p>
-        </p:txBody>
-      </p:sp>
-      <p:sp>
-        <p:nvSpPr>
-          <p:cNvPr id="9" name="Text 6"/>
+            <a:endParaRPr lang="en-US" sz="1833" dirty="0"/>
+          </a:p>
+        </p:txBody>
+      </p:sp>
+      <p:sp>
+        <p:nvSpPr>
+          <p:cNvPr id="11" name="Text 6">
+            <a:extLst>
+              <a:ext uri="{FF2B5EF4-FFF2-40B4-BE49-F238E27FC236}">
+                <a16:creationId xmlns:a16="http://schemas.microsoft.com/office/drawing/2014/main" id="{C52E1C95-6E1F-C8FF-A515-717EB2CE378C}"/>
+              </a:ext>
+            </a:extLst>
+          </p:cNvPr>
           <p:cNvSpPr/>
           <p:nvPr/>
         </p:nvSpPr>
         <p:spPr>
           <a:xfrm>
-            <a:off x="8194119" y="5467112"/>
-            <a:ext cx="5642610" cy="362903"/>
+            <a:off x="6828433" y="4555927"/>
+            <a:ext cx="4702175" cy="302419"/>
           </a:xfrm>
           <a:prstGeom prst="rect">
             <a:avLst/>
@@ -3047,14 +5008,13 @@
           <a:bodyPr wrap="none" lIns="0" tIns="0" rIns="0" bIns="0" rtlCol="0" anchor="t"/>
           <a:lstStyle/>
           <a:p>
-            <a:pPr marL="0" indent="0" algn="l">
+            <a:pPr>
               <a:lnSpc>
-                <a:spcPts val="2850"/>
+                <a:spcPts val="2375"/>
               </a:lnSpc>
-              <a:buNone/>
             </a:pPr>
             <a:r>
-              <a:rPr lang="en-US" sz="1750" dirty="0">
+              <a:rPr lang="en-US" sz="1458" dirty="0">
                 <a:solidFill>
                   <a:srgbClr val="161613"/>
                 </a:solidFill>
@@ -3064,20 +5024,26 @@
               </a:rPr>
               <a:t>서블릿에서 ID/PW 검증 수행</a:t>
             </a:r>
-            <a:endParaRPr lang="en-US" sz="1750" dirty="0"/>
-          </a:p>
-        </p:txBody>
-      </p:sp>
-      <p:sp>
-        <p:nvSpPr>
-          <p:cNvPr id="10" name="Shape 7"/>
+            <a:endParaRPr lang="en-US" sz="1458" dirty="0"/>
+          </a:p>
+        </p:txBody>
+      </p:sp>
+      <p:sp>
+        <p:nvSpPr>
+          <p:cNvPr id="12" name="Shape 7">
+            <a:extLst>
+              <a:ext uri="{FF2B5EF4-FFF2-40B4-BE49-F238E27FC236}">
+                <a16:creationId xmlns:a16="http://schemas.microsoft.com/office/drawing/2014/main" id="{C7ACEB7B-8BAF-266B-3821-D62621499E22}"/>
+              </a:ext>
+            </a:extLst>
+          </p:cNvPr>
           <p:cNvSpPr/>
           <p:nvPr/>
         </p:nvSpPr>
         <p:spPr>
           <a:xfrm>
-            <a:off x="793790" y="6283643"/>
-            <a:ext cx="510302" cy="510302"/>
+            <a:off x="661492" y="5236369"/>
+            <a:ext cx="425252" cy="425252"/>
           </a:xfrm>
           <a:prstGeom prst="roundRect">
             <a:avLst>
@@ -3093,20 +5059,26 @@
           <a:bodyPr/>
           <a:lstStyle/>
           <a:p>
-            <a:endParaRPr lang="ko-KR" altLang="en-US"/>
-          </a:p>
-        </p:txBody>
-      </p:sp>
-      <p:sp>
-        <p:nvSpPr>
-          <p:cNvPr id="11" name="Text 8"/>
+            <a:endParaRPr lang="ko-KR" altLang="en-US" sz="1500"/>
+          </a:p>
+        </p:txBody>
+      </p:sp>
+      <p:sp>
+        <p:nvSpPr>
+          <p:cNvPr id="13" name="Text 8">
+            <a:extLst>
+              <a:ext uri="{FF2B5EF4-FFF2-40B4-BE49-F238E27FC236}">
+                <a16:creationId xmlns:a16="http://schemas.microsoft.com/office/drawing/2014/main" id="{0A2B5D88-7679-4E11-C218-2FA7F6F9AD2B}"/>
+              </a:ext>
+            </a:extLst>
+          </p:cNvPr>
           <p:cNvSpPr/>
           <p:nvPr/>
         </p:nvSpPr>
         <p:spPr>
           <a:xfrm>
-            <a:off x="1530906" y="6361509"/>
-            <a:ext cx="2835235" cy="354330"/>
+            <a:off x="1275755" y="5301258"/>
+            <a:ext cx="2362696" cy="295275"/>
           </a:xfrm>
           <a:prstGeom prst="rect">
             <a:avLst/>
@@ -3118,14 +5090,13 @@
           <a:bodyPr wrap="none" lIns="0" tIns="0" rIns="0" bIns="0" rtlCol="0" anchor="t"/>
           <a:lstStyle/>
           <a:p>
-            <a:pPr marL="0" indent="0" algn="l">
+            <a:pPr>
               <a:lnSpc>
-                <a:spcPts val="2750"/>
+                <a:spcPts val="2292"/>
               </a:lnSpc>
-              <a:buNone/>
             </a:pPr>
             <a:r>
-              <a:rPr lang="en-US" sz="2200" dirty="0">
+              <a:rPr lang="en-US" sz="1833" dirty="0">
                 <a:solidFill>
                   <a:srgbClr val="161613"/>
                 </a:solidFill>
@@ -3135,20 +5106,26 @@
               </a:rPr>
               <a:t>게시판 목록</a:t>
             </a:r>
-            <a:endParaRPr lang="en-US" sz="2200" dirty="0"/>
-          </a:p>
-        </p:txBody>
-      </p:sp>
-      <p:sp>
-        <p:nvSpPr>
-          <p:cNvPr id="12" name="Text 9"/>
+            <a:endParaRPr lang="en-US" sz="1833" dirty="0"/>
+          </a:p>
+        </p:txBody>
+      </p:sp>
+      <p:sp>
+        <p:nvSpPr>
+          <p:cNvPr id="14" name="Text 9">
+            <a:extLst>
+              <a:ext uri="{FF2B5EF4-FFF2-40B4-BE49-F238E27FC236}">
+                <a16:creationId xmlns:a16="http://schemas.microsoft.com/office/drawing/2014/main" id="{17F50997-DB92-F48B-ABBA-0AC4EF29C3AE}"/>
+              </a:ext>
+            </a:extLst>
+          </p:cNvPr>
           <p:cNvSpPr/>
           <p:nvPr/>
         </p:nvSpPr>
         <p:spPr>
           <a:xfrm>
-            <a:off x="1530906" y="6851928"/>
-            <a:ext cx="5642610" cy="362903"/>
+            <a:off x="1275755" y="5709941"/>
+            <a:ext cx="4702175" cy="302419"/>
           </a:xfrm>
           <a:prstGeom prst="rect">
             <a:avLst/>
@@ -3160,14 +5137,13 @@
           <a:bodyPr wrap="none" lIns="0" tIns="0" rIns="0" bIns="0" rtlCol="0" anchor="t"/>
           <a:lstStyle/>
           <a:p>
-            <a:pPr marL="0" indent="0" algn="l">
+            <a:pPr>
               <a:lnSpc>
-                <a:spcPts val="2850"/>
+                <a:spcPts val="2375"/>
               </a:lnSpc>
-              <a:buNone/>
             </a:pPr>
             <a:r>
-              <a:rPr lang="en-US" sz="1750" dirty="0">
+              <a:rPr lang="en-US" sz="1458" dirty="0">
                 <a:solidFill>
                   <a:srgbClr val="161613"/>
                 </a:solidFill>
@@ -3177,20 +5153,26 @@
               </a:rPr>
               <a:t>샘플 게시글 테이블 UI 출력</a:t>
             </a:r>
-            <a:endParaRPr lang="en-US" sz="1750" dirty="0"/>
-          </a:p>
-        </p:txBody>
-      </p:sp>
-      <p:sp>
-        <p:nvSpPr>
-          <p:cNvPr id="13" name="Shape 10"/>
+            <a:endParaRPr lang="en-US" sz="1458" dirty="0"/>
+          </a:p>
+        </p:txBody>
+      </p:sp>
+      <p:sp>
+        <p:nvSpPr>
+          <p:cNvPr id="15" name="Shape 10">
+            <a:extLst>
+              <a:ext uri="{FF2B5EF4-FFF2-40B4-BE49-F238E27FC236}">
+                <a16:creationId xmlns:a16="http://schemas.microsoft.com/office/drawing/2014/main" id="{7F24E18E-41CE-0597-4EB7-B5BBD87CEE17}"/>
+              </a:ext>
+            </a:extLst>
+          </p:cNvPr>
           <p:cNvSpPr/>
           <p:nvPr/>
         </p:nvSpPr>
         <p:spPr>
           <a:xfrm>
-            <a:off x="7457003" y="6283643"/>
-            <a:ext cx="510302" cy="510302"/>
+            <a:off x="6214169" y="5236369"/>
+            <a:ext cx="425252" cy="425252"/>
           </a:xfrm>
           <a:prstGeom prst="roundRect">
             <a:avLst>
@@ -3206,20 +5188,26 @@
           <a:bodyPr/>
           <a:lstStyle/>
           <a:p>
-            <a:endParaRPr lang="ko-KR" altLang="en-US"/>
-          </a:p>
-        </p:txBody>
-      </p:sp>
-      <p:sp>
-        <p:nvSpPr>
-          <p:cNvPr id="14" name="Text 11"/>
+            <a:endParaRPr lang="ko-KR" altLang="en-US" sz="1500"/>
+          </a:p>
+        </p:txBody>
+      </p:sp>
+      <p:sp>
+        <p:nvSpPr>
+          <p:cNvPr id="16" name="Text 11">
+            <a:extLst>
+              <a:ext uri="{FF2B5EF4-FFF2-40B4-BE49-F238E27FC236}">
+                <a16:creationId xmlns:a16="http://schemas.microsoft.com/office/drawing/2014/main" id="{3A3106DB-B7CE-E4EF-2380-36197F6D83DE}"/>
+              </a:ext>
+            </a:extLst>
+          </p:cNvPr>
           <p:cNvSpPr/>
           <p:nvPr/>
         </p:nvSpPr>
         <p:spPr>
           <a:xfrm>
-            <a:off x="8194119" y="6361509"/>
-            <a:ext cx="2835235" cy="354330"/>
+            <a:off x="6828433" y="5301258"/>
+            <a:ext cx="2362696" cy="295275"/>
           </a:xfrm>
           <a:prstGeom prst="rect">
             <a:avLst/>
@@ -3231,14 +5219,13 @@
           <a:bodyPr wrap="none" lIns="0" tIns="0" rIns="0" bIns="0" rtlCol="0" anchor="t"/>
           <a:lstStyle/>
           <a:p>
-            <a:pPr marL="0" indent="0" algn="l">
+            <a:pPr>
               <a:lnSpc>
-                <a:spcPts val="2750"/>
+                <a:spcPts val="2292"/>
               </a:lnSpc>
-              <a:buNone/>
             </a:pPr>
             <a:r>
-              <a:rPr lang="en-US" sz="2200" dirty="0">
+              <a:rPr lang="en-US" sz="1833" dirty="0">
                 <a:solidFill>
                   <a:srgbClr val="161613"/>
                 </a:solidFill>
@@ -3248,20 +5235,26 @@
               </a:rPr>
               <a:t>로그아웃 처리</a:t>
             </a:r>
-            <a:endParaRPr lang="en-US" sz="2200" dirty="0"/>
-          </a:p>
-        </p:txBody>
-      </p:sp>
-      <p:sp>
-        <p:nvSpPr>
-          <p:cNvPr id="15" name="Text 12"/>
+            <a:endParaRPr lang="en-US" sz="1833" dirty="0"/>
+          </a:p>
+        </p:txBody>
+      </p:sp>
+      <p:sp>
+        <p:nvSpPr>
+          <p:cNvPr id="17" name="Text 12">
+            <a:extLst>
+              <a:ext uri="{FF2B5EF4-FFF2-40B4-BE49-F238E27FC236}">
+                <a16:creationId xmlns:a16="http://schemas.microsoft.com/office/drawing/2014/main" id="{B9EB0078-FB57-A138-3EFA-AA87A2A655E3}"/>
+              </a:ext>
+            </a:extLst>
+          </p:cNvPr>
           <p:cNvSpPr/>
           <p:nvPr/>
         </p:nvSpPr>
         <p:spPr>
           <a:xfrm>
-            <a:off x="8194119" y="6851928"/>
-            <a:ext cx="5642610" cy="362903"/>
+            <a:off x="6828433" y="5709941"/>
+            <a:ext cx="4702175" cy="302419"/>
           </a:xfrm>
           <a:prstGeom prst="rect">
             <a:avLst/>
@@ -3273,14 +5266,13 @@
           <a:bodyPr wrap="none" lIns="0" tIns="0" rIns="0" bIns="0" rtlCol="0" anchor="t"/>
           <a:lstStyle/>
           <a:p>
-            <a:pPr marL="0" indent="0" algn="l">
+            <a:pPr>
               <a:lnSpc>
-                <a:spcPts val="2850"/>
+                <a:spcPts val="2375"/>
               </a:lnSpc>
-              <a:buNone/>
             </a:pPr>
             <a:r>
-              <a:rPr lang="en-US" sz="1750" dirty="0">
+              <a:rPr lang="en-US" sz="1458" dirty="0">
                 <a:solidFill>
                   <a:srgbClr val="161613"/>
                 </a:solidFill>
@@ -3290,11 +5282,16 @@
               </a:rPr>
               <a:t>세션 종료 후 로그인 화면 이동</a:t>
             </a:r>
-            <a:endParaRPr lang="en-US" sz="1750" dirty="0"/>
+            <a:endParaRPr lang="en-US" sz="1458" dirty="0"/>
           </a:p>
         </p:txBody>
       </p:sp>
     </p:spTree>
+    <p:extLst>
+      <p:ext uri="{BB962C8B-B14F-4D97-AF65-F5344CB8AC3E}">
+        <p14:creationId xmlns:p14="http://schemas.microsoft.com/office/powerpoint/2010/main" val="1003217372"/>
+      </p:ext>
+    </p:extLst>
   </p:cSld>
   <p:clrMapOvr>
     <a:masterClrMapping/>
@@ -3304,10 +5301,16 @@
 
 <file path=ppt/slides/slide4.xml><?xml version="1.0" encoding="utf-8"?>
 <p:sld xmlns:a="http://schemas.openxmlformats.org/drawingml/2006/main" xmlns:r="http://schemas.openxmlformats.org/officeDocument/2006/relationships" xmlns:p="http://schemas.openxmlformats.org/presentationml/2006/main">
-  <p:cSld name="Slide 4">
+  <p:cSld>
     <p:spTree>
       <p:nvGrpSpPr>
-        <p:cNvPr id="1" name=""/>
+        <p:cNvPr id="1" name="">
+          <a:extLst>
+            <a:ext uri="{FF2B5EF4-FFF2-40B4-BE49-F238E27FC236}">
+              <a16:creationId xmlns:a16="http://schemas.microsoft.com/office/drawing/2014/main" id="{3BF7CCA9-5E21-2C4B-63CE-44FCFD5996AB}"/>
+            </a:ext>
+          </a:extLst>
+        </p:cNvPr>
         <p:cNvGrpSpPr/>
         <p:nvPr/>
       </p:nvGrpSpPr>
@@ -3321,14 +5324,20 @@
       </p:grpSpPr>
       <p:sp>
         <p:nvSpPr>
-          <p:cNvPr id="2" name="Text 0"/>
+          <p:cNvPr id="2" name="Text 0">
+            <a:extLst>
+              <a:ext uri="{FF2B5EF4-FFF2-40B4-BE49-F238E27FC236}">
+                <a16:creationId xmlns:a16="http://schemas.microsoft.com/office/drawing/2014/main" id="{40D69DB7-5240-2C97-963E-1AAEA7A59818}"/>
+              </a:ext>
+            </a:extLst>
+          </p:cNvPr>
           <p:cNvSpPr/>
           <p:nvPr/>
         </p:nvSpPr>
         <p:spPr>
           <a:xfrm>
-            <a:off x="793790" y="2416612"/>
-            <a:ext cx="6453902" cy="708779"/>
+            <a:off x="661492" y="2013844"/>
+            <a:ext cx="5378252" cy="590649"/>
           </a:xfrm>
           <a:prstGeom prst="rect">
             <a:avLst/>
@@ -3340,14 +5349,13 @@
           <a:bodyPr wrap="none" lIns="0" tIns="0" rIns="0" bIns="0" rtlCol="0" anchor="t"/>
           <a:lstStyle/>
           <a:p>
-            <a:pPr marL="0" indent="0" algn="l">
+            <a:pPr>
               <a:lnSpc>
-                <a:spcPts val="5550"/>
+                <a:spcPts val="4625"/>
               </a:lnSpc>
-              <a:buNone/>
             </a:pPr>
             <a:r>
-              <a:rPr lang="en-US" sz="4450" dirty="0">
+              <a:rPr lang="en-US" sz="3708" dirty="0">
                 <a:solidFill>
                   <a:srgbClr val="161613"/>
                 </a:solidFill>
@@ -3357,20 +5365,26 @@
               </a:rPr>
               <a:t>현재 흐름 구조 (MVC 패턴)</a:t>
             </a:r>
-            <a:endParaRPr lang="en-US" sz="4450" dirty="0"/>
-          </a:p>
-        </p:txBody>
-      </p:sp>
-      <p:sp>
-        <p:nvSpPr>
-          <p:cNvPr id="3" name="Text 1"/>
+            <a:endParaRPr lang="en-US" sz="3708" dirty="0"/>
+          </a:p>
+        </p:txBody>
+      </p:sp>
+      <p:sp>
+        <p:nvSpPr>
+          <p:cNvPr id="3" name="Text 1">
+            <a:extLst>
+              <a:ext uri="{FF2B5EF4-FFF2-40B4-BE49-F238E27FC236}">
+                <a16:creationId xmlns:a16="http://schemas.microsoft.com/office/drawing/2014/main" id="{B9CA32B5-90A4-5AB7-69A2-7BB3CD89547B}"/>
+              </a:ext>
+            </a:extLst>
+          </p:cNvPr>
           <p:cNvSpPr/>
           <p:nvPr/>
         </p:nvSpPr>
         <p:spPr>
           <a:xfrm>
-            <a:off x="793790" y="3692366"/>
-            <a:ext cx="2835235" cy="354330"/>
+            <a:off x="661492" y="3076972"/>
+            <a:ext cx="2362696" cy="295275"/>
           </a:xfrm>
           <a:prstGeom prst="rect">
             <a:avLst/>
@@ -3382,14 +5396,13 @@
           <a:bodyPr wrap="none" lIns="0" tIns="0" rIns="0" bIns="0" rtlCol="0" anchor="t"/>
           <a:lstStyle/>
           <a:p>
-            <a:pPr marL="0" indent="0" algn="l">
+            <a:pPr>
               <a:lnSpc>
-                <a:spcPts val="2750"/>
+                <a:spcPts val="2292"/>
               </a:lnSpc>
-              <a:buNone/>
             </a:pPr>
             <a:r>
-              <a:rPr lang="en-US" sz="2200" dirty="0">
+              <a:rPr lang="en-US" sz="1833" dirty="0">
                 <a:solidFill>
                   <a:srgbClr val="161613"/>
                 </a:solidFill>
@@ -3399,20 +5412,26 @@
               </a:rPr>
               <a:t>브라우저</a:t>
             </a:r>
-            <a:endParaRPr lang="en-US" sz="2200" dirty="0"/>
-          </a:p>
-        </p:txBody>
-      </p:sp>
-      <p:sp>
-        <p:nvSpPr>
-          <p:cNvPr id="4" name="Text 2"/>
+            <a:endParaRPr lang="en-US" sz="1833" dirty="0"/>
+          </a:p>
+        </p:txBody>
+      </p:sp>
+      <p:sp>
+        <p:nvSpPr>
+          <p:cNvPr id="4" name="Text 2">
+            <a:extLst>
+              <a:ext uri="{FF2B5EF4-FFF2-40B4-BE49-F238E27FC236}">
+                <a16:creationId xmlns:a16="http://schemas.microsoft.com/office/drawing/2014/main" id="{B9EB48F7-AA2D-A419-7BCF-B789C4D1C30B}"/>
+              </a:ext>
+            </a:extLst>
+          </p:cNvPr>
           <p:cNvSpPr/>
           <p:nvPr/>
         </p:nvSpPr>
         <p:spPr>
           <a:xfrm>
-            <a:off x="793790" y="4273510"/>
-            <a:ext cx="2845594" cy="362903"/>
+            <a:off x="661492" y="3561259"/>
+            <a:ext cx="2371328" cy="302419"/>
           </a:xfrm>
           <a:prstGeom prst="rect">
             <a:avLst/>
@@ -3424,14 +5443,13 @@
           <a:bodyPr wrap="none" lIns="0" tIns="0" rIns="0" bIns="0" rtlCol="0" anchor="t"/>
           <a:lstStyle/>
           <a:p>
-            <a:pPr marL="0" indent="0" algn="l">
+            <a:pPr>
               <a:lnSpc>
-                <a:spcPts val="2850"/>
+                <a:spcPts val="2375"/>
               </a:lnSpc>
-              <a:buNone/>
             </a:pPr>
             <a:r>
-              <a:rPr lang="en-US" sz="1750" dirty="0">
+              <a:rPr lang="en-US" sz="1458" dirty="0">
                 <a:solidFill>
                   <a:srgbClr val="161613"/>
                 </a:solidFill>
@@ -3441,20 +5459,26 @@
               </a:rPr>
               <a:t>사용자 입력</a:t>
             </a:r>
-            <a:endParaRPr lang="en-US" sz="1750" dirty="0"/>
-          </a:p>
-        </p:txBody>
-      </p:sp>
-      <p:sp>
-        <p:nvSpPr>
-          <p:cNvPr id="5" name="Text 3"/>
+            <a:endParaRPr lang="en-US" sz="1458" dirty="0"/>
+          </a:p>
+        </p:txBody>
+      </p:sp>
+      <p:sp>
+        <p:nvSpPr>
+          <p:cNvPr id="5" name="Text 3">
+            <a:extLst>
+              <a:ext uri="{FF2B5EF4-FFF2-40B4-BE49-F238E27FC236}">
+                <a16:creationId xmlns:a16="http://schemas.microsoft.com/office/drawing/2014/main" id="{384A27A5-EE90-886A-8916-B77A764DCE6B}"/>
+              </a:ext>
+            </a:extLst>
+          </p:cNvPr>
           <p:cNvSpPr/>
           <p:nvPr/>
         </p:nvSpPr>
         <p:spPr>
           <a:xfrm>
-            <a:off x="4200406" y="3692366"/>
-            <a:ext cx="2835235" cy="354330"/>
+            <a:off x="3500339" y="3076972"/>
+            <a:ext cx="2362696" cy="295275"/>
           </a:xfrm>
           <a:prstGeom prst="rect">
             <a:avLst/>
@@ -3466,14 +5490,13 @@
           <a:bodyPr wrap="none" lIns="0" tIns="0" rIns="0" bIns="0" rtlCol="0" anchor="t"/>
           <a:lstStyle/>
           <a:p>
-            <a:pPr marL="0" indent="0" algn="l">
+            <a:pPr>
               <a:lnSpc>
-                <a:spcPts val="2750"/>
+                <a:spcPts val="2292"/>
               </a:lnSpc>
-              <a:buNone/>
             </a:pPr>
             <a:r>
-              <a:rPr lang="en-US" sz="2200" dirty="0">
+              <a:rPr lang="en-US" sz="1833" dirty="0">
                 <a:solidFill>
                   <a:srgbClr val="161613"/>
                 </a:solidFill>
@@ -3483,20 +5506,26 @@
               </a:rPr>
               <a:t>View (login.jsp)</a:t>
             </a:r>
-            <a:endParaRPr lang="en-US" sz="2200" dirty="0"/>
-          </a:p>
-        </p:txBody>
-      </p:sp>
-      <p:sp>
-        <p:nvSpPr>
-          <p:cNvPr id="6" name="Text 4"/>
+            <a:endParaRPr lang="en-US" sz="1833" dirty="0"/>
+          </a:p>
+        </p:txBody>
+      </p:sp>
+      <p:sp>
+        <p:nvSpPr>
+          <p:cNvPr id="6" name="Text 4">
+            <a:extLst>
+              <a:ext uri="{FF2B5EF4-FFF2-40B4-BE49-F238E27FC236}">
+                <a16:creationId xmlns:a16="http://schemas.microsoft.com/office/drawing/2014/main" id="{2F5FC4B8-1A88-2F6F-3DD0-C12809A26D50}"/>
+              </a:ext>
+            </a:extLst>
+          </p:cNvPr>
           <p:cNvSpPr/>
           <p:nvPr/>
         </p:nvSpPr>
         <p:spPr>
           <a:xfrm>
-            <a:off x="4200406" y="4273510"/>
-            <a:ext cx="2845594" cy="362903"/>
+            <a:off x="3500339" y="3561259"/>
+            <a:ext cx="2371328" cy="302419"/>
           </a:xfrm>
           <a:prstGeom prst="rect">
             <a:avLst/>
@@ -3508,14 +5537,13 @@
           <a:bodyPr wrap="none" lIns="0" tIns="0" rIns="0" bIns="0" rtlCol="0" anchor="t"/>
           <a:lstStyle/>
           <a:p>
-            <a:pPr marL="0" indent="0" algn="l">
+            <a:pPr>
               <a:lnSpc>
-                <a:spcPts val="2850"/>
+                <a:spcPts val="2375"/>
               </a:lnSpc>
-              <a:buNone/>
             </a:pPr>
             <a:r>
-              <a:rPr lang="en-US" sz="1750" dirty="0">
+              <a:rPr lang="en-US" sz="1458" dirty="0">
                 <a:solidFill>
                   <a:srgbClr val="161613"/>
                 </a:solidFill>
@@ -3525,20 +5553,26 @@
               </a:rPr>
               <a:t>입력 폼 화면 제공</a:t>
             </a:r>
-            <a:endParaRPr lang="en-US" sz="1750" dirty="0"/>
-          </a:p>
-        </p:txBody>
-      </p:sp>
-      <p:sp>
-        <p:nvSpPr>
-          <p:cNvPr id="7" name="Text 5"/>
+            <a:endParaRPr lang="en-US" sz="1458" dirty="0"/>
+          </a:p>
+        </p:txBody>
+      </p:sp>
+      <p:sp>
+        <p:nvSpPr>
+          <p:cNvPr id="7" name="Text 5">
+            <a:extLst>
+              <a:ext uri="{FF2B5EF4-FFF2-40B4-BE49-F238E27FC236}">
+                <a16:creationId xmlns:a16="http://schemas.microsoft.com/office/drawing/2014/main" id="{8BA9AE99-635E-B4DE-A438-39661F59289E}"/>
+              </a:ext>
+            </a:extLst>
+          </p:cNvPr>
           <p:cNvSpPr/>
           <p:nvPr/>
         </p:nvSpPr>
         <p:spPr>
           <a:xfrm>
-            <a:off x="7607022" y="3692366"/>
-            <a:ext cx="2845594" cy="708660"/>
+            <a:off x="6339185" y="3076972"/>
+            <a:ext cx="2371328" cy="590550"/>
           </a:xfrm>
           <a:prstGeom prst="rect">
             <a:avLst/>
@@ -3550,14 +5584,13 @@
           <a:bodyPr wrap="square" lIns="0" tIns="0" rIns="0" bIns="0" rtlCol="0" anchor="t"/>
           <a:lstStyle/>
           <a:p>
-            <a:pPr marL="0" indent="0" algn="l">
+            <a:pPr>
               <a:lnSpc>
-                <a:spcPts val="2750"/>
+                <a:spcPts val="2292"/>
               </a:lnSpc>
-              <a:buNone/>
             </a:pPr>
             <a:r>
-              <a:rPr lang="en-US" sz="2200" dirty="0">
+              <a:rPr lang="en-US" sz="1833" dirty="0">
                 <a:solidFill>
                   <a:srgbClr val="161613"/>
                 </a:solidFill>
@@ -3567,20 +5600,26 @@
               </a:rPr>
               <a:t>Controller (LoginServlet)</a:t>
             </a:r>
-            <a:endParaRPr lang="en-US" sz="2200" dirty="0"/>
-          </a:p>
-        </p:txBody>
-      </p:sp>
-      <p:sp>
-        <p:nvSpPr>
-          <p:cNvPr id="8" name="Text 6"/>
+            <a:endParaRPr lang="en-US" sz="1833" dirty="0"/>
+          </a:p>
+        </p:txBody>
+      </p:sp>
+      <p:sp>
+        <p:nvSpPr>
+          <p:cNvPr id="8" name="Text 6">
+            <a:extLst>
+              <a:ext uri="{FF2B5EF4-FFF2-40B4-BE49-F238E27FC236}">
+                <a16:creationId xmlns:a16="http://schemas.microsoft.com/office/drawing/2014/main" id="{F9CBC74F-6F6A-D4F5-FB25-986E6FA04C48}"/>
+              </a:ext>
+            </a:extLst>
+          </p:cNvPr>
           <p:cNvSpPr/>
           <p:nvPr/>
         </p:nvSpPr>
         <p:spPr>
           <a:xfrm>
-            <a:off x="7607022" y="4627840"/>
-            <a:ext cx="2845594" cy="362903"/>
+            <a:off x="6339185" y="3856534"/>
+            <a:ext cx="2371328" cy="302419"/>
           </a:xfrm>
           <a:prstGeom prst="rect">
             <a:avLst/>
@@ -3592,14 +5631,13 @@
           <a:bodyPr wrap="none" lIns="0" tIns="0" rIns="0" bIns="0" rtlCol="0" anchor="t"/>
           <a:lstStyle/>
           <a:p>
-            <a:pPr marL="0" indent="0" algn="l">
+            <a:pPr>
               <a:lnSpc>
-                <a:spcPts val="2850"/>
+                <a:spcPts val="2375"/>
               </a:lnSpc>
-              <a:buNone/>
             </a:pPr>
             <a:r>
-              <a:rPr lang="en-US" sz="1750" dirty="0">
+              <a:rPr lang="en-US" sz="1458" dirty="0">
                 <a:solidFill>
                   <a:srgbClr val="161613"/>
                 </a:solidFill>
@@ -3609,20 +5647,26 @@
               </a:rPr>
               <a:t>입력 데이터 검증 및 처리</a:t>
             </a:r>
-            <a:endParaRPr lang="en-US" sz="1750" dirty="0"/>
-          </a:p>
-        </p:txBody>
-      </p:sp>
-      <p:sp>
-        <p:nvSpPr>
-          <p:cNvPr id="9" name="Text 7"/>
+            <a:endParaRPr lang="en-US" sz="1458" dirty="0"/>
+          </a:p>
+        </p:txBody>
+      </p:sp>
+      <p:sp>
+        <p:nvSpPr>
+          <p:cNvPr id="9" name="Text 7">
+            <a:extLst>
+              <a:ext uri="{FF2B5EF4-FFF2-40B4-BE49-F238E27FC236}">
+                <a16:creationId xmlns:a16="http://schemas.microsoft.com/office/drawing/2014/main" id="{E21979ED-E718-2282-B9F9-5DDF21FB7BBD}"/>
+              </a:ext>
+            </a:extLst>
+          </p:cNvPr>
           <p:cNvSpPr/>
           <p:nvPr/>
         </p:nvSpPr>
         <p:spPr>
           <a:xfrm>
-            <a:off x="11013638" y="3692366"/>
-            <a:ext cx="2835235" cy="354330"/>
+            <a:off x="9178032" y="3076972"/>
+            <a:ext cx="2362696" cy="295275"/>
           </a:xfrm>
           <a:prstGeom prst="rect">
             <a:avLst/>
@@ -3634,14 +5678,13 @@
           <a:bodyPr wrap="none" lIns="0" tIns="0" rIns="0" bIns="0" rtlCol="0" anchor="t"/>
           <a:lstStyle/>
           <a:p>
-            <a:pPr marL="0" indent="0" algn="l">
+            <a:pPr>
               <a:lnSpc>
-                <a:spcPts val="2750"/>
+                <a:spcPts val="2292"/>
               </a:lnSpc>
-              <a:buNone/>
             </a:pPr>
             <a:r>
-              <a:rPr lang="en-US" sz="2200" dirty="0">
+              <a:rPr lang="en-US" sz="1833" dirty="0">
                 <a:solidFill>
                   <a:srgbClr val="161613"/>
                 </a:solidFill>
@@ -3651,20 +5694,26 @@
               </a:rPr>
               <a:t>View (boardList.jsp)</a:t>
             </a:r>
-            <a:endParaRPr lang="en-US" sz="2200" dirty="0"/>
-          </a:p>
-        </p:txBody>
-      </p:sp>
-      <p:sp>
-        <p:nvSpPr>
-          <p:cNvPr id="10" name="Text 8"/>
+            <a:endParaRPr lang="en-US" sz="1833" dirty="0"/>
+          </a:p>
+        </p:txBody>
+      </p:sp>
+      <p:sp>
+        <p:nvSpPr>
+          <p:cNvPr id="10" name="Text 8">
+            <a:extLst>
+              <a:ext uri="{FF2B5EF4-FFF2-40B4-BE49-F238E27FC236}">
+                <a16:creationId xmlns:a16="http://schemas.microsoft.com/office/drawing/2014/main" id="{A8FBC7A1-B033-EDED-694A-475CCD4B27FE}"/>
+              </a:ext>
+            </a:extLst>
+          </p:cNvPr>
           <p:cNvSpPr/>
           <p:nvPr/>
         </p:nvSpPr>
         <p:spPr>
           <a:xfrm>
-            <a:off x="11013638" y="4273510"/>
-            <a:ext cx="2845594" cy="362903"/>
+            <a:off x="9178032" y="3561259"/>
+            <a:ext cx="2371328" cy="302419"/>
           </a:xfrm>
           <a:prstGeom prst="rect">
             <a:avLst/>
@@ -3676,14 +5725,13 @@
           <a:bodyPr wrap="none" lIns="0" tIns="0" rIns="0" bIns="0" rtlCol="0" anchor="t"/>
           <a:lstStyle/>
           <a:p>
-            <a:pPr marL="0" indent="0" algn="l">
+            <a:pPr>
               <a:lnSpc>
-                <a:spcPts val="2850"/>
+                <a:spcPts val="2375"/>
               </a:lnSpc>
-              <a:buNone/>
             </a:pPr>
             <a:r>
-              <a:rPr lang="en-US" sz="1750" dirty="0">
+              <a:rPr lang="en-US" sz="1458" dirty="0">
                 <a:solidFill>
                   <a:srgbClr val="161613"/>
                 </a:solidFill>
@@ -3693,20 +5741,26 @@
               </a:rPr>
               <a:t>게시판 목록 출력</a:t>
             </a:r>
-            <a:endParaRPr lang="en-US" sz="1750" dirty="0"/>
-          </a:p>
-        </p:txBody>
-      </p:sp>
-      <p:sp>
-        <p:nvSpPr>
-          <p:cNvPr id="11" name="Text 9"/>
+            <a:endParaRPr lang="en-US" sz="1458" dirty="0"/>
+          </a:p>
+        </p:txBody>
+      </p:sp>
+      <p:sp>
+        <p:nvSpPr>
+          <p:cNvPr id="11" name="Text 9">
+            <a:extLst>
+              <a:ext uri="{FF2B5EF4-FFF2-40B4-BE49-F238E27FC236}">
+                <a16:creationId xmlns:a16="http://schemas.microsoft.com/office/drawing/2014/main" id="{5A6EF30C-68AC-9BCE-41B1-71D52183EA6D}"/>
+              </a:ext>
+            </a:extLst>
+          </p:cNvPr>
           <p:cNvSpPr/>
           <p:nvPr/>
         </p:nvSpPr>
         <p:spPr>
           <a:xfrm>
-            <a:off x="793790" y="5449967"/>
-            <a:ext cx="13042821" cy="362903"/>
+            <a:off x="661492" y="4541640"/>
+            <a:ext cx="10869018" cy="302419"/>
           </a:xfrm>
           <a:prstGeom prst="rect">
             <a:avLst/>
@@ -3718,14 +5772,13 @@
           <a:bodyPr wrap="none" lIns="0" tIns="0" rIns="0" bIns="0" rtlCol="0" anchor="t"/>
           <a:lstStyle/>
           <a:p>
-            <a:pPr marL="0" indent="0" algn="l">
+            <a:pPr>
               <a:lnSpc>
-                <a:spcPts val="2850"/>
+                <a:spcPts val="2375"/>
               </a:lnSpc>
-              <a:buNone/>
             </a:pPr>
             <a:r>
-              <a:rPr lang="en-US" sz="1750" b="1" dirty="0">
+              <a:rPr lang="en-US" sz="1458" b="1" dirty="0">
                 <a:solidFill>
                   <a:srgbClr val="161613"/>
                 </a:solidFill>
@@ -3736,7 +5789,7 @@
               <a:t>로그아웃:</a:t>
             </a:r>
             <a:r>
-              <a:rPr lang="en-US" sz="1750" dirty="0">
+              <a:rPr lang="en-US" sz="1458" dirty="0">
                 <a:solidFill>
                   <a:srgbClr val="161613"/>
                 </a:solidFill>
@@ -3746,11 +5799,16 @@
               </a:rPr>
               <a:t> LogoutServlet → 세션 무효화 → login.jsp</a:t>
             </a:r>
-            <a:endParaRPr lang="en-US" sz="1750" dirty="0"/>
+            <a:endParaRPr lang="en-US" sz="1458" dirty="0"/>
           </a:p>
         </p:txBody>
       </p:sp>
     </p:spTree>
+    <p:extLst>
+      <p:ext uri="{BB962C8B-B14F-4D97-AF65-F5344CB8AC3E}">
+        <p14:creationId xmlns:p14="http://schemas.microsoft.com/office/powerpoint/2010/main" val="655410113"/>
+      </p:ext>
+    </p:extLst>
   </p:cSld>
   <p:clrMapOvr>
     <a:masterClrMapping/>
@@ -3760,10 +5818,16 @@
 
 <file path=ppt/slides/slide5.xml><?xml version="1.0" encoding="utf-8"?>
 <p:sld xmlns:a="http://schemas.openxmlformats.org/drawingml/2006/main" xmlns:r="http://schemas.openxmlformats.org/officeDocument/2006/relationships" xmlns:p="http://schemas.openxmlformats.org/presentationml/2006/main">
-  <p:cSld name="Slide 5">
+  <p:cSld>
     <p:spTree>
       <p:nvGrpSpPr>
-        <p:cNvPr id="1" name=""/>
+        <p:cNvPr id="1" name="">
+          <a:extLst>
+            <a:ext uri="{FF2B5EF4-FFF2-40B4-BE49-F238E27FC236}">
+              <a16:creationId xmlns:a16="http://schemas.microsoft.com/office/drawing/2014/main" id="{E14523DB-CCF6-6051-DA72-985BDEB69AD9}"/>
+            </a:ext>
+          </a:extLst>
+        </p:cNvPr>
         <p:cNvGrpSpPr/>
         <p:nvPr/>
       </p:nvGrpSpPr>
@@ -3777,14 +5841,20 @@
       </p:grpSpPr>
       <p:sp>
         <p:nvSpPr>
-          <p:cNvPr id="2" name="Text 0"/>
+          <p:cNvPr id="2" name="Text 0">
+            <a:extLst>
+              <a:ext uri="{FF2B5EF4-FFF2-40B4-BE49-F238E27FC236}">
+                <a16:creationId xmlns:a16="http://schemas.microsoft.com/office/drawing/2014/main" id="{6684BC1D-9954-7934-0B9B-A2E65EFDBA52}"/>
+              </a:ext>
+            </a:extLst>
+          </p:cNvPr>
           <p:cNvSpPr/>
           <p:nvPr/>
         </p:nvSpPr>
         <p:spPr>
           <a:xfrm>
-            <a:off x="793790" y="833199"/>
-            <a:ext cx="5670590" cy="708779"/>
+            <a:off x="661492" y="694333"/>
+            <a:ext cx="4725492" cy="590649"/>
           </a:xfrm>
           <a:prstGeom prst="rect">
             <a:avLst/>
@@ -3796,14 +5866,13 @@
           <a:bodyPr wrap="none" lIns="0" tIns="0" rIns="0" bIns="0" rtlCol="0" anchor="t"/>
           <a:lstStyle/>
           <a:p>
-            <a:pPr marL="0" indent="0" algn="l">
+            <a:pPr>
               <a:lnSpc>
-                <a:spcPts val="5550"/>
+                <a:spcPts val="4625"/>
               </a:lnSpc>
-              <a:buNone/>
             </a:pPr>
             <a:r>
-              <a:rPr lang="en-US" sz="4450" dirty="0">
+              <a:rPr lang="en-US" sz="3708" dirty="0">
                 <a:solidFill>
                   <a:srgbClr val="161613"/>
                 </a:solidFill>
@@ -3813,20 +5882,26 @@
               </a:rPr>
               <a:t>주요 파일 구조 및 역할</a:t>
             </a:r>
-            <a:endParaRPr lang="en-US" sz="4450" dirty="0"/>
-          </a:p>
-        </p:txBody>
-      </p:sp>
-      <p:sp>
-        <p:nvSpPr>
-          <p:cNvPr id="3" name="Shape 1"/>
+            <a:endParaRPr lang="en-US" sz="3708" dirty="0"/>
+          </a:p>
+        </p:txBody>
+      </p:sp>
+      <p:sp>
+        <p:nvSpPr>
+          <p:cNvPr id="3" name="Shape 1">
+            <a:extLst>
+              <a:ext uri="{FF2B5EF4-FFF2-40B4-BE49-F238E27FC236}">
+                <a16:creationId xmlns:a16="http://schemas.microsoft.com/office/drawing/2014/main" id="{C8C8A4A6-D3A1-9798-CE78-94D8C7ECF207}"/>
+              </a:ext>
+            </a:extLst>
+          </p:cNvPr>
           <p:cNvSpPr/>
           <p:nvPr/>
         </p:nvSpPr>
         <p:spPr>
           <a:xfrm>
-            <a:off x="793790" y="1995607"/>
-            <a:ext cx="170021" cy="853321"/>
+            <a:off x="661492" y="1663006"/>
+            <a:ext cx="141684" cy="711101"/>
           </a:xfrm>
           <a:prstGeom prst="roundRect">
             <a:avLst>
@@ -3842,20 +5917,26 @@
           <a:bodyPr/>
           <a:lstStyle/>
           <a:p>
-            <a:endParaRPr lang="ko-KR" altLang="en-US"/>
-          </a:p>
-        </p:txBody>
-      </p:sp>
-      <p:sp>
-        <p:nvSpPr>
-          <p:cNvPr id="4" name="Text 2"/>
+            <a:endParaRPr lang="ko-KR" altLang="en-US" sz="1500"/>
+          </a:p>
+        </p:txBody>
+      </p:sp>
+      <p:sp>
+        <p:nvSpPr>
+          <p:cNvPr id="4" name="Text 2">
+            <a:extLst>
+              <a:ext uri="{FF2B5EF4-FFF2-40B4-BE49-F238E27FC236}">
+                <a16:creationId xmlns:a16="http://schemas.microsoft.com/office/drawing/2014/main" id="{46B1043B-254C-891A-6484-873F891CD0FF}"/>
+              </a:ext>
+            </a:extLst>
+          </p:cNvPr>
           <p:cNvSpPr/>
           <p:nvPr/>
         </p:nvSpPr>
         <p:spPr>
           <a:xfrm>
-            <a:off x="1303973" y="1995607"/>
-            <a:ext cx="2835235" cy="354330"/>
+            <a:off x="1086645" y="1663006"/>
+            <a:ext cx="2362696" cy="295275"/>
           </a:xfrm>
           <a:prstGeom prst="rect">
             <a:avLst/>
@@ -3867,14 +5948,13 @@
           <a:bodyPr wrap="none" lIns="0" tIns="0" rIns="0" bIns="0" rtlCol="0" anchor="t"/>
           <a:lstStyle/>
           <a:p>
-            <a:pPr marL="0" indent="0" algn="l">
+            <a:pPr>
               <a:lnSpc>
-                <a:spcPts val="2750"/>
+                <a:spcPts val="2292"/>
               </a:lnSpc>
-              <a:buNone/>
             </a:pPr>
             <a:r>
-              <a:rPr lang="en-US" sz="2200" dirty="0">
+              <a:rPr lang="en-US" sz="1833" dirty="0">
                 <a:solidFill>
                   <a:srgbClr val="161613"/>
                 </a:solidFill>
@@ -3884,20 +5964,26 @@
               </a:rPr>
               <a:t>login.jsp</a:t>
             </a:r>
-            <a:endParaRPr lang="en-US" sz="2200" dirty="0"/>
-          </a:p>
-        </p:txBody>
-      </p:sp>
-      <p:sp>
-        <p:nvSpPr>
-          <p:cNvPr id="5" name="Text 3"/>
+            <a:endParaRPr lang="en-US" sz="1833" dirty="0"/>
+          </a:p>
+        </p:txBody>
+      </p:sp>
+      <p:sp>
+        <p:nvSpPr>
+          <p:cNvPr id="5" name="Text 3">
+            <a:extLst>
+              <a:ext uri="{FF2B5EF4-FFF2-40B4-BE49-F238E27FC236}">
+                <a16:creationId xmlns:a16="http://schemas.microsoft.com/office/drawing/2014/main" id="{97113E43-7261-CA16-2810-6B21EF3313B5}"/>
+              </a:ext>
+            </a:extLst>
+          </p:cNvPr>
           <p:cNvSpPr/>
           <p:nvPr/>
         </p:nvSpPr>
         <p:spPr>
           <a:xfrm>
-            <a:off x="1303973" y="2486025"/>
-            <a:ext cx="12532638" cy="362903"/>
+            <a:off x="1086644" y="2071688"/>
+            <a:ext cx="10443865" cy="302419"/>
           </a:xfrm>
           <a:prstGeom prst="rect">
             <a:avLst/>
@@ -3909,14 +5995,13 @@
           <a:bodyPr wrap="none" lIns="0" tIns="0" rIns="0" bIns="0" rtlCol="0" anchor="t"/>
           <a:lstStyle/>
           <a:p>
-            <a:pPr marL="0" indent="0" algn="l">
+            <a:pPr>
               <a:lnSpc>
-                <a:spcPts val="2850"/>
+                <a:spcPts val="2375"/>
               </a:lnSpc>
-              <a:buNone/>
             </a:pPr>
             <a:r>
-              <a:rPr lang="en-US" sz="1750" dirty="0">
+              <a:rPr lang="en-US" sz="1458" dirty="0">
                 <a:solidFill>
                   <a:srgbClr val="161613"/>
                 </a:solidFill>
@@ -3926,20 +6011,26 @@
               </a:rPr>
               <a:t>로그인 입력 폼 제공</a:t>
             </a:r>
-            <a:endParaRPr lang="en-US" sz="1750" dirty="0"/>
-          </a:p>
-        </p:txBody>
-      </p:sp>
-      <p:sp>
-        <p:nvSpPr>
-          <p:cNvPr id="6" name="Shape 4"/>
+            <a:endParaRPr lang="en-US" sz="1458" dirty="0"/>
+          </a:p>
+        </p:txBody>
+      </p:sp>
+      <p:sp>
+        <p:nvSpPr>
+          <p:cNvPr id="6" name="Shape 4">
+            <a:extLst>
+              <a:ext uri="{FF2B5EF4-FFF2-40B4-BE49-F238E27FC236}">
+                <a16:creationId xmlns:a16="http://schemas.microsoft.com/office/drawing/2014/main" id="{E8B3E9C8-C77D-5A06-C533-A9566D726A38}"/>
+              </a:ext>
+            </a:extLst>
+          </p:cNvPr>
           <p:cNvSpPr/>
           <p:nvPr/>
         </p:nvSpPr>
         <p:spPr>
           <a:xfrm>
-            <a:off x="1133951" y="3075742"/>
-            <a:ext cx="170021" cy="853321"/>
+            <a:off x="944960" y="2563119"/>
+            <a:ext cx="141684" cy="711101"/>
           </a:xfrm>
           <a:prstGeom prst="roundRect">
             <a:avLst>
@@ -3955,20 +6046,26 @@
           <a:bodyPr/>
           <a:lstStyle/>
           <a:p>
-            <a:endParaRPr lang="ko-KR" altLang="en-US"/>
-          </a:p>
-        </p:txBody>
-      </p:sp>
-      <p:sp>
-        <p:nvSpPr>
-          <p:cNvPr id="7" name="Text 5"/>
+            <a:endParaRPr lang="ko-KR" altLang="en-US" sz="1500"/>
+          </a:p>
+        </p:txBody>
+      </p:sp>
+      <p:sp>
+        <p:nvSpPr>
+          <p:cNvPr id="7" name="Text 5">
+            <a:extLst>
+              <a:ext uri="{FF2B5EF4-FFF2-40B4-BE49-F238E27FC236}">
+                <a16:creationId xmlns:a16="http://schemas.microsoft.com/office/drawing/2014/main" id="{4BBBEBCA-9496-6253-4B49-84E88C359D86}"/>
+              </a:ext>
+            </a:extLst>
+          </p:cNvPr>
           <p:cNvSpPr/>
           <p:nvPr/>
         </p:nvSpPr>
         <p:spPr>
           <a:xfrm>
-            <a:off x="1644134" y="3075742"/>
-            <a:ext cx="2835235" cy="354330"/>
+            <a:off x="1370112" y="2563118"/>
+            <a:ext cx="2362696" cy="295275"/>
           </a:xfrm>
           <a:prstGeom prst="rect">
             <a:avLst/>
@@ -3980,14 +6077,13 @@
           <a:bodyPr wrap="none" lIns="0" tIns="0" rIns="0" bIns="0" rtlCol="0" anchor="t"/>
           <a:lstStyle/>
           <a:p>
-            <a:pPr marL="0" indent="0" algn="l">
+            <a:pPr>
               <a:lnSpc>
-                <a:spcPts val="2750"/>
+                <a:spcPts val="2292"/>
               </a:lnSpc>
-              <a:buNone/>
             </a:pPr>
             <a:r>
-              <a:rPr lang="en-US" sz="2200" dirty="0">
+              <a:rPr lang="en-US" sz="1833" dirty="0">
                 <a:solidFill>
                   <a:srgbClr val="161613"/>
                 </a:solidFill>
@@ -3997,20 +6093,26 @@
               </a:rPr>
               <a:t>LoginServlet.java</a:t>
             </a:r>
-            <a:endParaRPr lang="en-US" sz="2200" dirty="0"/>
-          </a:p>
-        </p:txBody>
-      </p:sp>
-      <p:sp>
-        <p:nvSpPr>
-          <p:cNvPr id="8" name="Text 6"/>
+            <a:endParaRPr lang="en-US" sz="1833" dirty="0"/>
+          </a:p>
+        </p:txBody>
+      </p:sp>
+      <p:sp>
+        <p:nvSpPr>
+          <p:cNvPr id="8" name="Text 6">
+            <a:extLst>
+              <a:ext uri="{FF2B5EF4-FFF2-40B4-BE49-F238E27FC236}">
+                <a16:creationId xmlns:a16="http://schemas.microsoft.com/office/drawing/2014/main" id="{97913E65-C9D3-3415-E858-0B5A6B9D4B71}"/>
+              </a:ext>
+            </a:extLst>
+          </p:cNvPr>
           <p:cNvSpPr/>
           <p:nvPr/>
         </p:nvSpPr>
         <p:spPr>
           <a:xfrm>
-            <a:off x="1644134" y="3566160"/>
-            <a:ext cx="12192476" cy="362903"/>
+            <a:off x="1370112" y="2971801"/>
+            <a:ext cx="10160397" cy="302419"/>
           </a:xfrm>
           <a:prstGeom prst="rect">
             <a:avLst/>
@@ -4022,14 +6124,13 @@
           <a:bodyPr wrap="none" lIns="0" tIns="0" rIns="0" bIns="0" rtlCol="0" anchor="t"/>
           <a:lstStyle/>
           <a:p>
-            <a:pPr marL="0" indent="0" algn="l">
+            <a:pPr>
               <a:lnSpc>
-                <a:spcPts val="2850"/>
+                <a:spcPts val="2375"/>
               </a:lnSpc>
-              <a:buNone/>
             </a:pPr>
             <a:r>
-              <a:rPr lang="en-US" sz="1750" dirty="0">
+              <a:rPr lang="en-US" sz="1458" dirty="0">
                 <a:solidFill>
                   <a:srgbClr val="161613"/>
                 </a:solidFill>
@@ -4039,20 +6140,26 @@
               </a:rPr>
               <a:t>사용자 인증 및 리다이렉션 처리</a:t>
             </a:r>
-            <a:endParaRPr lang="en-US" sz="1750" dirty="0"/>
-          </a:p>
-        </p:txBody>
-      </p:sp>
-      <p:sp>
-        <p:nvSpPr>
-          <p:cNvPr id="9" name="Shape 7"/>
+            <a:endParaRPr lang="en-US" sz="1458" dirty="0"/>
+          </a:p>
+        </p:txBody>
+      </p:sp>
+      <p:sp>
+        <p:nvSpPr>
+          <p:cNvPr id="9" name="Shape 7">
+            <a:extLst>
+              <a:ext uri="{FF2B5EF4-FFF2-40B4-BE49-F238E27FC236}">
+                <a16:creationId xmlns:a16="http://schemas.microsoft.com/office/drawing/2014/main" id="{87772413-F2D5-A8FF-D920-7068AB19C202}"/>
+              </a:ext>
+            </a:extLst>
+          </p:cNvPr>
           <p:cNvSpPr/>
           <p:nvPr/>
         </p:nvSpPr>
         <p:spPr>
           <a:xfrm>
-            <a:off x="1474232" y="4155877"/>
-            <a:ext cx="170021" cy="853321"/>
+            <a:off x="1228527" y="3463231"/>
+            <a:ext cx="141684" cy="711101"/>
           </a:xfrm>
           <a:prstGeom prst="roundRect">
             <a:avLst>
@@ -4068,20 +6175,26 @@
           <a:bodyPr/>
           <a:lstStyle/>
           <a:p>
-            <a:endParaRPr lang="ko-KR" altLang="en-US"/>
-          </a:p>
-        </p:txBody>
-      </p:sp>
-      <p:sp>
-        <p:nvSpPr>
-          <p:cNvPr id="10" name="Text 8"/>
+            <a:endParaRPr lang="ko-KR" altLang="en-US" sz="1500"/>
+          </a:p>
+        </p:txBody>
+      </p:sp>
+      <p:sp>
+        <p:nvSpPr>
+          <p:cNvPr id="10" name="Text 8">
+            <a:extLst>
+              <a:ext uri="{FF2B5EF4-FFF2-40B4-BE49-F238E27FC236}">
+                <a16:creationId xmlns:a16="http://schemas.microsoft.com/office/drawing/2014/main" id="{943869A4-858C-4E80-C60C-720BD701D4C7}"/>
+              </a:ext>
+            </a:extLst>
+          </p:cNvPr>
           <p:cNvSpPr/>
           <p:nvPr/>
         </p:nvSpPr>
         <p:spPr>
           <a:xfrm>
-            <a:off x="1984415" y="4155877"/>
-            <a:ext cx="2835235" cy="354330"/>
+            <a:off x="1653680" y="3463231"/>
+            <a:ext cx="2362696" cy="295275"/>
           </a:xfrm>
           <a:prstGeom prst="rect">
             <a:avLst/>
@@ -4093,14 +6206,13 @@
           <a:bodyPr wrap="none" lIns="0" tIns="0" rIns="0" bIns="0" rtlCol="0" anchor="t"/>
           <a:lstStyle/>
           <a:p>
-            <a:pPr marL="0" indent="0" algn="l">
+            <a:pPr>
               <a:lnSpc>
-                <a:spcPts val="2750"/>
+                <a:spcPts val="2292"/>
               </a:lnSpc>
-              <a:buNone/>
             </a:pPr>
             <a:r>
-              <a:rPr lang="en-US" sz="2200" dirty="0">
+              <a:rPr lang="en-US" sz="1833" dirty="0">
                 <a:solidFill>
                   <a:srgbClr val="161613"/>
                 </a:solidFill>
@@ -4110,20 +6222,26 @@
               </a:rPr>
               <a:t>boardList.jsp</a:t>
             </a:r>
-            <a:endParaRPr lang="en-US" sz="2200" dirty="0"/>
-          </a:p>
-        </p:txBody>
-      </p:sp>
-      <p:sp>
-        <p:nvSpPr>
-          <p:cNvPr id="11" name="Text 9"/>
+            <a:endParaRPr lang="en-US" sz="1833" dirty="0"/>
+          </a:p>
+        </p:txBody>
+      </p:sp>
+      <p:sp>
+        <p:nvSpPr>
+          <p:cNvPr id="11" name="Text 9">
+            <a:extLst>
+              <a:ext uri="{FF2B5EF4-FFF2-40B4-BE49-F238E27FC236}">
+                <a16:creationId xmlns:a16="http://schemas.microsoft.com/office/drawing/2014/main" id="{F188781C-AB14-9CF5-C1A5-B71BAFA0AC74}"/>
+              </a:ext>
+            </a:extLst>
+          </p:cNvPr>
           <p:cNvSpPr/>
           <p:nvPr/>
         </p:nvSpPr>
         <p:spPr>
           <a:xfrm>
-            <a:off x="1984415" y="4646295"/>
-            <a:ext cx="11852196" cy="362903"/>
+            <a:off x="1653679" y="3871913"/>
+            <a:ext cx="9876830" cy="302419"/>
           </a:xfrm>
           <a:prstGeom prst="rect">
             <a:avLst/>
@@ -4135,14 +6253,13 @@
           <a:bodyPr wrap="none" lIns="0" tIns="0" rIns="0" bIns="0" rtlCol="0" anchor="t"/>
           <a:lstStyle/>
           <a:p>
-            <a:pPr marL="0" indent="0" algn="l">
+            <a:pPr>
               <a:lnSpc>
-                <a:spcPts val="2850"/>
+                <a:spcPts val="2375"/>
               </a:lnSpc>
-              <a:buNone/>
             </a:pPr>
             <a:r>
-              <a:rPr lang="en-US" sz="1750" dirty="0">
+              <a:rPr lang="en-US" sz="1458" dirty="0">
                 <a:solidFill>
                   <a:srgbClr val="161613"/>
                 </a:solidFill>
@@ -4152,20 +6269,26 @@
               </a:rPr>
               <a:t>게시글 목록 출력</a:t>
             </a:r>
-            <a:endParaRPr lang="en-US" sz="1750" dirty="0"/>
-          </a:p>
-        </p:txBody>
-      </p:sp>
-      <p:sp>
-        <p:nvSpPr>
-          <p:cNvPr id="12" name="Shape 10"/>
+            <a:endParaRPr lang="en-US" sz="1458" dirty="0"/>
+          </a:p>
+        </p:txBody>
+      </p:sp>
+      <p:sp>
+        <p:nvSpPr>
+          <p:cNvPr id="12" name="Shape 10">
+            <a:extLst>
+              <a:ext uri="{FF2B5EF4-FFF2-40B4-BE49-F238E27FC236}">
+                <a16:creationId xmlns:a16="http://schemas.microsoft.com/office/drawing/2014/main" id="{A1D194BE-D3D7-089D-183E-BE11435F7827}"/>
+              </a:ext>
+            </a:extLst>
+          </p:cNvPr>
           <p:cNvSpPr/>
           <p:nvPr/>
         </p:nvSpPr>
         <p:spPr>
           <a:xfrm>
-            <a:off x="1814513" y="5236012"/>
-            <a:ext cx="170021" cy="853321"/>
+            <a:off x="1512095" y="4363344"/>
+            <a:ext cx="141684" cy="711101"/>
           </a:xfrm>
           <a:prstGeom prst="roundRect">
             <a:avLst>
@@ -4181,20 +6304,26 @@
           <a:bodyPr/>
           <a:lstStyle/>
           <a:p>
-            <a:endParaRPr lang="ko-KR" altLang="en-US"/>
-          </a:p>
-        </p:txBody>
-      </p:sp>
-      <p:sp>
-        <p:nvSpPr>
-          <p:cNvPr id="13" name="Text 11"/>
+            <a:endParaRPr lang="ko-KR" altLang="en-US" sz="1500"/>
+          </a:p>
+        </p:txBody>
+      </p:sp>
+      <p:sp>
+        <p:nvSpPr>
+          <p:cNvPr id="13" name="Text 11">
+            <a:extLst>
+              <a:ext uri="{FF2B5EF4-FFF2-40B4-BE49-F238E27FC236}">
+                <a16:creationId xmlns:a16="http://schemas.microsoft.com/office/drawing/2014/main" id="{C325DF71-1195-7325-9D0E-789001C305C0}"/>
+              </a:ext>
+            </a:extLst>
+          </p:cNvPr>
           <p:cNvSpPr/>
           <p:nvPr/>
         </p:nvSpPr>
         <p:spPr>
           <a:xfrm>
-            <a:off x="2324695" y="5236012"/>
-            <a:ext cx="2835235" cy="354330"/>
+            <a:off x="1937246" y="4363343"/>
+            <a:ext cx="2362696" cy="295275"/>
           </a:xfrm>
           <a:prstGeom prst="rect">
             <a:avLst/>
@@ -4206,14 +6335,13 @@
           <a:bodyPr wrap="none" lIns="0" tIns="0" rIns="0" bIns="0" rtlCol="0" anchor="t"/>
           <a:lstStyle/>
           <a:p>
-            <a:pPr marL="0" indent="0" algn="l">
+            <a:pPr>
               <a:lnSpc>
-                <a:spcPts val="2750"/>
+                <a:spcPts val="2292"/>
               </a:lnSpc>
-              <a:buNone/>
             </a:pPr>
             <a:r>
-              <a:rPr lang="en-US" sz="2200" dirty="0">
+              <a:rPr lang="en-US" sz="1833" dirty="0">
                 <a:solidFill>
                   <a:srgbClr val="161613"/>
                 </a:solidFill>
@@ -4223,20 +6351,26 @@
               </a:rPr>
               <a:t>LogoutServlet.java</a:t>
             </a:r>
-            <a:endParaRPr lang="en-US" sz="2200" dirty="0"/>
-          </a:p>
-        </p:txBody>
-      </p:sp>
-      <p:sp>
-        <p:nvSpPr>
-          <p:cNvPr id="14" name="Text 12"/>
+            <a:endParaRPr lang="en-US" sz="1833" dirty="0"/>
+          </a:p>
+        </p:txBody>
+      </p:sp>
+      <p:sp>
+        <p:nvSpPr>
+          <p:cNvPr id="14" name="Text 12">
+            <a:extLst>
+              <a:ext uri="{FF2B5EF4-FFF2-40B4-BE49-F238E27FC236}">
+                <a16:creationId xmlns:a16="http://schemas.microsoft.com/office/drawing/2014/main" id="{832EEE43-342B-AF5B-8B76-5E37877C8BD9}"/>
+              </a:ext>
+            </a:extLst>
+          </p:cNvPr>
           <p:cNvSpPr/>
           <p:nvPr/>
         </p:nvSpPr>
         <p:spPr>
           <a:xfrm>
-            <a:off x="2324695" y="5726430"/>
-            <a:ext cx="11511915" cy="362903"/>
+            <a:off x="1937246" y="4772026"/>
+            <a:ext cx="9593263" cy="302419"/>
           </a:xfrm>
           <a:prstGeom prst="rect">
             <a:avLst/>
@@ -4248,14 +6382,13 @@
           <a:bodyPr wrap="none" lIns="0" tIns="0" rIns="0" bIns="0" rtlCol="0" anchor="t"/>
           <a:lstStyle/>
           <a:p>
-            <a:pPr marL="0" indent="0" algn="l">
+            <a:pPr>
               <a:lnSpc>
-                <a:spcPts val="2850"/>
+                <a:spcPts val="2375"/>
               </a:lnSpc>
-              <a:buNone/>
             </a:pPr>
             <a:r>
-              <a:rPr lang="en-US" sz="1750" dirty="0">
+              <a:rPr lang="en-US" sz="1458" dirty="0">
                 <a:solidFill>
                   <a:srgbClr val="161613"/>
                 </a:solidFill>
@@ -4265,20 +6398,26 @@
               </a:rPr>
               <a:t>세션 종료 및 로그아웃 처리</a:t>
             </a:r>
-            <a:endParaRPr lang="en-US" sz="1750" dirty="0"/>
-          </a:p>
-        </p:txBody>
-      </p:sp>
-      <p:sp>
-        <p:nvSpPr>
-          <p:cNvPr id="15" name="Shape 13"/>
+            <a:endParaRPr lang="en-US" sz="1458" dirty="0"/>
+          </a:p>
+        </p:txBody>
+      </p:sp>
+      <p:sp>
+        <p:nvSpPr>
+          <p:cNvPr id="15" name="Shape 13">
+            <a:extLst>
+              <a:ext uri="{FF2B5EF4-FFF2-40B4-BE49-F238E27FC236}">
+                <a16:creationId xmlns:a16="http://schemas.microsoft.com/office/drawing/2014/main" id="{8543904F-5A26-F45E-4A67-9D671EB9BC04}"/>
+              </a:ext>
+            </a:extLst>
+          </p:cNvPr>
           <p:cNvSpPr/>
           <p:nvPr/>
         </p:nvSpPr>
         <p:spPr>
           <a:xfrm>
-            <a:off x="1474232" y="6316147"/>
-            <a:ext cx="170021" cy="853321"/>
+            <a:off x="1228527" y="5263456"/>
+            <a:ext cx="141684" cy="711101"/>
           </a:xfrm>
           <a:prstGeom prst="roundRect">
             <a:avLst>
@@ -4294,20 +6433,26 @@
           <a:bodyPr/>
           <a:lstStyle/>
           <a:p>
-            <a:endParaRPr lang="ko-KR" altLang="en-US"/>
-          </a:p>
-        </p:txBody>
-      </p:sp>
-      <p:sp>
-        <p:nvSpPr>
-          <p:cNvPr id="16" name="Text 14"/>
+            <a:endParaRPr lang="ko-KR" altLang="en-US" sz="1500"/>
+          </a:p>
+        </p:txBody>
+      </p:sp>
+      <p:sp>
+        <p:nvSpPr>
+          <p:cNvPr id="16" name="Text 14">
+            <a:extLst>
+              <a:ext uri="{FF2B5EF4-FFF2-40B4-BE49-F238E27FC236}">
+                <a16:creationId xmlns:a16="http://schemas.microsoft.com/office/drawing/2014/main" id="{29EC6D6A-495C-5E10-CA53-960280171C0D}"/>
+              </a:ext>
+            </a:extLst>
+          </p:cNvPr>
           <p:cNvSpPr/>
           <p:nvPr/>
         </p:nvSpPr>
         <p:spPr>
           <a:xfrm>
-            <a:off x="1984415" y="6316147"/>
-            <a:ext cx="2835235" cy="354330"/>
+            <a:off x="1653680" y="5263456"/>
+            <a:ext cx="2362696" cy="295275"/>
           </a:xfrm>
           <a:prstGeom prst="rect">
             <a:avLst/>
@@ -4319,14 +6464,13 @@
           <a:bodyPr wrap="none" lIns="0" tIns="0" rIns="0" bIns="0" rtlCol="0" anchor="t"/>
           <a:lstStyle/>
           <a:p>
-            <a:pPr marL="0" indent="0" algn="l">
+            <a:pPr>
               <a:lnSpc>
-                <a:spcPts val="2750"/>
+                <a:spcPts val="2292"/>
               </a:lnSpc>
-              <a:buNone/>
             </a:pPr>
             <a:r>
-              <a:rPr lang="en-US" sz="2200" dirty="0">
+              <a:rPr lang="en-US" sz="1833" dirty="0">
                 <a:solidFill>
                   <a:srgbClr val="161613"/>
                 </a:solidFill>
@@ -4336,20 +6480,26 @@
               </a:rPr>
               <a:t>web.xml</a:t>
             </a:r>
-            <a:endParaRPr lang="en-US" sz="2200" dirty="0"/>
-          </a:p>
-        </p:txBody>
-      </p:sp>
-      <p:sp>
-        <p:nvSpPr>
-          <p:cNvPr id="17" name="Text 15"/>
+            <a:endParaRPr lang="en-US" sz="1833" dirty="0"/>
+          </a:p>
+        </p:txBody>
+      </p:sp>
+      <p:sp>
+        <p:nvSpPr>
+          <p:cNvPr id="17" name="Text 15">
+            <a:extLst>
+              <a:ext uri="{FF2B5EF4-FFF2-40B4-BE49-F238E27FC236}">
+                <a16:creationId xmlns:a16="http://schemas.microsoft.com/office/drawing/2014/main" id="{E4DBF33A-DC7B-F66A-12B3-7B9D81CD2BEF}"/>
+              </a:ext>
+            </a:extLst>
+          </p:cNvPr>
           <p:cNvSpPr/>
           <p:nvPr/>
         </p:nvSpPr>
         <p:spPr>
           <a:xfrm>
-            <a:off x="1984415" y="6806565"/>
-            <a:ext cx="11852196" cy="362903"/>
+            <a:off x="1653679" y="5672138"/>
+            <a:ext cx="9876830" cy="302419"/>
           </a:xfrm>
           <a:prstGeom prst="rect">
             <a:avLst/>
@@ -4361,14 +6511,13 @@
           <a:bodyPr wrap="none" lIns="0" tIns="0" rIns="0" bIns="0" rtlCol="0" anchor="t"/>
           <a:lstStyle/>
           <a:p>
-            <a:pPr marL="0" indent="0" algn="l">
+            <a:pPr>
               <a:lnSpc>
-                <a:spcPts val="2850"/>
+                <a:spcPts val="2375"/>
               </a:lnSpc>
-              <a:buNone/>
             </a:pPr>
             <a:r>
-              <a:rPr lang="en-US" sz="1750" dirty="0">
+              <a:rPr lang="en-US" sz="1458" dirty="0">
                 <a:solidFill>
                   <a:srgbClr val="161613"/>
                 </a:solidFill>
@@ -4378,11 +6527,16 @@
               </a:rPr>
               <a:t>시작 페이지 및 기타 설정</a:t>
             </a:r>
-            <a:endParaRPr lang="en-US" sz="1750" dirty="0"/>
+            <a:endParaRPr lang="en-US" sz="1458" dirty="0"/>
           </a:p>
         </p:txBody>
       </p:sp>
     </p:spTree>
+    <p:extLst>
+      <p:ext uri="{BB962C8B-B14F-4D97-AF65-F5344CB8AC3E}">
+        <p14:creationId xmlns:p14="http://schemas.microsoft.com/office/powerpoint/2010/main" val="1659033497"/>
+      </p:ext>
+    </p:extLst>
   </p:cSld>
   <p:clrMapOvr>
     <a:masterClrMapping/>
@@ -4392,10 +6546,16 @@
 
 <file path=ppt/slides/slide6.xml><?xml version="1.0" encoding="utf-8"?>
 <p:sld xmlns:a="http://schemas.openxmlformats.org/drawingml/2006/main" xmlns:r="http://schemas.openxmlformats.org/officeDocument/2006/relationships" xmlns:p="http://schemas.openxmlformats.org/presentationml/2006/main">
-  <p:cSld name="Slide 6">
+  <p:cSld>
     <p:spTree>
       <p:nvGrpSpPr>
-        <p:cNvPr id="1" name=""/>
+        <p:cNvPr id="1" name="">
+          <a:extLst>
+            <a:ext uri="{FF2B5EF4-FFF2-40B4-BE49-F238E27FC236}">
+              <a16:creationId xmlns:a16="http://schemas.microsoft.com/office/drawing/2014/main" id="{C9C3B627-227B-E678-6666-2ACE71AE9715}"/>
+            </a:ext>
+          </a:extLst>
+        </p:cNvPr>
         <p:cNvGrpSpPr/>
         <p:nvPr/>
       </p:nvGrpSpPr>
@@ -4409,14 +6569,20 @@
       </p:grpSpPr>
       <p:sp>
         <p:nvSpPr>
-          <p:cNvPr id="2" name="Text 0"/>
+          <p:cNvPr id="2" name="Text 0">
+            <a:extLst>
+              <a:ext uri="{FF2B5EF4-FFF2-40B4-BE49-F238E27FC236}">
+                <a16:creationId xmlns:a16="http://schemas.microsoft.com/office/drawing/2014/main" id="{F7152B28-D6D3-A00B-BEF1-00FC38812D0A}"/>
+              </a:ext>
+            </a:extLst>
+          </p:cNvPr>
           <p:cNvSpPr/>
           <p:nvPr/>
         </p:nvSpPr>
         <p:spPr>
           <a:xfrm>
-            <a:off x="793790" y="928092"/>
-            <a:ext cx="4536519" cy="566976"/>
+            <a:off x="661492" y="773410"/>
+            <a:ext cx="3780433" cy="472480"/>
           </a:xfrm>
           <a:prstGeom prst="rect">
             <a:avLst/>
@@ -4428,14 +6594,13 @@
           <a:bodyPr wrap="none" lIns="0" tIns="0" rIns="0" bIns="0" rtlCol="0" anchor="t"/>
           <a:lstStyle/>
           <a:p>
-            <a:pPr marL="0" indent="0" algn="l">
+            <a:pPr>
               <a:lnSpc>
-                <a:spcPts val="4450"/>
+                <a:spcPts val="3708"/>
               </a:lnSpc>
-              <a:buNone/>
             </a:pPr>
             <a:r>
-              <a:rPr lang="en-US" sz="3550" dirty="0">
+              <a:rPr lang="en-US" sz="2958" dirty="0">
                 <a:solidFill>
                   <a:srgbClr val="161613"/>
                 </a:solidFill>
@@ -4445,13 +6610,143 @@
               </a:rPr>
               <a:t>향후 개발 계획</a:t>
             </a:r>
-            <a:endParaRPr lang="en-US" sz="3550" dirty="0"/>
+            <a:endParaRPr lang="en-US" sz="2958" dirty="0"/>
           </a:p>
         </p:txBody>
       </p:sp>
       <p:pic>
         <p:nvPicPr>
-          <p:cNvPr id="3" name="Image 0" descr="preencoded.png"/>
+          <p:cNvPr id="3" name="Image 0" descr="preencoded.png">
+            <a:extLst>
+              <a:ext uri="{FF2B5EF4-FFF2-40B4-BE49-F238E27FC236}">
+                <a16:creationId xmlns:a16="http://schemas.microsoft.com/office/drawing/2014/main" id="{38FDC488-B1D5-49FB-7C55-43D9CD725462}"/>
+              </a:ext>
+            </a:extLst>
+          </p:cNvPr>
+          <p:cNvPicPr>
+            <a:picLocks noChangeAspect="1"/>
+          </p:cNvPicPr>
+          <p:nvPr/>
+        </p:nvPicPr>
+        <p:blipFill>
+          <a:blip r:embed="rId2"/>
+          <a:stretch>
+            <a:fillRect/>
+          </a:stretch>
+        </p:blipFill>
+        <p:spPr>
+          <a:xfrm>
+            <a:off x="661492" y="1548308"/>
+            <a:ext cx="756047" cy="907257"/>
+          </a:xfrm>
+          <a:prstGeom prst="rect">
+            <a:avLst/>
+          </a:prstGeom>
+        </p:spPr>
+      </p:pic>
+      <p:sp>
+        <p:nvSpPr>
+          <p:cNvPr id="4" name="Text 1">
+            <a:extLst>
+              <a:ext uri="{FF2B5EF4-FFF2-40B4-BE49-F238E27FC236}">
+                <a16:creationId xmlns:a16="http://schemas.microsoft.com/office/drawing/2014/main" id="{5844ABD5-2582-592A-EE52-349A00F32B66}"/>
+              </a:ext>
+            </a:extLst>
+          </p:cNvPr>
+          <p:cNvSpPr/>
+          <p:nvPr/>
+        </p:nvSpPr>
+        <p:spPr>
+          <a:xfrm>
+            <a:off x="1644352" y="1699518"/>
+            <a:ext cx="1890217" cy="236240"/>
+          </a:xfrm>
+          <a:prstGeom prst="rect">
+            <a:avLst/>
+          </a:prstGeom>
+          <a:noFill/>
+          <a:ln/>
+        </p:spPr>
+        <p:txBody>
+          <a:bodyPr wrap="none" lIns="0" tIns="0" rIns="0" bIns="0" rtlCol="0" anchor="t"/>
+          <a:lstStyle/>
+          <a:p>
+            <a:pPr>
+              <a:lnSpc>
+                <a:spcPts val="1833"/>
+              </a:lnSpc>
+            </a:pPr>
+            <a:r>
+              <a:rPr lang="en-US" sz="1458" dirty="0">
+                <a:solidFill>
+                  <a:srgbClr val="161613"/>
+                </a:solidFill>
+                <a:latin typeface="DM Sans Medium" pitchFamily="34" charset="0"/>
+                <a:ea typeface="DM Sans Medium" pitchFamily="34" charset="-122"/>
+                <a:cs typeface="DM Sans Medium" pitchFamily="34" charset="-120"/>
+              </a:rPr>
+              <a:t>Oracle DB 연동</a:t>
+            </a:r>
+            <a:endParaRPr lang="en-US" sz="1458" dirty="0"/>
+          </a:p>
+        </p:txBody>
+      </p:sp>
+      <p:sp>
+        <p:nvSpPr>
+          <p:cNvPr id="5" name="Text 2">
+            <a:extLst>
+              <a:ext uri="{FF2B5EF4-FFF2-40B4-BE49-F238E27FC236}">
+                <a16:creationId xmlns:a16="http://schemas.microsoft.com/office/drawing/2014/main" id="{89743AFF-D2E1-FE43-741E-CAA011BA71F0}"/>
+              </a:ext>
+            </a:extLst>
+          </p:cNvPr>
+          <p:cNvSpPr/>
+          <p:nvPr/>
+        </p:nvSpPr>
+        <p:spPr>
+          <a:xfrm>
+            <a:off x="1644353" y="2026444"/>
+            <a:ext cx="9886156" cy="241895"/>
+          </a:xfrm>
+          <a:prstGeom prst="rect">
+            <a:avLst/>
+          </a:prstGeom>
+          <a:noFill/>
+          <a:ln/>
+        </p:spPr>
+        <p:txBody>
+          <a:bodyPr wrap="none" lIns="0" tIns="0" rIns="0" bIns="0" rtlCol="0" anchor="t"/>
+          <a:lstStyle/>
+          <a:p>
+            <a:pPr>
+              <a:lnSpc>
+                <a:spcPts val="1875"/>
+              </a:lnSpc>
+            </a:pPr>
+            <a:r>
+              <a:rPr lang="en-US" sz="1167" dirty="0">
+                <a:solidFill>
+                  <a:srgbClr val="161613"/>
+                </a:solidFill>
+                <a:latin typeface="Inter" pitchFamily="34" charset="0"/>
+                <a:ea typeface="Inter" pitchFamily="34" charset="-122"/>
+                <a:cs typeface="Inter" pitchFamily="34" charset="-120"/>
+              </a:rPr>
+              <a:t>사용자 및 게시글 데이터 저장</a:t>
+            </a:r>
+            <a:endParaRPr lang="en-US" sz="1167" dirty="0"/>
+          </a:p>
+        </p:txBody>
+      </p:sp>
+      <p:pic>
+        <p:nvPicPr>
+          <p:cNvPr id="6" name="Image 1" descr="preencoded.png">
+            <a:extLst>
+              <a:ext uri="{FF2B5EF4-FFF2-40B4-BE49-F238E27FC236}">
+                <a16:creationId xmlns:a16="http://schemas.microsoft.com/office/drawing/2014/main" id="{A42779D6-A322-749C-CAA5-F685E5A5AD9F}"/>
+              </a:ext>
+            </a:extLst>
+          </p:cNvPr>
           <p:cNvPicPr>
             <a:picLocks noChangeAspect="1"/>
           </p:cNvPicPr>
@@ -4465,8 +6760,8 @@
         </p:blipFill>
         <p:spPr>
           <a:xfrm>
-            <a:off x="793790" y="1857970"/>
-            <a:ext cx="907256" cy="1088708"/>
+            <a:off x="661492" y="2455565"/>
+            <a:ext cx="756047" cy="907257"/>
           </a:xfrm>
           <a:prstGeom prst="rect">
             <a:avLst/>
@@ -4475,14 +6770,20 @@
       </p:pic>
       <p:sp>
         <p:nvSpPr>
-          <p:cNvPr id="4" name="Text 1"/>
+          <p:cNvPr id="7" name="Text 3">
+            <a:extLst>
+              <a:ext uri="{FF2B5EF4-FFF2-40B4-BE49-F238E27FC236}">
+                <a16:creationId xmlns:a16="http://schemas.microsoft.com/office/drawing/2014/main" id="{DFB4DEC1-4E5D-771D-508F-C68024EF1CF2}"/>
+              </a:ext>
+            </a:extLst>
+          </p:cNvPr>
           <p:cNvSpPr/>
           <p:nvPr/>
         </p:nvSpPr>
         <p:spPr>
           <a:xfrm>
-            <a:off x="1973223" y="2039422"/>
-            <a:ext cx="2268260" cy="283488"/>
+            <a:off x="1644352" y="2606774"/>
+            <a:ext cx="1890217" cy="236240"/>
           </a:xfrm>
           <a:prstGeom prst="rect">
             <a:avLst/>
@@ -4494,14 +6795,13 @@
           <a:bodyPr wrap="none" lIns="0" tIns="0" rIns="0" bIns="0" rtlCol="0" anchor="t"/>
           <a:lstStyle/>
           <a:p>
-            <a:pPr marL="0" indent="0" algn="l">
+            <a:pPr>
               <a:lnSpc>
-                <a:spcPts val="2200"/>
+                <a:spcPts val="1833"/>
               </a:lnSpc>
-              <a:buNone/>
             </a:pPr>
             <a:r>
-              <a:rPr lang="en-US" sz="1750" dirty="0">
+              <a:rPr lang="en-US" sz="1458" dirty="0">
                 <a:solidFill>
                   <a:srgbClr val="161613"/>
                 </a:solidFill>
@@ -4509,22 +6809,28 @@
                 <a:ea typeface="DM Sans Medium" pitchFamily="34" charset="-122"/>
                 <a:cs typeface="DM Sans Medium" pitchFamily="34" charset="-120"/>
               </a:rPr>
-              <a:t>Oracle DB 연동</a:t>
-            </a:r>
-            <a:endParaRPr lang="en-US" sz="1750" dirty="0"/>
-          </a:p>
-        </p:txBody>
-      </p:sp>
-      <p:sp>
-        <p:nvSpPr>
-          <p:cNvPr id="5" name="Text 2"/>
+              <a:t>게시글 CRUD 기능</a:t>
+            </a:r>
+            <a:endParaRPr lang="en-US" sz="1458" dirty="0"/>
+          </a:p>
+        </p:txBody>
+      </p:sp>
+      <p:sp>
+        <p:nvSpPr>
+          <p:cNvPr id="8" name="Text 4">
+            <a:extLst>
+              <a:ext uri="{FF2B5EF4-FFF2-40B4-BE49-F238E27FC236}">
+                <a16:creationId xmlns:a16="http://schemas.microsoft.com/office/drawing/2014/main" id="{70BCFDAF-2606-73DE-37A3-563A496FD14E}"/>
+              </a:ext>
+            </a:extLst>
+          </p:cNvPr>
           <p:cNvSpPr/>
           <p:nvPr/>
         </p:nvSpPr>
         <p:spPr>
           <a:xfrm>
-            <a:off x="1973223" y="2431733"/>
-            <a:ext cx="11863387" cy="290274"/>
+            <a:off x="1644353" y="2933700"/>
+            <a:ext cx="9886156" cy="241895"/>
           </a:xfrm>
           <a:prstGeom prst="rect">
             <a:avLst/>
@@ -4536,14 +6842,13 @@
           <a:bodyPr wrap="none" lIns="0" tIns="0" rIns="0" bIns="0" rtlCol="0" anchor="t"/>
           <a:lstStyle/>
           <a:p>
-            <a:pPr marL="0" indent="0" algn="l">
+            <a:pPr>
               <a:lnSpc>
-                <a:spcPts val="2250"/>
+                <a:spcPts val="1875"/>
               </a:lnSpc>
-              <a:buNone/>
             </a:pPr>
             <a:r>
-              <a:rPr lang="en-US" sz="1400" dirty="0">
+              <a:rPr lang="en-US" sz="1167" dirty="0">
                 <a:solidFill>
                   <a:srgbClr val="161613"/>
                 </a:solidFill>
@@ -4551,15 +6856,21 @@
                 <a:ea typeface="Inter" pitchFamily="34" charset="-122"/>
                 <a:cs typeface="Inter" pitchFamily="34" charset="-120"/>
               </a:rPr>
-              <a:t>사용자 및 게시글 데이터 저장</a:t>
-            </a:r>
-            <a:endParaRPr lang="en-US" sz="1400" dirty="0"/>
+              <a:t>쓰기, 수정, 삭제 기능 추가</a:t>
+            </a:r>
+            <a:endParaRPr lang="en-US" sz="1167" dirty="0"/>
           </a:p>
         </p:txBody>
       </p:sp>
       <p:pic>
         <p:nvPicPr>
-          <p:cNvPr id="6" name="Image 1" descr="preencoded.png"/>
+          <p:cNvPr id="9" name="Image 2" descr="preencoded.png">
+            <a:extLst>
+              <a:ext uri="{FF2B5EF4-FFF2-40B4-BE49-F238E27FC236}">
+                <a16:creationId xmlns:a16="http://schemas.microsoft.com/office/drawing/2014/main" id="{A1BBF56D-DC64-10D7-05CE-9BD0661ED909}"/>
+              </a:ext>
+            </a:extLst>
+          </p:cNvPr>
           <p:cNvPicPr>
             <a:picLocks noChangeAspect="1"/>
           </p:cNvPicPr>
@@ -4573,8 +6884,8 @@
         </p:blipFill>
         <p:spPr>
           <a:xfrm>
-            <a:off x="793790" y="2946678"/>
-            <a:ext cx="907256" cy="1088708"/>
+            <a:off x="661492" y="3362821"/>
+            <a:ext cx="756047" cy="907257"/>
           </a:xfrm>
           <a:prstGeom prst="rect">
             <a:avLst/>
@@ -4583,14 +6894,20 @@
       </p:pic>
       <p:sp>
         <p:nvSpPr>
-          <p:cNvPr id="7" name="Text 3"/>
+          <p:cNvPr id="10" name="Text 5">
+            <a:extLst>
+              <a:ext uri="{FF2B5EF4-FFF2-40B4-BE49-F238E27FC236}">
+                <a16:creationId xmlns:a16="http://schemas.microsoft.com/office/drawing/2014/main" id="{CA4DCF8D-2D96-C7E4-7250-C94390590D1A}"/>
+              </a:ext>
+            </a:extLst>
+          </p:cNvPr>
           <p:cNvSpPr/>
           <p:nvPr/>
         </p:nvSpPr>
         <p:spPr>
           <a:xfrm>
-            <a:off x="1973223" y="3128129"/>
-            <a:ext cx="2268260" cy="283488"/>
+            <a:off x="1644352" y="3514031"/>
+            <a:ext cx="1890217" cy="236240"/>
           </a:xfrm>
           <a:prstGeom prst="rect">
             <a:avLst/>
@@ -4602,14 +6919,13 @@
           <a:bodyPr wrap="none" lIns="0" tIns="0" rIns="0" bIns="0" rtlCol="0" anchor="t"/>
           <a:lstStyle/>
           <a:p>
-            <a:pPr marL="0" indent="0" algn="l">
+            <a:pPr>
               <a:lnSpc>
-                <a:spcPts val="2200"/>
+                <a:spcPts val="1833"/>
               </a:lnSpc>
-              <a:buNone/>
             </a:pPr>
             <a:r>
-              <a:rPr lang="en-US" sz="1750" dirty="0">
+              <a:rPr lang="en-US" sz="1458" dirty="0">
                 <a:solidFill>
                   <a:srgbClr val="161613"/>
                 </a:solidFill>
@@ -4617,22 +6933,28 @@
                 <a:ea typeface="DM Sans Medium" pitchFamily="34" charset="-122"/>
                 <a:cs typeface="DM Sans Medium" pitchFamily="34" charset="-120"/>
               </a:rPr>
-              <a:t>게시글 CRUD 기능</a:t>
-            </a:r>
-            <a:endParaRPr lang="en-US" sz="1750" dirty="0"/>
-          </a:p>
-        </p:txBody>
-      </p:sp>
-      <p:sp>
-        <p:nvSpPr>
-          <p:cNvPr id="8" name="Text 4"/>
+              <a:t>상세보기 페이지</a:t>
+            </a:r>
+            <a:endParaRPr lang="en-US" sz="1458" dirty="0"/>
+          </a:p>
+        </p:txBody>
+      </p:sp>
+      <p:sp>
+        <p:nvSpPr>
+          <p:cNvPr id="11" name="Text 6">
+            <a:extLst>
+              <a:ext uri="{FF2B5EF4-FFF2-40B4-BE49-F238E27FC236}">
+                <a16:creationId xmlns:a16="http://schemas.microsoft.com/office/drawing/2014/main" id="{586B03CF-9A53-2F5C-C533-0D4478034096}"/>
+              </a:ext>
+            </a:extLst>
+          </p:cNvPr>
           <p:cNvSpPr/>
           <p:nvPr/>
         </p:nvSpPr>
         <p:spPr>
           <a:xfrm>
-            <a:off x="1973223" y="3520440"/>
-            <a:ext cx="11863387" cy="290274"/>
+            <a:off x="1644353" y="3840957"/>
+            <a:ext cx="9886156" cy="241895"/>
           </a:xfrm>
           <a:prstGeom prst="rect">
             <a:avLst/>
@@ -4644,14 +6966,13 @@
           <a:bodyPr wrap="none" lIns="0" tIns="0" rIns="0" bIns="0" rtlCol="0" anchor="t"/>
           <a:lstStyle/>
           <a:p>
-            <a:pPr marL="0" indent="0" algn="l">
+            <a:pPr>
               <a:lnSpc>
-                <a:spcPts val="2250"/>
+                <a:spcPts val="1875"/>
               </a:lnSpc>
-              <a:buNone/>
             </a:pPr>
             <a:r>
-              <a:rPr lang="en-US" sz="1400" dirty="0">
+              <a:rPr lang="en-US" sz="1167" dirty="0">
                 <a:solidFill>
                   <a:srgbClr val="161613"/>
                 </a:solidFill>
@@ -4659,15 +6980,21 @@
                 <a:ea typeface="Inter" pitchFamily="34" charset="-122"/>
                 <a:cs typeface="Inter" pitchFamily="34" charset="-120"/>
               </a:rPr>
-              <a:t>쓰기, 수정, 삭제 기능 추가</a:t>
-            </a:r>
-            <a:endParaRPr lang="en-US" sz="1400" dirty="0"/>
+              <a:t>게시글 개별 내용 출력</a:t>
+            </a:r>
+            <a:endParaRPr lang="en-US" sz="1167" dirty="0"/>
           </a:p>
         </p:txBody>
       </p:sp>
       <p:pic>
         <p:nvPicPr>
-          <p:cNvPr id="9" name="Image 2" descr="preencoded.png"/>
+          <p:cNvPr id="12" name="Image 3" descr="preencoded.png">
+            <a:extLst>
+              <a:ext uri="{FF2B5EF4-FFF2-40B4-BE49-F238E27FC236}">
+                <a16:creationId xmlns:a16="http://schemas.microsoft.com/office/drawing/2014/main" id="{939C8B75-7B42-0CD6-2C59-214B72BFA964}"/>
+              </a:ext>
+            </a:extLst>
+          </p:cNvPr>
           <p:cNvPicPr>
             <a:picLocks noChangeAspect="1"/>
           </p:cNvPicPr>
@@ -4681,8 +7008,8 @@
         </p:blipFill>
         <p:spPr>
           <a:xfrm>
-            <a:off x="793790" y="4035385"/>
-            <a:ext cx="907256" cy="1088708"/>
+            <a:off x="661492" y="4270077"/>
+            <a:ext cx="756047" cy="907257"/>
           </a:xfrm>
           <a:prstGeom prst="rect">
             <a:avLst/>
@@ -4691,14 +7018,20 @@
       </p:pic>
       <p:sp>
         <p:nvSpPr>
-          <p:cNvPr id="10" name="Text 5"/>
+          <p:cNvPr id="13" name="Text 7">
+            <a:extLst>
+              <a:ext uri="{FF2B5EF4-FFF2-40B4-BE49-F238E27FC236}">
+                <a16:creationId xmlns:a16="http://schemas.microsoft.com/office/drawing/2014/main" id="{AAB9885F-5042-607D-92EE-545D403B0056}"/>
+              </a:ext>
+            </a:extLst>
+          </p:cNvPr>
           <p:cNvSpPr/>
           <p:nvPr/>
         </p:nvSpPr>
         <p:spPr>
           <a:xfrm>
-            <a:off x="1973223" y="4216837"/>
-            <a:ext cx="2268260" cy="283488"/>
+            <a:off x="1644352" y="4421287"/>
+            <a:ext cx="1890217" cy="236240"/>
           </a:xfrm>
           <a:prstGeom prst="rect">
             <a:avLst/>
@@ -4710,14 +7043,13 @@
           <a:bodyPr wrap="none" lIns="0" tIns="0" rIns="0" bIns="0" rtlCol="0" anchor="t"/>
           <a:lstStyle/>
           <a:p>
-            <a:pPr marL="0" indent="0" algn="l">
+            <a:pPr>
               <a:lnSpc>
-                <a:spcPts val="2200"/>
+                <a:spcPts val="1833"/>
               </a:lnSpc>
-              <a:buNone/>
             </a:pPr>
             <a:r>
-              <a:rPr lang="en-US" sz="1750" dirty="0">
+              <a:rPr lang="en-US" sz="1458" dirty="0">
                 <a:solidFill>
                   <a:srgbClr val="161613"/>
                 </a:solidFill>
@@ -4725,22 +7057,28 @@
                 <a:ea typeface="DM Sans Medium" pitchFamily="34" charset="-122"/>
                 <a:cs typeface="DM Sans Medium" pitchFamily="34" charset="-120"/>
               </a:rPr>
-              <a:t>상세보기 페이지</a:t>
-            </a:r>
-            <a:endParaRPr lang="en-US" sz="1750" dirty="0"/>
-          </a:p>
-        </p:txBody>
-      </p:sp>
-      <p:sp>
-        <p:nvSpPr>
-          <p:cNvPr id="11" name="Text 6"/>
+              <a:t>보안 강화</a:t>
+            </a:r>
+            <a:endParaRPr lang="en-US" sz="1458" dirty="0"/>
+          </a:p>
+        </p:txBody>
+      </p:sp>
+      <p:sp>
+        <p:nvSpPr>
+          <p:cNvPr id="14" name="Text 8">
+            <a:extLst>
+              <a:ext uri="{FF2B5EF4-FFF2-40B4-BE49-F238E27FC236}">
+                <a16:creationId xmlns:a16="http://schemas.microsoft.com/office/drawing/2014/main" id="{0C1FC985-60F7-6CFB-1FFE-165750E8C34E}"/>
+              </a:ext>
+            </a:extLst>
+          </p:cNvPr>
           <p:cNvSpPr/>
           <p:nvPr/>
         </p:nvSpPr>
         <p:spPr>
           <a:xfrm>
-            <a:off x="1973223" y="4609148"/>
-            <a:ext cx="11863387" cy="290274"/>
+            <a:off x="1644353" y="4748213"/>
+            <a:ext cx="9886156" cy="241895"/>
           </a:xfrm>
           <a:prstGeom prst="rect">
             <a:avLst/>
@@ -4752,14 +7090,13 @@
           <a:bodyPr wrap="none" lIns="0" tIns="0" rIns="0" bIns="0" rtlCol="0" anchor="t"/>
           <a:lstStyle/>
           <a:p>
-            <a:pPr marL="0" indent="0" algn="l">
+            <a:pPr>
               <a:lnSpc>
-                <a:spcPts val="2250"/>
+                <a:spcPts val="1875"/>
               </a:lnSpc>
-              <a:buNone/>
             </a:pPr>
             <a:r>
-              <a:rPr lang="en-US" sz="1400" dirty="0">
+              <a:rPr lang="en-US" sz="1167" dirty="0">
                 <a:solidFill>
                   <a:srgbClr val="161613"/>
                 </a:solidFill>
@@ -4767,15 +7104,21 @@
                 <a:ea typeface="Inter" pitchFamily="34" charset="-122"/>
                 <a:cs typeface="Inter" pitchFamily="34" charset="-120"/>
               </a:rPr>
-              <a:t>게시글 개별 내용 출력</a:t>
-            </a:r>
-            <a:endParaRPr lang="en-US" sz="1400" dirty="0"/>
+              <a:t>세션 검증 및 유효성 검사 구현</a:t>
+            </a:r>
+            <a:endParaRPr lang="en-US" sz="1167" dirty="0"/>
           </a:p>
         </p:txBody>
       </p:sp>
       <p:pic>
         <p:nvPicPr>
-          <p:cNvPr id="12" name="Image 3" descr="preencoded.png"/>
+          <p:cNvPr id="15" name="Image 4" descr="preencoded.png">
+            <a:extLst>
+              <a:ext uri="{FF2B5EF4-FFF2-40B4-BE49-F238E27FC236}">
+                <a16:creationId xmlns:a16="http://schemas.microsoft.com/office/drawing/2014/main" id="{1D157F6E-9416-BFE3-4BF8-9F6180CDB9F8}"/>
+              </a:ext>
+            </a:extLst>
+          </p:cNvPr>
           <p:cNvPicPr>
             <a:picLocks noChangeAspect="1"/>
           </p:cNvPicPr>
@@ -4789,8 +7132,8 @@
         </p:blipFill>
         <p:spPr>
           <a:xfrm>
-            <a:off x="793790" y="5124093"/>
-            <a:ext cx="907256" cy="1088708"/>
+            <a:off x="661492" y="5177333"/>
+            <a:ext cx="756047" cy="907257"/>
           </a:xfrm>
           <a:prstGeom prst="rect">
             <a:avLst/>
@@ -4799,14 +7142,20 @@
       </p:pic>
       <p:sp>
         <p:nvSpPr>
-          <p:cNvPr id="13" name="Text 7"/>
+          <p:cNvPr id="16" name="Text 9">
+            <a:extLst>
+              <a:ext uri="{FF2B5EF4-FFF2-40B4-BE49-F238E27FC236}">
+                <a16:creationId xmlns:a16="http://schemas.microsoft.com/office/drawing/2014/main" id="{5576C474-4DAC-D422-F1DB-E98C379F1159}"/>
+              </a:ext>
+            </a:extLst>
+          </p:cNvPr>
           <p:cNvSpPr/>
           <p:nvPr/>
         </p:nvSpPr>
         <p:spPr>
           <a:xfrm>
-            <a:off x="1973223" y="5305544"/>
-            <a:ext cx="2268260" cy="283488"/>
+            <a:off x="1644352" y="5328543"/>
+            <a:ext cx="1890217" cy="236240"/>
           </a:xfrm>
           <a:prstGeom prst="rect">
             <a:avLst/>
@@ -4818,122 +7167,13 @@
           <a:bodyPr wrap="none" lIns="0" tIns="0" rIns="0" bIns="0" rtlCol="0" anchor="t"/>
           <a:lstStyle/>
           <a:p>
-            <a:pPr marL="0" indent="0" algn="l">
+            <a:pPr>
               <a:lnSpc>
-                <a:spcPts val="2200"/>
+                <a:spcPts val="1833"/>
               </a:lnSpc>
-              <a:buNone/>
             </a:pPr>
             <a:r>
-              <a:rPr lang="en-US" sz="1750" dirty="0">
-                <a:solidFill>
-                  <a:srgbClr val="161613"/>
-                </a:solidFill>
-                <a:latin typeface="DM Sans Medium" pitchFamily="34" charset="0"/>
-                <a:ea typeface="DM Sans Medium" pitchFamily="34" charset="-122"/>
-                <a:cs typeface="DM Sans Medium" pitchFamily="34" charset="-120"/>
-              </a:rPr>
-              <a:t>보안 강화</a:t>
-            </a:r>
-            <a:endParaRPr lang="en-US" sz="1750" dirty="0"/>
-          </a:p>
-        </p:txBody>
-      </p:sp>
-      <p:sp>
-        <p:nvSpPr>
-          <p:cNvPr id="14" name="Text 8"/>
-          <p:cNvSpPr/>
-          <p:nvPr/>
-        </p:nvSpPr>
-        <p:spPr>
-          <a:xfrm>
-            <a:off x="1973223" y="5697855"/>
-            <a:ext cx="11863387" cy="290274"/>
-          </a:xfrm>
-          <a:prstGeom prst="rect">
-            <a:avLst/>
-          </a:prstGeom>
-          <a:noFill/>
-          <a:ln/>
-        </p:spPr>
-        <p:txBody>
-          <a:bodyPr wrap="none" lIns="0" tIns="0" rIns="0" bIns="0" rtlCol="0" anchor="t"/>
-          <a:lstStyle/>
-          <a:p>
-            <a:pPr marL="0" indent="0" algn="l">
-              <a:lnSpc>
-                <a:spcPts val="2250"/>
-              </a:lnSpc>
-              <a:buNone/>
-            </a:pPr>
-            <a:r>
-              <a:rPr lang="en-US" sz="1400" dirty="0">
-                <a:solidFill>
-                  <a:srgbClr val="161613"/>
-                </a:solidFill>
-                <a:latin typeface="Inter" pitchFamily="34" charset="0"/>
-                <a:ea typeface="Inter" pitchFamily="34" charset="-122"/>
-                <a:cs typeface="Inter" pitchFamily="34" charset="-120"/>
-              </a:rPr>
-              <a:t>세션 검증 및 유효성 검사 구현</a:t>
-            </a:r>
-            <a:endParaRPr lang="en-US" sz="1400" dirty="0"/>
-          </a:p>
-        </p:txBody>
-      </p:sp>
-      <p:pic>
-        <p:nvPicPr>
-          <p:cNvPr id="15" name="Image 4" descr="preencoded.png"/>
-          <p:cNvPicPr>
-            <a:picLocks noChangeAspect="1"/>
-          </p:cNvPicPr>
-          <p:nvPr/>
-        </p:nvPicPr>
-        <p:blipFill>
-          <a:blip r:embed="rId7"/>
-          <a:stretch>
-            <a:fillRect/>
-          </a:stretch>
-        </p:blipFill>
-        <p:spPr>
-          <a:xfrm>
-            <a:off x="793790" y="6212800"/>
-            <a:ext cx="907256" cy="1088708"/>
-          </a:xfrm>
-          <a:prstGeom prst="rect">
-            <a:avLst/>
-          </a:prstGeom>
-        </p:spPr>
-      </p:pic>
-      <p:sp>
-        <p:nvSpPr>
-          <p:cNvPr id="16" name="Text 9"/>
-          <p:cNvSpPr/>
-          <p:nvPr/>
-        </p:nvSpPr>
-        <p:spPr>
-          <a:xfrm>
-            <a:off x="1973223" y="6394252"/>
-            <a:ext cx="2268260" cy="283488"/>
-          </a:xfrm>
-          <a:prstGeom prst="rect">
-            <a:avLst/>
-          </a:prstGeom>
-          <a:noFill/>
-          <a:ln/>
-        </p:spPr>
-        <p:txBody>
-          <a:bodyPr wrap="none" lIns="0" tIns="0" rIns="0" bIns="0" rtlCol="0" anchor="t"/>
-          <a:lstStyle/>
-          <a:p>
-            <a:pPr marL="0" indent="0" algn="l">
-              <a:lnSpc>
-                <a:spcPts val="2200"/>
-              </a:lnSpc>
-              <a:buNone/>
-            </a:pPr>
-            <a:r>
-              <a:rPr lang="en-US" sz="1750" dirty="0">
+              <a:rPr lang="en-US" sz="1458" dirty="0">
                 <a:solidFill>
                   <a:srgbClr val="161613"/>
                 </a:solidFill>
@@ -4943,20 +7183,26 @@
               </a:rPr>
               <a:t>UI 개선</a:t>
             </a:r>
-            <a:endParaRPr lang="en-US" sz="1750" dirty="0"/>
-          </a:p>
-        </p:txBody>
-      </p:sp>
-      <p:sp>
-        <p:nvSpPr>
-          <p:cNvPr id="17" name="Text 10"/>
+            <a:endParaRPr lang="en-US" sz="1458" dirty="0"/>
+          </a:p>
+        </p:txBody>
+      </p:sp>
+      <p:sp>
+        <p:nvSpPr>
+          <p:cNvPr id="17" name="Text 10">
+            <a:extLst>
+              <a:ext uri="{FF2B5EF4-FFF2-40B4-BE49-F238E27FC236}">
+                <a16:creationId xmlns:a16="http://schemas.microsoft.com/office/drawing/2014/main" id="{7166F24D-EF8A-29C8-27B1-40898F7BBF74}"/>
+              </a:ext>
+            </a:extLst>
+          </p:cNvPr>
           <p:cNvSpPr/>
           <p:nvPr/>
         </p:nvSpPr>
         <p:spPr>
           <a:xfrm>
-            <a:off x="1973223" y="6786562"/>
-            <a:ext cx="11863387" cy="290274"/>
+            <a:off x="1644353" y="5655468"/>
+            <a:ext cx="9886156" cy="241895"/>
           </a:xfrm>
           <a:prstGeom prst="rect">
             <a:avLst/>
@@ -4968,14 +7214,13 @@
           <a:bodyPr wrap="none" lIns="0" tIns="0" rIns="0" bIns="0" rtlCol="0" anchor="t"/>
           <a:lstStyle/>
           <a:p>
-            <a:pPr marL="0" indent="0" algn="l">
+            <a:pPr>
               <a:lnSpc>
-                <a:spcPts val="2250"/>
+                <a:spcPts val="1875"/>
               </a:lnSpc>
-              <a:buNone/>
             </a:pPr>
             <a:r>
-              <a:rPr lang="en-US" sz="1400" dirty="0">
+              <a:rPr lang="en-US" sz="1167" dirty="0">
                 <a:solidFill>
                   <a:srgbClr val="161613"/>
                 </a:solidFill>
@@ -4985,11 +7230,16 @@
               </a:rPr>
               <a:t>Bootstrap 적용, 사용자 경험 향상</a:t>
             </a:r>
-            <a:endParaRPr lang="en-US" sz="1400" dirty="0"/>
+            <a:endParaRPr lang="en-US" sz="1167" dirty="0"/>
           </a:p>
         </p:txBody>
       </p:sp>
     </p:spTree>
+    <p:extLst>
+      <p:ext uri="{BB962C8B-B14F-4D97-AF65-F5344CB8AC3E}">
+        <p14:creationId xmlns:p14="http://schemas.microsoft.com/office/powerpoint/2010/main" val="2462062938"/>
+      </p:ext>
+    </p:extLst>
   </p:cSld>
   <p:clrMapOvr>
     <a:masterClrMapping/>
@@ -4999,10 +7249,16 @@
 
 <file path=ppt/slides/slide7.xml><?xml version="1.0" encoding="utf-8"?>
 <p:sld xmlns:a="http://schemas.openxmlformats.org/drawingml/2006/main" xmlns:r="http://schemas.openxmlformats.org/officeDocument/2006/relationships" xmlns:p="http://schemas.openxmlformats.org/presentationml/2006/main">
-  <p:cSld name="Slide 7">
+  <p:cSld>
     <p:spTree>
       <p:nvGrpSpPr>
-        <p:cNvPr id="1" name=""/>
+        <p:cNvPr id="1" name="">
+          <a:extLst>
+            <a:ext uri="{FF2B5EF4-FFF2-40B4-BE49-F238E27FC236}">
+              <a16:creationId xmlns:a16="http://schemas.microsoft.com/office/drawing/2014/main" id="{137003FD-792B-44DB-CE87-544464EE92AE}"/>
+            </a:ext>
+          </a:extLst>
+        </p:cNvPr>
         <p:cNvGrpSpPr/>
         <p:nvPr/>
       </p:nvGrpSpPr>
@@ -5016,14 +7272,20 @@
       </p:grpSpPr>
       <p:sp>
         <p:nvSpPr>
-          <p:cNvPr id="2" name="Text 0"/>
+          <p:cNvPr id="2" name="Text 0">
+            <a:extLst>
+              <a:ext uri="{FF2B5EF4-FFF2-40B4-BE49-F238E27FC236}">
+                <a16:creationId xmlns:a16="http://schemas.microsoft.com/office/drawing/2014/main" id="{2DB083FE-CB84-9556-DD28-28115354805F}"/>
+              </a:ext>
+            </a:extLst>
+          </p:cNvPr>
           <p:cNvSpPr/>
           <p:nvPr/>
         </p:nvSpPr>
         <p:spPr>
           <a:xfrm>
-            <a:off x="793790" y="1893927"/>
-            <a:ext cx="5670590" cy="708779"/>
+            <a:off x="661492" y="1578273"/>
+            <a:ext cx="4725492" cy="590649"/>
           </a:xfrm>
           <a:prstGeom prst="rect">
             <a:avLst/>
@@ -5035,14 +7297,13 @@
           <a:bodyPr wrap="none" lIns="0" tIns="0" rIns="0" bIns="0" rtlCol="0" anchor="t"/>
           <a:lstStyle/>
           <a:p>
-            <a:pPr marL="0" indent="0" algn="l">
+            <a:pPr>
               <a:lnSpc>
-                <a:spcPts val="5550"/>
+                <a:spcPts val="4625"/>
               </a:lnSpc>
-              <a:buNone/>
             </a:pPr>
             <a:r>
-              <a:rPr lang="en-US" sz="4450" dirty="0">
+              <a:rPr lang="en-US" sz="3708" dirty="0">
                 <a:solidFill>
                   <a:srgbClr val="161613"/>
                 </a:solidFill>
@@ -5052,13 +7313,96 @@
               </a:rPr>
               <a:t>프로젝트 기대 효과</a:t>
             </a:r>
-            <a:endParaRPr lang="en-US" sz="4450" dirty="0"/>
+            <a:endParaRPr lang="en-US" sz="3708" dirty="0"/>
           </a:p>
         </p:txBody>
       </p:sp>
       <p:pic>
         <p:nvPicPr>
-          <p:cNvPr id="3" name="Image 0" descr="preencoded.png"/>
+          <p:cNvPr id="3" name="Image 0" descr="preencoded.png">
+            <a:extLst>
+              <a:ext uri="{FF2B5EF4-FFF2-40B4-BE49-F238E27FC236}">
+                <a16:creationId xmlns:a16="http://schemas.microsoft.com/office/drawing/2014/main" id="{E8430FB7-42BD-CDE5-02A2-4DBA2B52331C}"/>
+              </a:ext>
+            </a:extLst>
+          </p:cNvPr>
+          <p:cNvPicPr>
+            <a:picLocks noChangeAspect="1"/>
+          </p:cNvPicPr>
+          <p:nvPr/>
+        </p:nvPicPr>
+        <p:blipFill>
+          <a:blip r:embed="rId2"/>
+          <a:stretch>
+            <a:fillRect/>
+          </a:stretch>
+        </p:blipFill>
+        <p:spPr>
+          <a:xfrm>
+            <a:off x="661492" y="2665016"/>
+            <a:ext cx="2371328" cy="1622425"/>
+          </a:xfrm>
+          <a:prstGeom prst="rect">
+            <a:avLst/>
+          </a:prstGeom>
+        </p:spPr>
+      </p:pic>
+      <p:sp>
+        <p:nvSpPr>
+          <p:cNvPr id="4" name="Text 1">
+            <a:extLst>
+              <a:ext uri="{FF2B5EF4-FFF2-40B4-BE49-F238E27FC236}">
+                <a16:creationId xmlns:a16="http://schemas.microsoft.com/office/drawing/2014/main" id="{1F5E87C4-AFEF-AAE9-1EC2-08F283616B4F}"/>
+              </a:ext>
+            </a:extLst>
+          </p:cNvPr>
+          <p:cNvSpPr/>
+          <p:nvPr/>
+        </p:nvSpPr>
+        <p:spPr>
+          <a:xfrm>
+            <a:off x="661492" y="4500067"/>
+            <a:ext cx="2362696" cy="295275"/>
+          </a:xfrm>
+          <a:prstGeom prst="rect">
+            <a:avLst/>
+          </a:prstGeom>
+          <a:noFill/>
+          <a:ln/>
+        </p:spPr>
+        <p:txBody>
+          <a:bodyPr wrap="none" lIns="0" tIns="0" rIns="0" bIns="0" rtlCol="0" anchor="t"/>
+          <a:lstStyle/>
+          <a:p>
+            <a:pPr>
+              <a:lnSpc>
+                <a:spcPts val="2292"/>
+              </a:lnSpc>
+            </a:pPr>
+            <a:r>
+              <a:rPr lang="en-US" sz="1833" dirty="0">
+                <a:solidFill>
+                  <a:srgbClr val="161613"/>
+                </a:solidFill>
+                <a:latin typeface="DM Sans Medium" pitchFamily="34" charset="0"/>
+                <a:ea typeface="DM Sans Medium" pitchFamily="34" charset="-122"/>
+                <a:cs typeface="DM Sans Medium" pitchFamily="34" charset="-120"/>
+              </a:rPr>
+              <a:t>Java 웹 기술 습득</a:t>
+            </a:r>
+            <a:endParaRPr lang="en-US" sz="1833" dirty="0"/>
+          </a:p>
+        </p:txBody>
+      </p:sp>
+      <p:pic>
+        <p:nvPicPr>
+          <p:cNvPr id="5" name="Image 1" descr="preencoded.png">
+            <a:extLst>
+              <a:ext uri="{FF2B5EF4-FFF2-40B4-BE49-F238E27FC236}">
+                <a16:creationId xmlns:a16="http://schemas.microsoft.com/office/drawing/2014/main" id="{8CE8CCA2-BCD9-6B95-746C-047333C9CD7A}"/>
+              </a:ext>
+            </a:extLst>
+          </p:cNvPr>
           <p:cNvPicPr>
             <a:picLocks noChangeAspect="1"/>
           </p:cNvPicPr>
@@ -5072,8 +7416,8 @@
         </p:blipFill>
         <p:spPr>
           <a:xfrm>
-            <a:off x="793790" y="3198019"/>
-            <a:ext cx="2845594" cy="1946910"/>
+            <a:off x="3500339" y="2665016"/>
+            <a:ext cx="2371328" cy="1622425"/>
           </a:xfrm>
           <a:prstGeom prst="rect">
             <a:avLst/>
@@ -5082,14 +7426,20 @@
       </p:pic>
       <p:sp>
         <p:nvSpPr>
-          <p:cNvPr id="4" name="Text 1"/>
+          <p:cNvPr id="6" name="Text 2">
+            <a:extLst>
+              <a:ext uri="{FF2B5EF4-FFF2-40B4-BE49-F238E27FC236}">
+                <a16:creationId xmlns:a16="http://schemas.microsoft.com/office/drawing/2014/main" id="{1C648097-3C4B-B050-21AE-4C32F1243EC6}"/>
+              </a:ext>
+            </a:extLst>
+          </p:cNvPr>
           <p:cNvSpPr/>
           <p:nvPr/>
         </p:nvSpPr>
         <p:spPr>
           <a:xfrm>
-            <a:off x="793790" y="5400080"/>
-            <a:ext cx="2835235" cy="354330"/>
+            <a:off x="3500339" y="4500067"/>
+            <a:ext cx="2362696" cy="295275"/>
           </a:xfrm>
           <a:prstGeom prst="rect">
             <a:avLst/>
@@ -5101,14 +7451,13 @@
           <a:bodyPr wrap="none" lIns="0" tIns="0" rIns="0" bIns="0" rtlCol="0" anchor="t"/>
           <a:lstStyle/>
           <a:p>
-            <a:pPr marL="0" indent="0" algn="l">
+            <a:pPr>
               <a:lnSpc>
-                <a:spcPts val="2750"/>
+                <a:spcPts val="2292"/>
               </a:lnSpc>
-              <a:buNone/>
             </a:pPr>
             <a:r>
-              <a:rPr lang="en-US" sz="2200" dirty="0">
+              <a:rPr lang="en-US" sz="1833" dirty="0">
                 <a:solidFill>
                   <a:srgbClr val="161613"/>
                 </a:solidFill>
@@ -5116,15 +7465,21 @@
                 <a:ea typeface="DM Sans Medium" pitchFamily="34" charset="-122"/>
                 <a:cs typeface="DM Sans Medium" pitchFamily="34" charset="-120"/>
               </a:rPr>
-              <a:t>Java 웹 기술 습득</a:t>
-            </a:r>
-            <a:endParaRPr lang="en-US" sz="2200" dirty="0"/>
+              <a:t>MVC 아키텍처 훈련</a:t>
+            </a:r>
+            <a:endParaRPr lang="en-US" sz="1833" dirty="0"/>
           </a:p>
         </p:txBody>
       </p:sp>
       <p:pic>
         <p:nvPicPr>
-          <p:cNvPr id="5" name="Image 1" descr="preencoded.png"/>
+          <p:cNvPr id="7" name="Image 2" descr="preencoded.png">
+            <a:extLst>
+              <a:ext uri="{FF2B5EF4-FFF2-40B4-BE49-F238E27FC236}">
+                <a16:creationId xmlns:a16="http://schemas.microsoft.com/office/drawing/2014/main" id="{7764D6BC-09EF-A2EE-129B-3CE31E61CBFE}"/>
+              </a:ext>
+            </a:extLst>
+          </p:cNvPr>
           <p:cNvPicPr>
             <a:picLocks noChangeAspect="1"/>
           </p:cNvPicPr>
@@ -5138,8 +7493,8 @@
         </p:blipFill>
         <p:spPr>
           <a:xfrm>
-            <a:off x="4200406" y="3198019"/>
-            <a:ext cx="2845594" cy="1946910"/>
+            <a:off x="6339185" y="2665016"/>
+            <a:ext cx="2371328" cy="1622425"/>
           </a:xfrm>
           <a:prstGeom prst="rect">
             <a:avLst/>
@@ -5148,14 +7503,20 @@
       </p:pic>
       <p:sp>
         <p:nvSpPr>
-          <p:cNvPr id="6" name="Text 2"/>
+          <p:cNvPr id="8" name="Text 3">
+            <a:extLst>
+              <a:ext uri="{FF2B5EF4-FFF2-40B4-BE49-F238E27FC236}">
+                <a16:creationId xmlns:a16="http://schemas.microsoft.com/office/drawing/2014/main" id="{8DE6F7EF-4A66-0034-7A36-13866C08C3AE}"/>
+              </a:ext>
+            </a:extLst>
+          </p:cNvPr>
           <p:cNvSpPr/>
           <p:nvPr/>
         </p:nvSpPr>
         <p:spPr>
           <a:xfrm>
-            <a:off x="4200406" y="5400080"/>
-            <a:ext cx="2835235" cy="354330"/>
+            <a:off x="6339185" y="4500067"/>
+            <a:ext cx="2362696" cy="295275"/>
           </a:xfrm>
           <a:prstGeom prst="rect">
             <a:avLst/>
@@ -5167,14 +7528,13 @@
           <a:bodyPr wrap="none" lIns="0" tIns="0" rIns="0" bIns="0" rtlCol="0" anchor="t"/>
           <a:lstStyle/>
           <a:p>
-            <a:pPr marL="0" indent="0" algn="l">
+            <a:pPr>
               <a:lnSpc>
-                <a:spcPts val="2750"/>
+                <a:spcPts val="2292"/>
               </a:lnSpc>
-              <a:buNone/>
             </a:pPr>
             <a:r>
-              <a:rPr lang="en-US" sz="2200" dirty="0">
+              <a:rPr lang="en-US" sz="1833" dirty="0">
                 <a:solidFill>
                   <a:srgbClr val="161613"/>
                 </a:solidFill>
@@ -5182,15 +7542,21 @@
                 <a:ea typeface="DM Sans Medium" pitchFamily="34" charset="-122"/>
                 <a:cs typeface="DM Sans Medium" pitchFamily="34" charset="-120"/>
               </a:rPr>
-              <a:t>MVC 아키텍처 훈련</a:t>
-            </a:r>
-            <a:endParaRPr lang="en-US" sz="2200" dirty="0"/>
+              <a:t>실무 적용 능력 향상</a:t>
+            </a:r>
+            <a:endParaRPr lang="en-US" sz="1833" dirty="0"/>
           </a:p>
         </p:txBody>
       </p:sp>
       <p:pic>
         <p:nvPicPr>
-          <p:cNvPr id="7" name="Image 2" descr="preencoded.png"/>
+          <p:cNvPr id="9" name="Image 3" descr="preencoded.png">
+            <a:extLst>
+              <a:ext uri="{FF2B5EF4-FFF2-40B4-BE49-F238E27FC236}">
+                <a16:creationId xmlns:a16="http://schemas.microsoft.com/office/drawing/2014/main" id="{516FAC44-9CE5-689A-8616-C0D206A84DF2}"/>
+              </a:ext>
+            </a:extLst>
+          </p:cNvPr>
           <p:cNvPicPr>
             <a:picLocks noChangeAspect="1"/>
           </p:cNvPicPr>
@@ -5204,8 +7570,8 @@
         </p:blipFill>
         <p:spPr>
           <a:xfrm>
-            <a:off x="7607022" y="3198019"/>
-            <a:ext cx="2845594" cy="1946910"/>
+            <a:off x="9178032" y="2665016"/>
+            <a:ext cx="2371328" cy="1622425"/>
           </a:xfrm>
           <a:prstGeom prst="rect">
             <a:avLst/>
@@ -5214,14 +7580,20 @@
       </p:pic>
       <p:sp>
         <p:nvSpPr>
-          <p:cNvPr id="8" name="Text 3"/>
+          <p:cNvPr id="10" name="Text 4">
+            <a:extLst>
+              <a:ext uri="{FF2B5EF4-FFF2-40B4-BE49-F238E27FC236}">
+                <a16:creationId xmlns:a16="http://schemas.microsoft.com/office/drawing/2014/main" id="{89183518-3F5D-F6F5-9914-8059D51CC1D2}"/>
+              </a:ext>
+            </a:extLst>
+          </p:cNvPr>
           <p:cNvSpPr/>
           <p:nvPr/>
         </p:nvSpPr>
         <p:spPr>
           <a:xfrm>
-            <a:off x="7607022" y="5400080"/>
-            <a:ext cx="2835235" cy="354330"/>
+            <a:off x="9178032" y="4500067"/>
+            <a:ext cx="2371328" cy="590550"/>
           </a:xfrm>
           <a:prstGeom prst="rect">
             <a:avLst/>
@@ -5230,83 +7602,16 @@
           <a:ln/>
         </p:spPr>
         <p:txBody>
-          <a:bodyPr wrap="none" lIns="0" tIns="0" rIns="0" bIns="0" rtlCol="0" anchor="t"/>
-          <a:lstStyle/>
-          <a:p>
-            <a:pPr marL="0" indent="0" algn="l">
+          <a:bodyPr wrap="square" lIns="0" tIns="0" rIns="0" bIns="0" rtlCol="0" anchor="t"/>
+          <a:lstStyle/>
+          <a:p>
+            <a:pPr>
               <a:lnSpc>
-                <a:spcPts val="2750"/>
+                <a:spcPts val="2292"/>
               </a:lnSpc>
-              <a:buNone/>
             </a:pPr>
             <a:r>
-              <a:rPr lang="en-US" sz="2200" dirty="0">
-                <a:solidFill>
-                  <a:srgbClr val="161613"/>
-                </a:solidFill>
-                <a:latin typeface="DM Sans Medium" pitchFamily="34" charset="0"/>
-                <a:ea typeface="DM Sans Medium" pitchFamily="34" charset="-122"/>
-                <a:cs typeface="DM Sans Medium" pitchFamily="34" charset="-120"/>
-              </a:rPr>
-              <a:t>실무 적용 능력 향상</a:t>
-            </a:r>
-            <a:endParaRPr lang="en-US" sz="2200" dirty="0"/>
-          </a:p>
-        </p:txBody>
-      </p:sp>
-      <p:pic>
-        <p:nvPicPr>
-          <p:cNvPr id="9" name="Image 3" descr="preencoded.png"/>
-          <p:cNvPicPr>
-            <a:picLocks noChangeAspect="1"/>
-          </p:cNvPicPr>
-          <p:nvPr/>
-        </p:nvPicPr>
-        <p:blipFill>
-          <a:blip r:embed="rId6"/>
-          <a:stretch>
-            <a:fillRect/>
-          </a:stretch>
-        </p:blipFill>
-        <p:spPr>
-          <a:xfrm>
-            <a:off x="11013638" y="3198019"/>
-            <a:ext cx="2845594" cy="1946910"/>
-          </a:xfrm>
-          <a:prstGeom prst="rect">
-            <a:avLst/>
-          </a:prstGeom>
-        </p:spPr>
-      </p:pic>
-      <p:sp>
-        <p:nvSpPr>
-          <p:cNvPr id="10" name="Text 4"/>
-          <p:cNvSpPr/>
-          <p:nvPr/>
-        </p:nvSpPr>
-        <p:spPr>
-          <a:xfrm>
-            <a:off x="11013638" y="5400080"/>
-            <a:ext cx="2845594" cy="708660"/>
-          </a:xfrm>
-          <a:prstGeom prst="rect">
-            <a:avLst/>
-          </a:prstGeom>
-          <a:noFill/>
-          <a:ln/>
-        </p:spPr>
-        <p:txBody>
-          <a:bodyPr wrap="square" lIns="0" tIns="0" rIns="0" bIns="0" rtlCol="0" anchor="t"/>
-          <a:lstStyle/>
-          <a:p>
-            <a:pPr marL="0" indent="0" algn="l">
-              <a:lnSpc>
-                <a:spcPts val="2750"/>
-              </a:lnSpc>
-              <a:buNone/>
-            </a:pPr>
-            <a:r>
-              <a:rPr lang="en-US" sz="2200" dirty="0">
+              <a:rPr lang="en-US" sz="1833" dirty="0">
                 <a:solidFill>
                   <a:srgbClr val="161613"/>
                 </a:solidFill>
@@ -5316,11 +7621,16 @@
               </a:rPr>
               <a:t>Spring Framework 확장 기반 마련</a:t>
             </a:r>
-            <a:endParaRPr lang="en-US" sz="2200" dirty="0"/>
+            <a:endParaRPr lang="en-US" sz="1833" dirty="0"/>
           </a:p>
         </p:txBody>
       </p:sp>
     </p:spTree>
+    <p:extLst>
+      <p:ext uri="{BB962C8B-B14F-4D97-AF65-F5344CB8AC3E}">
+        <p14:creationId xmlns:p14="http://schemas.microsoft.com/office/powerpoint/2010/main" val="1765128862"/>
+      </p:ext>
+    </p:extLst>
   </p:cSld>
   <p:clrMapOvr>
     <a:masterClrMapping/>
@@ -5329,7 +7639,7 @@
 </file>
 
 <file path=ppt/theme/theme1.xml><?xml version="1.0" encoding="utf-8"?>
-<a:theme xmlns:a="http://schemas.openxmlformats.org/drawingml/2006/main" name="Office Theme">
+<a:theme xmlns:a="http://schemas.openxmlformats.org/drawingml/2006/main" name="Office 테마">
   <a:themeElements>
     <a:clrScheme name="Office">
       <a:dk1>
@@ -5339,39 +7649,39 @@
         <a:sysClr val="window" lastClr="FFFFFF"/>
       </a:lt1>
       <a:dk2>
-        <a:srgbClr val="44546A"/>
+        <a:srgbClr val="0E2841"/>
       </a:dk2>
       <a:lt2>
-        <a:srgbClr val="E7E6E6"/>
+        <a:srgbClr val="E8E8E8"/>
       </a:lt2>
       <a:accent1>
-        <a:srgbClr val="4472C4"/>
+        <a:srgbClr val="156082"/>
       </a:accent1>
       <a:accent2>
-        <a:srgbClr val="ED7D31"/>
+        <a:srgbClr val="E97132"/>
       </a:accent2>
       <a:accent3>
-        <a:srgbClr val="A5A5A5"/>
+        <a:srgbClr val="196B24"/>
       </a:accent3>
       <a:accent4>
-        <a:srgbClr val="FFC000"/>
+        <a:srgbClr val="0F9ED5"/>
       </a:accent4>
       <a:accent5>
-        <a:srgbClr val="5B9BD5"/>
+        <a:srgbClr val="A02B93"/>
       </a:accent5>
       <a:accent6>
-        <a:srgbClr val="70AD47"/>
+        <a:srgbClr val="4EA72E"/>
       </a:accent6>
       <a:hlink>
-        <a:srgbClr val="0563C1"/>
+        <a:srgbClr val="467886"/>
       </a:hlink>
       <a:folHlink>
-        <a:srgbClr val="954F72"/>
+        <a:srgbClr val="96607D"/>
       </a:folHlink>
     </a:clrScheme>
     <a:fontScheme name="Office">
       <a:majorFont>
-        <a:latin typeface="Calibri Light" panose="020F0302020204030204"/>
+        <a:latin typeface="맑은 고딕" panose="02110004020202020204"/>
         <a:ea typeface=""/>
         <a:cs typeface=""/>
         <a:font script="Jpan" typeface="游ゴシック Light"/>
@@ -5423,7 +7733,7 @@
         <a:font script="Tfng" typeface="Ebrima"/>
       </a:majorFont>
       <a:minorFont>
-        <a:latin typeface="Calibri" panose="020F0502020204030204"/>
+        <a:latin typeface="맑은 고딕" panose="02110004020202020204"/>
         <a:ea typeface=""/>
         <a:cs typeface=""/>
         <a:font script="Jpan" typeface="游ゴシック"/>
@@ -5534,13 +7844,6 @@
         </a:gradFill>
       </a:fillStyleLst>
       <a:lnStyleLst>
-        <a:ln w="6350" cap="flat" cmpd="sng" algn="ctr">
-          <a:solidFill>
-            <a:schemeClr val="phClr"/>
-          </a:solidFill>
-          <a:prstDash val="solid"/>
-          <a:miter lim="800000"/>
-        </a:ln>
         <a:ln w="12700" cap="flat" cmpd="sng" algn="ctr">
           <a:solidFill>
             <a:schemeClr val="phClr"/>
@@ -5549,6 +7852,13 @@
           <a:miter lim="800000"/>
         </a:ln>
         <a:ln w="19050" cap="flat" cmpd="sng" algn="ctr">
+          <a:solidFill>
+            <a:schemeClr val="phClr"/>
+          </a:solidFill>
+          <a:prstDash val="solid"/>
+          <a:miter lim="800000"/>
+        </a:ln>
+        <a:ln w="25400" cap="flat" cmpd="sng" algn="ctr">
           <a:solidFill>
             <a:schemeClr val="phClr"/>
           </a:solidFill>
@@ -5613,11 +7923,31 @@
       </a:bgFillStyleLst>
     </a:fmtScheme>
   </a:themeElements>
-  <a:objectDefaults/>
+  <a:objectDefaults>
+    <a:lnDef>
+      <a:spPr/>
+      <a:bodyPr/>
+      <a:lstStyle/>
+      <a:style>
+        <a:lnRef idx="2">
+          <a:schemeClr val="accent1"/>
+        </a:lnRef>
+        <a:fillRef idx="0">
+          <a:schemeClr val="accent1"/>
+        </a:fillRef>
+        <a:effectRef idx="1">
+          <a:schemeClr val="accent1"/>
+        </a:effectRef>
+        <a:fontRef idx="minor">
+          <a:schemeClr val="tx1"/>
+        </a:fontRef>
+      </a:style>
+    </a:lnDef>
+  </a:objectDefaults>
   <a:extraClrSchemeLst/>
   <a:extLst>
     <a:ext uri="{05A4C25C-085E-4340-85A3-A5531E510DB2}">
-      <thm15:themeFamily xmlns:thm15="http://schemas.microsoft.com/office/thememl/2012/main" name="Office Theme" id="{62F939B6-93AF-4DB8-9C6B-D6C7DFDC589F}" vid="{4A3C46E8-61CC-4603-A589-7422A47A8E4A}"/>
+      <thm15:themeFamily xmlns:thm15="http://schemas.microsoft.com/office/thememl/2012/main" name="Office Theme" id="{2E142A2C-CD16-42D6-873A-C26D2A0506FA}" vid="{1BDDFF52-6CD6-40A5-AB3C-68EB2F1E4D0A}"/>
     </a:ext>
   </a:extLst>
 </a:theme>
